--- a/KTLT-slide.pptx
+++ b/KTLT-slide.pptx
@@ -13,12 +13,22 @@
     <p:sldId id="276" r:id="rId7"/>
     <p:sldId id="273" r:id="rId8"/>
     <p:sldId id="261" r:id="rId9"/>
-    <p:sldId id="262" r:id="rId10"/>
-    <p:sldId id="263" r:id="rId11"/>
-    <p:sldId id="264" r:id="rId12"/>
-    <p:sldId id="265" r:id="rId13"/>
-    <p:sldId id="266" r:id="rId14"/>
-    <p:sldId id="258" r:id="rId15"/>
+    <p:sldId id="277" r:id="rId10"/>
+    <p:sldId id="279" r:id="rId11"/>
+    <p:sldId id="280" r:id="rId12"/>
+    <p:sldId id="281" r:id="rId13"/>
+    <p:sldId id="282" r:id="rId14"/>
+    <p:sldId id="283" r:id="rId15"/>
+    <p:sldId id="284" r:id="rId16"/>
+    <p:sldId id="285" r:id="rId17"/>
+    <p:sldId id="287" r:id="rId18"/>
+    <p:sldId id="286" r:id="rId19"/>
+    <p:sldId id="288" r:id="rId20"/>
+    <p:sldId id="289" r:id="rId21"/>
+    <p:sldId id="263" r:id="rId22"/>
+    <p:sldId id="264" r:id="rId23"/>
+    <p:sldId id="265" r:id="rId24"/>
+    <p:sldId id="258" r:id="rId25"/>
   </p:sldIdLst>
   <p:sldSz cx="9906000" cy="6858000" type="A4"/>
   <p:notesSz cx="6858000" cy="9144000"/>
@@ -267,7 +277,7 @@
           <a:p>
             <a:fld id="{623465F8-54E0-4986-A3D0-FC621A208C6C}" type="datetimeFigureOut">
               <a:rPr lang="vi-VN" smtClean="0"/>
-              <a:t>30/06/2020</a:t>
+              <a:t>01/07/2020</a:t>
             </a:fld>
             <a:endParaRPr lang="vi-VN"/>
           </a:p>
@@ -437,7 +447,7 @@
           <a:p>
             <a:fld id="{623465F8-54E0-4986-A3D0-FC621A208C6C}" type="datetimeFigureOut">
               <a:rPr lang="vi-VN" smtClean="0"/>
-              <a:t>30/06/2020</a:t>
+              <a:t>01/07/2020</a:t>
             </a:fld>
             <a:endParaRPr lang="vi-VN"/>
           </a:p>
@@ -617,7 +627,7 @@
           <a:p>
             <a:fld id="{623465F8-54E0-4986-A3D0-FC621A208C6C}" type="datetimeFigureOut">
               <a:rPr lang="vi-VN" smtClean="0"/>
-              <a:t>30/06/2020</a:t>
+              <a:t>01/07/2020</a:t>
             </a:fld>
             <a:endParaRPr lang="vi-VN"/>
           </a:p>
@@ -787,7 +797,7 @@
           <a:p>
             <a:fld id="{623465F8-54E0-4986-A3D0-FC621A208C6C}" type="datetimeFigureOut">
               <a:rPr lang="vi-VN" smtClean="0"/>
-              <a:t>30/06/2020</a:t>
+              <a:t>01/07/2020</a:t>
             </a:fld>
             <a:endParaRPr lang="vi-VN"/>
           </a:p>
@@ -1031,7 +1041,7 @@
           <a:p>
             <a:fld id="{623465F8-54E0-4986-A3D0-FC621A208C6C}" type="datetimeFigureOut">
               <a:rPr lang="vi-VN" smtClean="0"/>
-              <a:t>30/06/2020</a:t>
+              <a:t>01/07/2020</a:t>
             </a:fld>
             <a:endParaRPr lang="vi-VN"/>
           </a:p>
@@ -1263,7 +1273,7 @@
           <a:p>
             <a:fld id="{623465F8-54E0-4986-A3D0-FC621A208C6C}" type="datetimeFigureOut">
               <a:rPr lang="vi-VN" smtClean="0"/>
-              <a:t>30/06/2020</a:t>
+              <a:t>01/07/2020</a:t>
             </a:fld>
             <a:endParaRPr lang="vi-VN"/>
           </a:p>
@@ -1630,7 +1640,7 @@
           <a:p>
             <a:fld id="{623465F8-54E0-4986-A3D0-FC621A208C6C}" type="datetimeFigureOut">
               <a:rPr lang="vi-VN" smtClean="0"/>
-              <a:t>30/06/2020</a:t>
+              <a:t>01/07/2020</a:t>
             </a:fld>
             <a:endParaRPr lang="vi-VN"/>
           </a:p>
@@ -1748,7 +1758,7 @@
           <a:p>
             <a:fld id="{623465F8-54E0-4986-A3D0-FC621A208C6C}" type="datetimeFigureOut">
               <a:rPr lang="vi-VN" smtClean="0"/>
-              <a:t>30/06/2020</a:t>
+              <a:t>01/07/2020</a:t>
             </a:fld>
             <a:endParaRPr lang="vi-VN"/>
           </a:p>
@@ -1843,7 +1853,7 @@
           <a:p>
             <a:fld id="{623465F8-54E0-4986-A3D0-FC621A208C6C}" type="datetimeFigureOut">
               <a:rPr lang="vi-VN" smtClean="0"/>
-              <a:t>30/06/2020</a:t>
+              <a:t>01/07/2020</a:t>
             </a:fld>
             <a:endParaRPr lang="vi-VN"/>
           </a:p>
@@ -2120,7 +2130,7 @@
           <a:p>
             <a:fld id="{623465F8-54E0-4986-A3D0-FC621A208C6C}" type="datetimeFigureOut">
               <a:rPr lang="vi-VN" smtClean="0"/>
-              <a:t>30/06/2020</a:t>
+              <a:t>01/07/2020</a:t>
             </a:fld>
             <a:endParaRPr lang="vi-VN"/>
           </a:p>
@@ -2377,7 +2387,7 @@
           <a:p>
             <a:fld id="{623465F8-54E0-4986-A3D0-FC621A208C6C}" type="datetimeFigureOut">
               <a:rPr lang="vi-VN" smtClean="0"/>
-              <a:t>30/06/2020</a:t>
+              <a:t>01/07/2020</a:t>
             </a:fld>
             <a:endParaRPr lang="vi-VN"/>
           </a:p>
@@ -2599,7 +2609,7 @@
           <a:p>
             <a:fld id="{623465F8-54E0-4986-A3D0-FC621A208C6C}" type="datetimeFigureOut">
               <a:rPr lang="vi-VN" smtClean="0"/>
-              <a:t>30/06/2020</a:t>
+              <a:t>01/07/2020</a:t>
             </a:fld>
             <a:endParaRPr lang="vi-VN"/>
           </a:p>
@@ -3280,6 +3290,5986 @@
       </p:grpSpPr>
       <p:sp>
         <p:nvSpPr>
+          <p:cNvPr id="2" name="Title 1">
+            <a:extLst>
+              <a:ext uri="{FF2B5EF4-FFF2-40B4-BE49-F238E27FC236}">
+                <a16:creationId xmlns:a16="http://schemas.microsoft.com/office/drawing/2014/main" id="{47A79F88-FA1C-43C9-B65B-C078745F1D3E}"/>
+              </a:ext>
+            </a:extLst>
+          </p:cNvPr>
+          <p:cNvSpPr>
+            <a:spLocks noGrp="1"/>
+          </p:cNvSpPr>
+          <p:nvPr>
+            <p:ph type="title"/>
+          </p:nvPr>
+        </p:nvSpPr>
+        <p:spPr>
+          <a:xfrm>
+            <a:off x="682328" y="987427"/>
+            <a:ext cx="9128937" cy="1072032"/>
+          </a:xfrm>
+        </p:spPr>
+        <p:txBody>
+          <a:bodyPr>
+            <a:normAutofit/>
+          </a:bodyPr>
+          <a:lstStyle/>
+          <a:p>
+            <a:r>
+              <a:rPr lang="vi-VN" b="1" dirty="0">
+                <a:latin typeface="+mn-lt"/>
+              </a:rPr>
+              <a:t>3. </a:t>
+            </a:r>
+            <a:r>
+              <a:rPr lang="en-US" b="1" dirty="0" err="1">
+                <a:latin typeface="Arial" panose="020B0604020202020204" pitchFamily="34" charset="0"/>
+                <a:cs typeface="Arial" panose="020B0604020202020204" pitchFamily="34" charset="0"/>
+              </a:rPr>
+              <a:t>Cấu</a:t>
+            </a:r>
+            <a:r>
+              <a:rPr lang="en-US" b="1" dirty="0">
+                <a:latin typeface="Arial" panose="020B0604020202020204" pitchFamily="34" charset="0"/>
+                <a:cs typeface="Arial" panose="020B0604020202020204" pitchFamily="34" charset="0"/>
+              </a:rPr>
+              <a:t> </a:t>
+            </a:r>
+            <a:r>
+              <a:rPr lang="en-US" b="1" dirty="0" err="1">
+                <a:latin typeface="Arial" panose="020B0604020202020204" pitchFamily="34" charset="0"/>
+                <a:cs typeface="Arial" panose="020B0604020202020204" pitchFamily="34" charset="0"/>
+              </a:rPr>
+              <a:t>trúc</a:t>
+            </a:r>
+            <a:r>
+              <a:rPr lang="vi-VN" b="1" dirty="0">
+                <a:latin typeface="Arial" panose="020B0604020202020204" pitchFamily="34" charset="0"/>
+                <a:cs typeface="Arial" panose="020B0604020202020204" pitchFamily="34" charset="0"/>
+              </a:rPr>
+              <a:t> </a:t>
+            </a:r>
+            <a:r>
+              <a:rPr lang="vi-VN" b="1" dirty="0" err="1">
+                <a:latin typeface="+mn-lt"/>
+              </a:rPr>
+              <a:t>dữ</a:t>
+            </a:r>
+            <a:r>
+              <a:rPr lang="vi-VN" b="1" dirty="0">
+                <a:latin typeface="+mn-lt"/>
+              </a:rPr>
+              <a:t> </a:t>
+            </a:r>
+            <a:r>
+              <a:rPr lang="vi-VN" b="1" dirty="0" err="1">
+                <a:latin typeface="+mn-lt"/>
+              </a:rPr>
+              <a:t>liệu</a:t>
+            </a:r>
+            <a:r>
+              <a:rPr lang="vi-VN" b="1" dirty="0">
+                <a:latin typeface="+mn-lt"/>
+              </a:rPr>
+              <a:t> </a:t>
+            </a:r>
+            <a:r>
+              <a:rPr lang="vi-VN" b="1" dirty="0" err="1">
+                <a:latin typeface="+mn-lt"/>
+              </a:rPr>
+              <a:t>được</a:t>
+            </a:r>
+            <a:r>
+              <a:rPr lang="vi-VN" b="1" dirty="0">
+                <a:latin typeface="+mn-lt"/>
+              </a:rPr>
+              <a:t> </a:t>
+            </a:r>
+            <a:r>
+              <a:rPr lang="vi-VN" b="1" dirty="0" err="1">
+                <a:latin typeface="+mn-lt"/>
+              </a:rPr>
+              <a:t>sử</a:t>
+            </a:r>
+            <a:r>
+              <a:rPr lang="vi-VN" b="1" dirty="0">
+                <a:latin typeface="+mn-lt"/>
+              </a:rPr>
+              <a:t> </a:t>
+            </a:r>
+            <a:r>
+              <a:rPr lang="vi-VN" b="1" dirty="0" err="1">
+                <a:latin typeface="+mn-lt"/>
+              </a:rPr>
+              <a:t>dụng</a:t>
+            </a:r>
+            <a:r>
+              <a:rPr lang="en-US" b="1" dirty="0">
+                <a:latin typeface="+mn-lt"/>
+              </a:rPr>
+              <a:t>:</a:t>
+            </a:r>
+            <a:br>
+              <a:rPr lang="en-US" b="1" dirty="0"/>
+            </a:br>
+            <a:endParaRPr lang="en-US" dirty="0"/>
+          </a:p>
+        </p:txBody>
+      </p:sp>
+      <p:sp>
+        <p:nvSpPr>
+          <p:cNvPr id="4" name="Text Placeholder 3">
+            <a:extLst>
+              <a:ext uri="{FF2B5EF4-FFF2-40B4-BE49-F238E27FC236}">
+                <a16:creationId xmlns:a16="http://schemas.microsoft.com/office/drawing/2014/main" id="{188D9BD0-3F05-4F6E-943F-2553EA873FB0}"/>
+              </a:ext>
+            </a:extLst>
+          </p:cNvPr>
+          <p:cNvSpPr>
+            <a:spLocks noGrp="1"/>
+          </p:cNvSpPr>
+          <p:nvPr>
+            <p:ph type="body" sz="half" idx="2"/>
+          </p:nvPr>
+        </p:nvSpPr>
+        <p:spPr>
+          <a:xfrm>
+            <a:off x="682328" y="1775959"/>
+            <a:ext cx="8741758" cy="1072032"/>
+          </a:xfrm>
+        </p:spPr>
+        <p:txBody>
+          <a:bodyPr>
+            <a:normAutofit/>
+          </a:bodyPr>
+          <a:lstStyle/>
+          <a:p>
+            <a:pPr marL="342900" indent="-342900">
+              <a:buFont typeface="Arial" panose="020B0604020202020204" pitchFamily="34" charset="0"/>
+              <a:buChar char="•"/>
+            </a:pPr>
+            <a:r>
+              <a:rPr lang="en-US" sz="2400" dirty="0"/>
+              <a:t>Struct </a:t>
+            </a:r>
+            <a:r>
+              <a:rPr lang="en-US" sz="2400" dirty="0" err="1"/>
+              <a:t>Sachmuon</a:t>
+            </a:r>
+            <a:r>
+              <a:rPr lang="en-US" sz="2400" dirty="0"/>
+              <a:t> </a:t>
+            </a:r>
+            <a:r>
+              <a:rPr lang="en-US" sz="2400" dirty="0" err="1"/>
+              <a:t>dùn</a:t>
+            </a:r>
+            <a:r>
+              <a:rPr lang="en-US" sz="2400" dirty="0"/>
+              <a:t> </a:t>
+            </a:r>
+            <a:r>
+              <a:rPr lang="en-US" sz="2400" dirty="0" err="1"/>
+              <a:t>để</a:t>
+            </a:r>
+            <a:r>
+              <a:rPr lang="en-US" sz="2400" dirty="0"/>
+              <a:t> </a:t>
+            </a:r>
+            <a:r>
+              <a:rPr lang="en-US" sz="2400" dirty="0" err="1"/>
+              <a:t>lưu</a:t>
+            </a:r>
+            <a:r>
+              <a:rPr lang="en-US" sz="2400" dirty="0"/>
+              <a:t> </a:t>
+            </a:r>
+            <a:r>
+              <a:rPr lang="en-US" sz="2400" dirty="0" err="1"/>
+              <a:t>các</a:t>
+            </a:r>
+            <a:r>
+              <a:rPr lang="en-US" sz="2400" dirty="0"/>
+              <a:t> </a:t>
+            </a:r>
+            <a:r>
+              <a:rPr lang="en-US" sz="2400" dirty="0" err="1"/>
+              <a:t>thông</a:t>
+            </a:r>
+            <a:r>
+              <a:rPr lang="en-US" sz="2400" dirty="0"/>
+              <a:t> tin </a:t>
+            </a:r>
+            <a:r>
+              <a:rPr lang="en-US" sz="2400" dirty="0" err="1"/>
+              <a:t>của</a:t>
+            </a:r>
+            <a:r>
+              <a:rPr lang="en-US" sz="2400" dirty="0"/>
+              <a:t> </a:t>
+            </a:r>
+            <a:r>
+              <a:rPr lang="en-US" sz="2400" dirty="0" err="1"/>
+              <a:t>người</a:t>
+            </a:r>
+            <a:r>
+              <a:rPr lang="en-US" sz="2400" dirty="0"/>
+              <a:t> </a:t>
+            </a:r>
+            <a:r>
+              <a:rPr lang="en-US" sz="2400" dirty="0" err="1"/>
+              <a:t>mượn</a:t>
+            </a:r>
+            <a:r>
+              <a:rPr lang="en-US" sz="2400" dirty="0"/>
+              <a:t>, </a:t>
+            </a:r>
+            <a:r>
+              <a:rPr lang="en-US" sz="2400" dirty="0" err="1"/>
+              <a:t>được</a:t>
+            </a:r>
+            <a:r>
+              <a:rPr lang="en-US" sz="2400" dirty="0"/>
+              <a:t> </a:t>
+            </a:r>
+            <a:r>
+              <a:rPr lang="en-US" sz="2400" dirty="0" err="1"/>
+              <a:t>lưu</a:t>
+            </a:r>
+            <a:r>
+              <a:rPr lang="en-US" sz="2400" dirty="0"/>
+              <a:t> </a:t>
+            </a:r>
+            <a:r>
+              <a:rPr lang="en-US" sz="2400" dirty="0" err="1"/>
+              <a:t>trong</a:t>
+            </a:r>
+            <a:r>
+              <a:rPr lang="en-US" sz="2400" dirty="0"/>
+              <a:t> file </a:t>
+            </a:r>
+            <a:r>
+              <a:rPr lang="en-US" sz="2400" dirty="0" err="1"/>
+              <a:t>sachmuon.bin</a:t>
+            </a:r>
+            <a:endParaRPr lang="en-US" sz="2400" dirty="0"/>
+          </a:p>
+        </p:txBody>
+      </p:sp>
+      <p:sp>
+        <p:nvSpPr>
+          <p:cNvPr id="5" name="Title 1">
+            <a:extLst>
+              <a:ext uri="{FF2B5EF4-FFF2-40B4-BE49-F238E27FC236}">
+                <a16:creationId xmlns:a16="http://schemas.microsoft.com/office/drawing/2014/main" id="{68D43CE2-ACC3-4800-845A-40DD1A52927D}"/>
+              </a:ext>
+            </a:extLst>
+          </p:cNvPr>
+          <p:cNvSpPr txBox="1">
+            <a:spLocks/>
+          </p:cNvSpPr>
+          <p:nvPr/>
+        </p:nvSpPr>
+        <p:spPr>
+          <a:xfrm>
+            <a:off x="2025744" y="-190685"/>
+            <a:ext cx="8543925" cy="1325563"/>
+          </a:xfrm>
+          <a:prstGeom prst="rect">
+            <a:avLst/>
+          </a:prstGeom>
+        </p:spPr>
+        <p:txBody>
+          <a:bodyPr vert="horz" lIns="91440" tIns="45720" rIns="91440" bIns="45720" rtlCol="0" anchor="ctr">
+            <a:normAutofit/>
+          </a:bodyPr>
+          <a:lstStyle>
+            <a:lvl1pPr algn="l" defTabSz="914400" rtl="0" eaLnBrk="1" latinLnBrk="0" hangingPunct="1">
+              <a:lnSpc>
+                <a:spcPct val="90000"/>
+              </a:lnSpc>
+              <a:spcBef>
+                <a:spcPct val="0"/>
+              </a:spcBef>
+              <a:buNone/>
+              <a:defRPr sz="4400" kern="1200">
+                <a:solidFill>
+                  <a:schemeClr val="tx1"/>
+                </a:solidFill>
+                <a:latin typeface="+mj-lt"/>
+                <a:ea typeface="+mj-ea"/>
+                <a:cs typeface="+mj-cs"/>
+              </a:defRPr>
+            </a:lvl1pPr>
+          </a:lstStyle>
+          <a:p>
+            <a:r>
+              <a:rPr lang="vi-VN" sz="2400" b="1" dirty="0">
+                <a:solidFill>
+                  <a:schemeClr val="bg1"/>
+                </a:solidFill>
+              </a:rPr>
+              <a:t>QUẢN LÝ SÁCH THƯ VIỆN BẰNG PHẦN MỀM C++</a:t>
+            </a:r>
+          </a:p>
+        </p:txBody>
+      </p:sp>
+      <p:pic>
+        <p:nvPicPr>
+          <p:cNvPr id="6" name="Picture 5">
+            <a:extLst>
+              <a:ext uri="{FF2B5EF4-FFF2-40B4-BE49-F238E27FC236}">
+                <a16:creationId xmlns:a16="http://schemas.microsoft.com/office/drawing/2014/main" id="{7A9FA439-E634-4A9E-AC50-68F978DA4315}"/>
+              </a:ext>
+            </a:extLst>
+          </p:cNvPr>
+          <p:cNvPicPr/>
+          <p:nvPr/>
+        </p:nvPicPr>
+        <p:blipFill>
+          <a:blip r:embed="rId2"/>
+          <a:stretch>
+            <a:fillRect/>
+          </a:stretch>
+        </p:blipFill>
+        <p:spPr>
+          <a:xfrm>
+            <a:off x="1324360" y="2773567"/>
+            <a:ext cx="7135899" cy="3462476"/>
+          </a:xfrm>
+          <a:prstGeom prst="rect">
+            <a:avLst/>
+          </a:prstGeom>
+        </p:spPr>
+      </p:pic>
+    </p:spTree>
+    <p:extLst>
+      <p:ext uri="{BB962C8B-B14F-4D97-AF65-F5344CB8AC3E}">
+        <p14:creationId xmlns:p14="http://schemas.microsoft.com/office/powerpoint/2010/main" val="2423749071"/>
+      </p:ext>
+    </p:extLst>
+  </p:cSld>
+  <p:clrMapOvr>
+    <a:masterClrMapping/>
+  </p:clrMapOvr>
+</p:sld>
+</file>
+
+<file path=ppt/slides/slide11.xml><?xml version="1.0" encoding="utf-8"?>
+<p:sld xmlns:a="http://schemas.openxmlformats.org/drawingml/2006/main" xmlns:r="http://schemas.openxmlformats.org/officeDocument/2006/relationships" xmlns:p="http://schemas.openxmlformats.org/presentationml/2006/main">
+  <p:cSld>
+    <p:spTree>
+      <p:nvGrpSpPr>
+        <p:cNvPr id="1" name=""/>
+        <p:cNvGrpSpPr/>
+        <p:nvPr/>
+      </p:nvGrpSpPr>
+      <p:grpSpPr>
+        <a:xfrm>
+          <a:off x="0" y="0"/>
+          <a:ext cx="0" cy="0"/>
+          <a:chOff x="0" y="0"/>
+          <a:chExt cx="0" cy="0"/>
+        </a:xfrm>
+      </p:grpSpPr>
+      <p:sp>
+        <p:nvSpPr>
+          <p:cNvPr id="2" name="Title 1">
+            <a:extLst>
+              <a:ext uri="{FF2B5EF4-FFF2-40B4-BE49-F238E27FC236}">
+                <a16:creationId xmlns:a16="http://schemas.microsoft.com/office/drawing/2014/main" id="{47A79F88-FA1C-43C9-B65B-C078745F1D3E}"/>
+              </a:ext>
+            </a:extLst>
+          </p:cNvPr>
+          <p:cNvSpPr>
+            <a:spLocks noGrp="1"/>
+          </p:cNvSpPr>
+          <p:nvPr>
+            <p:ph type="title"/>
+          </p:nvPr>
+        </p:nvSpPr>
+        <p:spPr>
+          <a:xfrm>
+            <a:off x="682328" y="987427"/>
+            <a:ext cx="9128937" cy="1072032"/>
+          </a:xfrm>
+        </p:spPr>
+        <p:txBody>
+          <a:bodyPr>
+            <a:normAutofit/>
+          </a:bodyPr>
+          <a:lstStyle/>
+          <a:p>
+            <a:r>
+              <a:rPr lang="vi-VN" b="1" dirty="0">
+                <a:latin typeface="+mn-lt"/>
+              </a:rPr>
+              <a:t>3. </a:t>
+            </a:r>
+            <a:r>
+              <a:rPr lang="en-US" b="1" dirty="0" err="1">
+                <a:latin typeface="Arial" panose="020B0604020202020204" pitchFamily="34" charset="0"/>
+                <a:cs typeface="Arial" panose="020B0604020202020204" pitchFamily="34" charset="0"/>
+              </a:rPr>
+              <a:t>Cấu</a:t>
+            </a:r>
+            <a:r>
+              <a:rPr lang="en-US" b="1" dirty="0">
+                <a:latin typeface="Arial" panose="020B0604020202020204" pitchFamily="34" charset="0"/>
+                <a:cs typeface="Arial" panose="020B0604020202020204" pitchFamily="34" charset="0"/>
+              </a:rPr>
+              <a:t> </a:t>
+            </a:r>
+            <a:r>
+              <a:rPr lang="en-US" b="1" dirty="0" err="1">
+                <a:latin typeface="Arial" panose="020B0604020202020204" pitchFamily="34" charset="0"/>
+                <a:cs typeface="Arial" panose="020B0604020202020204" pitchFamily="34" charset="0"/>
+              </a:rPr>
+              <a:t>trúc</a:t>
+            </a:r>
+            <a:r>
+              <a:rPr lang="vi-VN" b="1" dirty="0">
+                <a:latin typeface="Arial" panose="020B0604020202020204" pitchFamily="34" charset="0"/>
+                <a:cs typeface="Arial" panose="020B0604020202020204" pitchFamily="34" charset="0"/>
+              </a:rPr>
+              <a:t> </a:t>
+            </a:r>
+            <a:r>
+              <a:rPr lang="vi-VN" b="1" dirty="0" err="1">
+                <a:latin typeface="+mn-lt"/>
+              </a:rPr>
+              <a:t>dữ</a:t>
+            </a:r>
+            <a:r>
+              <a:rPr lang="vi-VN" b="1" dirty="0">
+                <a:latin typeface="+mn-lt"/>
+              </a:rPr>
+              <a:t> </a:t>
+            </a:r>
+            <a:r>
+              <a:rPr lang="vi-VN" b="1" dirty="0" err="1">
+                <a:latin typeface="+mn-lt"/>
+              </a:rPr>
+              <a:t>liệu</a:t>
+            </a:r>
+            <a:r>
+              <a:rPr lang="vi-VN" b="1" dirty="0">
+                <a:latin typeface="+mn-lt"/>
+              </a:rPr>
+              <a:t> </a:t>
+            </a:r>
+            <a:r>
+              <a:rPr lang="vi-VN" b="1" dirty="0" err="1">
+                <a:latin typeface="+mn-lt"/>
+              </a:rPr>
+              <a:t>được</a:t>
+            </a:r>
+            <a:r>
+              <a:rPr lang="vi-VN" b="1" dirty="0">
+                <a:latin typeface="+mn-lt"/>
+              </a:rPr>
+              <a:t> </a:t>
+            </a:r>
+            <a:r>
+              <a:rPr lang="vi-VN" b="1" dirty="0" err="1">
+                <a:latin typeface="+mn-lt"/>
+              </a:rPr>
+              <a:t>sử</a:t>
+            </a:r>
+            <a:r>
+              <a:rPr lang="vi-VN" b="1" dirty="0">
+                <a:latin typeface="+mn-lt"/>
+              </a:rPr>
+              <a:t> </a:t>
+            </a:r>
+            <a:r>
+              <a:rPr lang="vi-VN" b="1" dirty="0" err="1">
+                <a:latin typeface="+mn-lt"/>
+              </a:rPr>
+              <a:t>dụng</a:t>
+            </a:r>
+            <a:r>
+              <a:rPr lang="en-US" b="1" dirty="0">
+                <a:latin typeface="+mn-lt"/>
+              </a:rPr>
+              <a:t>:</a:t>
+            </a:r>
+            <a:br>
+              <a:rPr lang="en-US" b="1" dirty="0"/>
+            </a:br>
+            <a:endParaRPr lang="en-US" dirty="0"/>
+          </a:p>
+        </p:txBody>
+      </p:sp>
+      <p:sp>
+        <p:nvSpPr>
+          <p:cNvPr id="4" name="Text Placeholder 3">
+            <a:extLst>
+              <a:ext uri="{FF2B5EF4-FFF2-40B4-BE49-F238E27FC236}">
+                <a16:creationId xmlns:a16="http://schemas.microsoft.com/office/drawing/2014/main" id="{188D9BD0-3F05-4F6E-943F-2553EA873FB0}"/>
+              </a:ext>
+            </a:extLst>
+          </p:cNvPr>
+          <p:cNvSpPr>
+            <a:spLocks noGrp="1"/>
+          </p:cNvSpPr>
+          <p:nvPr>
+            <p:ph type="body" sz="half" idx="2"/>
+          </p:nvPr>
+        </p:nvSpPr>
+        <p:spPr>
+          <a:xfrm>
+            <a:off x="682328" y="1775959"/>
+            <a:ext cx="8741758" cy="1072032"/>
+          </a:xfrm>
+        </p:spPr>
+        <p:txBody>
+          <a:bodyPr>
+            <a:normAutofit/>
+          </a:bodyPr>
+          <a:lstStyle/>
+          <a:p>
+            <a:pPr marL="342900" indent="-342900" algn="just">
+              <a:buFont typeface="Arial" panose="020B0604020202020204" pitchFamily="34" charset="0"/>
+              <a:buChar char="•"/>
+            </a:pPr>
+            <a:r>
+              <a:rPr lang="vi-VN" sz="2400" dirty="0" err="1"/>
+              <a:t>Struct</a:t>
+            </a:r>
+            <a:r>
+              <a:rPr lang="vi-VN" sz="2400" dirty="0"/>
+              <a:t> </a:t>
+            </a:r>
+            <a:r>
+              <a:rPr lang="vi-VN" sz="2400" dirty="0" err="1"/>
+              <a:t>Trasach</a:t>
+            </a:r>
+            <a:r>
+              <a:rPr lang="vi-VN" sz="2400" dirty="0"/>
+              <a:t> lưu </a:t>
+            </a:r>
+            <a:r>
+              <a:rPr lang="vi-VN" sz="2400" dirty="0" err="1"/>
+              <a:t>các</a:t>
+            </a:r>
+            <a:r>
+              <a:rPr lang="vi-VN" sz="2400" dirty="0"/>
+              <a:t> thông tin </a:t>
+            </a:r>
+            <a:r>
+              <a:rPr lang="vi-VN" sz="2400" dirty="0" err="1"/>
+              <a:t>của</a:t>
+            </a:r>
+            <a:r>
+              <a:rPr lang="vi-VN" sz="2400" dirty="0"/>
+              <a:t> </a:t>
+            </a:r>
+            <a:r>
+              <a:rPr lang="vi-VN" sz="2400" dirty="0" err="1"/>
+              <a:t>người</a:t>
+            </a:r>
+            <a:r>
+              <a:rPr lang="vi-VN" sz="2400" dirty="0"/>
+              <a:t> </a:t>
+            </a:r>
+            <a:r>
+              <a:rPr lang="vi-VN" sz="2400" dirty="0" err="1"/>
+              <a:t>trả</a:t>
+            </a:r>
+            <a:r>
+              <a:rPr lang="vi-VN" sz="2400" dirty="0"/>
+              <a:t> </a:t>
+            </a:r>
+            <a:r>
+              <a:rPr lang="vi-VN" sz="2400" dirty="0" err="1"/>
+              <a:t>và</a:t>
+            </a:r>
+            <a:r>
+              <a:rPr lang="vi-VN" sz="2400" dirty="0"/>
+              <a:t> </a:t>
+            </a:r>
+            <a:r>
+              <a:rPr lang="vi-VN" sz="2400" dirty="0" err="1"/>
+              <a:t>đối</a:t>
+            </a:r>
+            <a:r>
+              <a:rPr lang="vi-VN" sz="2400" dirty="0"/>
+              <a:t> </a:t>
+            </a:r>
+            <a:r>
+              <a:rPr lang="vi-VN" sz="2400" dirty="0" err="1"/>
+              <a:t>chiếu</a:t>
+            </a:r>
+            <a:r>
+              <a:rPr lang="vi-VN" sz="2400" dirty="0"/>
+              <a:t> thông tin </a:t>
+            </a:r>
+            <a:r>
+              <a:rPr lang="vi-VN" sz="2400" dirty="0" err="1"/>
+              <a:t>với</a:t>
+            </a:r>
+            <a:r>
+              <a:rPr lang="vi-VN" sz="2400" dirty="0"/>
+              <a:t> </a:t>
+            </a:r>
+            <a:r>
+              <a:rPr lang="vi-VN" sz="2400" dirty="0" err="1"/>
+              <a:t>struct</a:t>
+            </a:r>
+            <a:r>
+              <a:rPr lang="vi-VN" sz="2400" dirty="0"/>
+              <a:t> </a:t>
+            </a:r>
+            <a:r>
+              <a:rPr lang="vi-VN" sz="2400" dirty="0" err="1"/>
+              <a:t>Sachmuon</a:t>
+            </a:r>
+            <a:r>
+              <a:rPr lang="vi-VN" sz="2400" dirty="0"/>
+              <a:t>, </a:t>
+            </a:r>
+            <a:r>
+              <a:rPr lang="vi-VN" sz="2400" dirty="0" err="1"/>
+              <a:t>struct</a:t>
+            </a:r>
+            <a:r>
+              <a:rPr lang="vi-VN" sz="2400" dirty="0"/>
+              <a:t> </a:t>
+            </a:r>
+            <a:r>
+              <a:rPr lang="vi-VN" sz="2400" dirty="0" err="1"/>
+              <a:t>này</a:t>
+            </a:r>
+            <a:r>
+              <a:rPr lang="vi-VN" sz="2400" dirty="0"/>
+              <a:t> không </a:t>
+            </a:r>
+            <a:r>
+              <a:rPr lang="vi-VN" sz="2400" dirty="0" err="1"/>
+              <a:t>được</a:t>
+            </a:r>
+            <a:r>
+              <a:rPr lang="vi-VN" sz="2400" dirty="0"/>
+              <a:t> lưu </a:t>
+            </a:r>
+            <a:r>
+              <a:rPr lang="vi-VN" sz="2400" dirty="0" err="1"/>
+              <a:t>lại</a:t>
+            </a:r>
+            <a:endParaRPr lang="en-US" sz="2400" dirty="0"/>
+          </a:p>
+        </p:txBody>
+      </p:sp>
+      <p:sp>
+        <p:nvSpPr>
+          <p:cNvPr id="5" name="Title 1">
+            <a:extLst>
+              <a:ext uri="{FF2B5EF4-FFF2-40B4-BE49-F238E27FC236}">
+                <a16:creationId xmlns:a16="http://schemas.microsoft.com/office/drawing/2014/main" id="{68D43CE2-ACC3-4800-845A-40DD1A52927D}"/>
+              </a:ext>
+            </a:extLst>
+          </p:cNvPr>
+          <p:cNvSpPr txBox="1">
+            <a:spLocks/>
+          </p:cNvSpPr>
+          <p:nvPr/>
+        </p:nvSpPr>
+        <p:spPr>
+          <a:xfrm>
+            <a:off x="2025744" y="-190685"/>
+            <a:ext cx="8543925" cy="1325563"/>
+          </a:xfrm>
+          <a:prstGeom prst="rect">
+            <a:avLst/>
+          </a:prstGeom>
+        </p:spPr>
+        <p:txBody>
+          <a:bodyPr vert="horz" lIns="91440" tIns="45720" rIns="91440" bIns="45720" rtlCol="0" anchor="ctr">
+            <a:normAutofit/>
+          </a:bodyPr>
+          <a:lstStyle>
+            <a:lvl1pPr algn="l" defTabSz="914400" rtl="0" eaLnBrk="1" latinLnBrk="0" hangingPunct="1">
+              <a:lnSpc>
+                <a:spcPct val="90000"/>
+              </a:lnSpc>
+              <a:spcBef>
+                <a:spcPct val="0"/>
+              </a:spcBef>
+              <a:buNone/>
+              <a:defRPr sz="4400" kern="1200">
+                <a:solidFill>
+                  <a:schemeClr val="tx1"/>
+                </a:solidFill>
+                <a:latin typeface="+mj-lt"/>
+                <a:ea typeface="+mj-ea"/>
+                <a:cs typeface="+mj-cs"/>
+              </a:defRPr>
+            </a:lvl1pPr>
+          </a:lstStyle>
+          <a:p>
+            <a:r>
+              <a:rPr lang="vi-VN" sz="2400" b="1" dirty="0">
+                <a:solidFill>
+                  <a:schemeClr val="bg1"/>
+                </a:solidFill>
+              </a:rPr>
+              <a:t>QUẢN LÝ SÁCH THƯ VIỆN BẰNG PHẦN MỀM C++</a:t>
+            </a:r>
+          </a:p>
+        </p:txBody>
+      </p:sp>
+      <p:pic>
+        <p:nvPicPr>
+          <p:cNvPr id="6" name="Picture 5">
+            <a:extLst>
+              <a:ext uri="{FF2B5EF4-FFF2-40B4-BE49-F238E27FC236}">
+                <a16:creationId xmlns:a16="http://schemas.microsoft.com/office/drawing/2014/main" id="{0CDD26F4-175A-42C2-8295-AB81B2090280}"/>
+              </a:ext>
+            </a:extLst>
+          </p:cNvPr>
+          <p:cNvPicPr/>
+          <p:nvPr/>
+        </p:nvPicPr>
+        <p:blipFill>
+          <a:blip r:embed="rId2"/>
+          <a:stretch>
+            <a:fillRect/>
+          </a:stretch>
+        </p:blipFill>
+        <p:spPr>
+          <a:xfrm>
+            <a:off x="1535584" y="2700540"/>
+            <a:ext cx="6669302" cy="3519028"/>
+          </a:xfrm>
+          <a:prstGeom prst="rect">
+            <a:avLst/>
+          </a:prstGeom>
+        </p:spPr>
+      </p:pic>
+    </p:spTree>
+    <p:extLst>
+      <p:ext uri="{BB962C8B-B14F-4D97-AF65-F5344CB8AC3E}">
+        <p14:creationId xmlns:p14="http://schemas.microsoft.com/office/powerpoint/2010/main" val="3724354152"/>
+      </p:ext>
+    </p:extLst>
+  </p:cSld>
+  <p:clrMapOvr>
+    <a:masterClrMapping/>
+  </p:clrMapOvr>
+</p:sld>
+</file>
+
+<file path=ppt/slides/slide12.xml><?xml version="1.0" encoding="utf-8"?>
+<p:sld xmlns:a="http://schemas.openxmlformats.org/drawingml/2006/main" xmlns:r="http://schemas.openxmlformats.org/officeDocument/2006/relationships" xmlns:p="http://schemas.openxmlformats.org/presentationml/2006/main">
+  <p:cSld>
+    <p:spTree>
+      <p:nvGrpSpPr>
+        <p:cNvPr id="1" name=""/>
+        <p:cNvGrpSpPr/>
+        <p:nvPr/>
+      </p:nvGrpSpPr>
+      <p:grpSpPr>
+        <a:xfrm>
+          <a:off x="0" y="0"/>
+          <a:ext cx="0" cy="0"/>
+          <a:chOff x="0" y="0"/>
+          <a:chExt cx="0" cy="0"/>
+        </a:xfrm>
+      </p:grpSpPr>
+      <p:sp>
+        <p:nvSpPr>
+          <p:cNvPr id="2" name="Title 1">
+            <a:extLst>
+              <a:ext uri="{FF2B5EF4-FFF2-40B4-BE49-F238E27FC236}">
+                <a16:creationId xmlns:a16="http://schemas.microsoft.com/office/drawing/2014/main" id="{47A79F88-FA1C-43C9-B65B-C078745F1D3E}"/>
+              </a:ext>
+            </a:extLst>
+          </p:cNvPr>
+          <p:cNvSpPr>
+            <a:spLocks noGrp="1"/>
+          </p:cNvSpPr>
+          <p:nvPr>
+            <p:ph type="title"/>
+          </p:nvPr>
+        </p:nvSpPr>
+        <p:spPr>
+          <a:xfrm>
+            <a:off x="682328" y="987427"/>
+            <a:ext cx="9128937" cy="1072032"/>
+          </a:xfrm>
+        </p:spPr>
+        <p:txBody>
+          <a:bodyPr>
+            <a:normAutofit/>
+          </a:bodyPr>
+          <a:lstStyle/>
+          <a:p>
+            <a:r>
+              <a:rPr lang="vi-VN" b="1" dirty="0">
+                <a:latin typeface="+mn-lt"/>
+              </a:rPr>
+              <a:t>3. </a:t>
+            </a:r>
+            <a:r>
+              <a:rPr lang="en-US" b="1" dirty="0" err="1">
+                <a:latin typeface="Arial" panose="020B0604020202020204" pitchFamily="34" charset="0"/>
+                <a:cs typeface="Arial" panose="020B0604020202020204" pitchFamily="34" charset="0"/>
+              </a:rPr>
+              <a:t>Cấu</a:t>
+            </a:r>
+            <a:r>
+              <a:rPr lang="en-US" b="1" dirty="0">
+                <a:latin typeface="Arial" panose="020B0604020202020204" pitchFamily="34" charset="0"/>
+                <a:cs typeface="Arial" panose="020B0604020202020204" pitchFamily="34" charset="0"/>
+              </a:rPr>
+              <a:t> </a:t>
+            </a:r>
+            <a:r>
+              <a:rPr lang="en-US" b="1" dirty="0" err="1">
+                <a:latin typeface="Arial" panose="020B0604020202020204" pitchFamily="34" charset="0"/>
+                <a:cs typeface="Arial" panose="020B0604020202020204" pitchFamily="34" charset="0"/>
+              </a:rPr>
+              <a:t>trúc</a:t>
+            </a:r>
+            <a:r>
+              <a:rPr lang="vi-VN" b="1" dirty="0">
+                <a:latin typeface="Arial" panose="020B0604020202020204" pitchFamily="34" charset="0"/>
+                <a:cs typeface="Arial" panose="020B0604020202020204" pitchFamily="34" charset="0"/>
+              </a:rPr>
+              <a:t> </a:t>
+            </a:r>
+            <a:r>
+              <a:rPr lang="vi-VN" b="1" dirty="0" err="1">
+                <a:latin typeface="+mn-lt"/>
+              </a:rPr>
+              <a:t>dữ</a:t>
+            </a:r>
+            <a:r>
+              <a:rPr lang="vi-VN" b="1" dirty="0">
+                <a:latin typeface="+mn-lt"/>
+              </a:rPr>
+              <a:t> </a:t>
+            </a:r>
+            <a:r>
+              <a:rPr lang="vi-VN" b="1" dirty="0" err="1">
+                <a:latin typeface="+mn-lt"/>
+              </a:rPr>
+              <a:t>liệu</a:t>
+            </a:r>
+            <a:r>
+              <a:rPr lang="vi-VN" b="1" dirty="0">
+                <a:latin typeface="+mn-lt"/>
+              </a:rPr>
+              <a:t> </a:t>
+            </a:r>
+            <a:r>
+              <a:rPr lang="vi-VN" b="1" dirty="0" err="1">
+                <a:latin typeface="+mn-lt"/>
+              </a:rPr>
+              <a:t>được</a:t>
+            </a:r>
+            <a:r>
+              <a:rPr lang="vi-VN" b="1" dirty="0">
+                <a:latin typeface="+mn-lt"/>
+              </a:rPr>
+              <a:t> </a:t>
+            </a:r>
+            <a:r>
+              <a:rPr lang="vi-VN" b="1" dirty="0" err="1">
+                <a:latin typeface="+mn-lt"/>
+              </a:rPr>
+              <a:t>sử</a:t>
+            </a:r>
+            <a:r>
+              <a:rPr lang="vi-VN" b="1" dirty="0">
+                <a:latin typeface="+mn-lt"/>
+              </a:rPr>
+              <a:t> </a:t>
+            </a:r>
+            <a:r>
+              <a:rPr lang="vi-VN" b="1" dirty="0" err="1">
+                <a:latin typeface="+mn-lt"/>
+              </a:rPr>
+              <a:t>dụng</a:t>
+            </a:r>
+            <a:r>
+              <a:rPr lang="en-US" b="1" dirty="0">
+                <a:latin typeface="+mn-lt"/>
+              </a:rPr>
+              <a:t>:</a:t>
+            </a:r>
+            <a:br>
+              <a:rPr lang="en-US" b="1" dirty="0"/>
+            </a:br>
+            <a:endParaRPr lang="en-US" dirty="0"/>
+          </a:p>
+        </p:txBody>
+      </p:sp>
+      <p:sp>
+        <p:nvSpPr>
+          <p:cNvPr id="4" name="Text Placeholder 3">
+            <a:extLst>
+              <a:ext uri="{FF2B5EF4-FFF2-40B4-BE49-F238E27FC236}">
+                <a16:creationId xmlns:a16="http://schemas.microsoft.com/office/drawing/2014/main" id="{188D9BD0-3F05-4F6E-943F-2553EA873FB0}"/>
+              </a:ext>
+            </a:extLst>
+          </p:cNvPr>
+          <p:cNvSpPr>
+            <a:spLocks noGrp="1"/>
+          </p:cNvSpPr>
+          <p:nvPr>
+            <p:ph type="body" sz="half" idx="2"/>
+          </p:nvPr>
+        </p:nvSpPr>
+        <p:spPr>
+          <a:xfrm>
+            <a:off x="682328" y="1775959"/>
+            <a:ext cx="8741758" cy="1823976"/>
+          </a:xfrm>
+        </p:spPr>
+        <p:txBody>
+          <a:bodyPr>
+            <a:noAutofit/>
+          </a:bodyPr>
+          <a:lstStyle/>
+          <a:p>
+            <a:pPr marL="342900" indent="-342900" algn="just">
+              <a:buFont typeface="Arial" panose="020B0604020202020204" pitchFamily="34" charset="0"/>
+              <a:buChar char="•"/>
+            </a:pPr>
+            <a:r>
+              <a:rPr lang="vi-VN" sz="2000" dirty="0" err="1"/>
+              <a:t>Struct</a:t>
+            </a:r>
+            <a:r>
+              <a:rPr lang="vi-VN" sz="2000" dirty="0"/>
+              <a:t> </a:t>
+            </a:r>
+            <a:r>
+              <a:rPr lang="vi-VN" sz="2000" dirty="0" err="1"/>
+              <a:t>Thuvien</a:t>
+            </a:r>
+            <a:r>
+              <a:rPr lang="vi-VN" sz="2000" dirty="0"/>
+              <a:t> </a:t>
+            </a:r>
+            <a:r>
+              <a:rPr lang="vi-VN" sz="2000" dirty="0" err="1"/>
+              <a:t>dùng</a:t>
+            </a:r>
+            <a:r>
+              <a:rPr lang="vi-VN" sz="2000" dirty="0"/>
+              <a:t> </a:t>
+            </a:r>
+            <a:r>
+              <a:rPr lang="vi-VN" sz="2000" dirty="0" err="1"/>
+              <a:t>để</a:t>
+            </a:r>
+            <a:r>
+              <a:rPr lang="vi-VN" sz="2000" dirty="0"/>
+              <a:t> lưu </a:t>
+            </a:r>
+            <a:r>
+              <a:rPr lang="vi-VN" sz="2000" dirty="0" err="1"/>
+              <a:t>các</a:t>
+            </a:r>
+            <a:r>
+              <a:rPr lang="vi-VN" sz="2000" dirty="0"/>
+              <a:t> thông tin </a:t>
+            </a:r>
+            <a:r>
+              <a:rPr lang="vi-VN" sz="2000" dirty="0" err="1"/>
+              <a:t>về</a:t>
+            </a:r>
+            <a:r>
+              <a:rPr lang="vi-VN" sz="2000" dirty="0"/>
+              <a:t> </a:t>
+            </a:r>
+            <a:r>
+              <a:rPr lang="vi-VN" sz="2000" dirty="0" err="1"/>
+              <a:t>sách</a:t>
+            </a:r>
+            <a:r>
+              <a:rPr lang="vi-VN" sz="2000" dirty="0"/>
+              <a:t>, </a:t>
+            </a:r>
+            <a:r>
+              <a:rPr lang="vi-VN" sz="2000" dirty="0" err="1"/>
+              <a:t>struct</a:t>
+            </a:r>
+            <a:r>
+              <a:rPr lang="vi-VN" sz="2000" dirty="0"/>
+              <a:t> </a:t>
+            </a:r>
+            <a:r>
+              <a:rPr lang="vi-VN" sz="2000" dirty="0" err="1"/>
+              <a:t>này</a:t>
+            </a:r>
+            <a:r>
+              <a:rPr lang="vi-VN" sz="2000" dirty="0"/>
+              <a:t> </a:t>
+            </a:r>
+            <a:r>
+              <a:rPr lang="vi-VN" sz="2000" dirty="0" err="1"/>
+              <a:t>được</a:t>
+            </a:r>
+            <a:r>
+              <a:rPr lang="vi-VN" sz="2000" dirty="0"/>
+              <a:t> lưu trong </a:t>
+            </a:r>
+            <a:r>
+              <a:rPr lang="vi-VN" sz="2000" dirty="0" err="1"/>
+              <a:t>file</a:t>
+            </a:r>
+            <a:r>
+              <a:rPr lang="vi-VN" sz="2000" dirty="0"/>
+              <a:t> </a:t>
+            </a:r>
+            <a:r>
+              <a:rPr lang="vi-VN" sz="2000" dirty="0" err="1"/>
+              <a:t>khosach.bin</a:t>
+            </a:r>
+            <a:endParaRPr lang="en-US" sz="2000" dirty="0"/>
+          </a:p>
+          <a:p>
+            <a:pPr marL="342900" indent="-342900" algn="just">
+              <a:buFont typeface="Arial" panose="020B0604020202020204" pitchFamily="34" charset="0"/>
+              <a:buChar char="•"/>
+            </a:pPr>
+            <a:r>
+              <a:rPr lang="vi-VN" sz="2000" dirty="0"/>
+              <a:t>Chương </a:t>
+            </a:r>
+            <a:r>
+              <a:rPr lang="vi-VN" sz="2000" dirty="0" err="1"/>
+              <a:t>trình</a:t>
+            </a:r>
+            <a:r>
+              <a:rPr lang="vi-VN" sz="2000" dirty="0"/>
+              <a:t> </a:t>
+            </a:r>
+            <a:r>
+              <a:rPr lang="vi-VN" sz="2000" dirty="0" err="1"/>
+              <a:t>sử</a:t>
+            </a:r>
+            <a:r>
+              <a:rPr lang="vi-VN" sz="2000" dirty="0"/>
+              <a:t> </a:t>
+            </a:r>
+            <a:r>
+              <a:rPr lang="vi-VN" sz="2000" dirty="0" err="1"/>
+              <a:t>dụng</a:t>
+            </a:r>
+            <a:r>
+              <a:rPr lang="vi-VN" sz="2000" dirty="0"/>
+              <a:t> 2 </a:t>
+            </a:r>
+            <a:r>
+              <a:rPr lang="vi-VN" sz="2000" dirty="0" err="1"/>
+              <a:t>file</a:t>
+            </a:r>
+            <a:r>
+              <a:rPr lang="vi-VN" sz="2000" dirty="0"/>
+              <a:t> </a:t>
+            </a:r>
+            <a:r>
+              <a:rPr lang="vi-VN" sz="2000" dirty="0" err="1"/>
+              <a:t>để</a:t>
+            </a:r>
+            <a:r>
+              <a:rPr lang="vi-VN" sz="2000" dirty="0"/>
+              <a:t> lưu </a:t>
+            </a:r>
+            <a:r>
+              <a:rPr lang="vi-VN" sz="2000" dirty="0" err="1"/>
+              <a:t>dữ</a:t>
+            </a:r>
+            <a:r>
+              <a:rPr lang="vi-VN" sz="2000" dirty="0"/>
+              <a:t> </a:t>
+            </a:r>
+            <a:r>
+              <a:rPr lang="vi-VN" sz="2000" dirty="0" err="1"/>
+              <a:t>liệu</a:t>
+            </a:r>
+            <a:r>
+              <a:rPr lang="vi-VN" sz="2000" dirty="0"/>
+              <a:t> </a:t>
+            </a:r>
+            <a:r>
+              <a:rPr lang="vi-VN" sz="2000" dirty="0" err="1"/>
+              <a:t>là</a:t>
+            </a:r>
+            <a:r>
+              <a:rPr lang="vi-VN" sz="2000" dirty="0"/>
+              <a:t> </a:t>
+            </a:r>
+            <a:r>
+              <a:rPr lang="vi-VN" sz="2000" dirty="0" err="1"/>
+              <a:t>khosach.bin</a:t>
+            </a:r>
+            <a:r>
+              <a:rPr lang="vi-VN" sz="2000" dirty="0"/>
+              <a:t> lưu thông tin </a:t>
+            </a:r>
+            <a:r>
+              <a:rPr lang="vi-VN" sz="2000" dirty="0" err="1"/>
+              <a:t>sách</a:t>
+            </a:r>
+            <a:r>
+              <a:rPr lang="vi-VN" sz="2000" dirty="0"/>
+              <a:t> </a:t>
+            </a:r>
+            <a:r>
+              <a:rPr lang="vi-VN" sz="2000" dirty="0" err="1"/>
+              <a:t>và</a:t>
+            </a:r>
+            <a:r>
+              <a:rPr lang="vi-VN" sz="2000" dirty="0"/>
+              <a:t> </a:t>
+            </a:r>
+            <a:r>
+              <a:rPr lang="vi-VN" sz="2000" dirty="0" err="1"/>
+              <a:t>sachmuon.bin</a:t>
+            </a:r>
+            <a:r>
+              <a:rPr lang="vi-VN" sz="2000" dirty="0"/>
+              <a:t> lưu thông tin </a:t>
+            </a:r>
+            <a:r>
+              <a:rPr lang="vi-VN" sz="2000" dirty="0" err="1"/>
+              <a:t>người</a:t>
+            </a:r>
+            <a:r>
+              <a:rPr lang="vi-VN" sz="2000" dirty="0"/>
+              <a:t> </a:t>
+            </a:r>
+            <a:r>
+              <a:rPr lang="vi-VN" sz="2000" dirty="0" err="1"/>
+              <a:t>mượn</a:t>
+            </a:r>
+            <a:r>
+              <a:rPr lang="vi-VN" sz="2000" dirty="0"/>
+              <a:t>, </a:t>
+            </a:r>
+            <a:r>
+              <a:rPr lang="vi-VN" sz="2000" dirty="0" err="1"/>
+              <a:t>cả</a:t>
+            </a:r>
+            <a:r>
+              <a:rPr lang="vi-VN" sz="2000" dirty="0"/>
+              <a:t> 2 </a:t>
+            </a:r>
+            <a:r>
+              <a:rPr lang="vi-VN" sz="2000" dirty="0" err="1"/>
+              <a:t>file</a:t>
+            </a:r>
+            <a:r>
+              <a:rPr lang="vi-VN" sz="2000" dirty="0"/>
+              <a:t> </a:t>
+            </a:r>
+            <a:r>
+              <a:rPr lang="vi-VN" sz="2000" dirty="0" err="1"/>
+              <a:t>đều</a:t>
+            </a:r>
+            <a:r>
+              <a:rPr lang="vi-VN" sz="2000" dirty="0"/>
+              <a:t> </a:t>
+            </a:r>
+            <a:r>
+              <a:rPr lang="vi-VN" sz="2000" dirty="0" err="1"/>
+              <a:t>dùng</a:t>
+            </a:r>
+            <a:r>
+              <a:rPr lang="vi-VN" sz="2000" dirty="0"/>
+              <a:t> </a:t>
+            </a:r>
+            <a:r>
+              <a:rPr lang="vi-VN" sz="2000" dirty="0" err="1"/>
+              <a:t>chế</a:t>
+            </a:r>
+            <a:r>
+              <a:rPr lang="vi-VN" sz="2000" dirty="0"/>
+              <a:t> </a:t>
+            </a:r>
+            <a:r>
+              <a:rPr lang="vi-VN" sz="2000" dirty="0" err="1"/>
+              <a:t>độ</a:t>
+            </a:r>
+            <a:r>
+              <a:rPr lang="vi-VN" sz="2000" dirty="0"/>
+              <a:t> lưu </a:t>
+            </a:r>
+            <a:r>
+              <a:rPr lang="vi-VN" sz="2000" dirty="0" err="1"/>
+              <a:t>binary</a:t>
+            </a:r>
+            <a:r>
+              <a:rPr lang="vi-VN" sz="2000" dirty="0"/>
+              <a:t> </a:t>
+            </a:r>
+            <a:r>
+              <a:rPr lang="vi-VN" sz="2000" dirty="0" err="1"/>
+              <a:t>để</a:t>
+            </a:r>
+            <a:r>
+              <a:rPr lang="vi-VN" sz="2000" dirty="0"/>
+              <a:t> </a:t>
+            </a:r>
+            <a:r>
+              <a:rPr lang="vi-VN" sz="2000" dirty="0" err="1"/>
+              <a:t>tối</a:t>
+            </a:r>
+            <a:r>
+              <a:rPr lang="vi-VN" sz="2000" dirty="0"/>
+              <a:t> ưu cho </a:t>
+            </a:r>
+            <a:r>
+              <a:rPr lang="vi-VN" sz="2000" dirty="0" err="1"/>
+              <a:t>việc</a:t>
+            </a:r>
+            <a:r>
+              <a:rPr lang="vi-VN" sz="2000" dirty="0"/>
+              <a:t> lưu </a:t>
+            </a:r>
+            <a:r>
+              <a:rPr lang="vi-VN" sz="2000" dirty="0" err="1"/>
+              <a:t>lữ</a:t>
+            </a:r>
+            <a:r>
+              <a:rPr lang="vi-VN" sz="2000" dirty="0"/>
+              <a:t> </a:t>
+            </a:r>
+            <a:r>
+              <a:rPr lang="vi-VN" sz="2000" dirty="0" err="1"/>
+              <a:t>liệu</a:t>
+            </a:r>
+            <a:r>
+              <a:rPr lang="vi-VN" sz="2000" dirty="0"/>
+              <a:t> </a:t>
+            </a:r>
+            <a:r>
+              <a:rPr lang="vi-VN" sz="2000" dirty="0" err="1"/>
+              <a:t>có</a:t>
+            </a:r>
+            <a:r>
+              <a:rPr lang="vi-VN" sz="2000" dirty="0"/>
+              <a:t> </a:t>
+            </a:r>
+            <a:r>
+              <a:rPr lang="vi-VN" sz="2000" dirty="0" err="1"/>
+              <a:t>cấu</a:t>
+            </a:r>
+            <a:r>
+              <a:rPr lang="vi-VN" sz="2000" dirty="0"/>
+              <a:t> </a:t>
+            </a:r>
+            <a:r>
+              <a:rPr lang="vi-VN" sz="2000" dirty="0" err="1"/>
+              <a:t>trúc</a:t>
+            </a:r>
+            <a:r>
+              <a:rPr lang="vi-VN" sz="2000" dirty="0"/>
+              <a:t> </a:t>
+            </a:r>
+            <a:r>
+              <a:rPr lang="vi-VN" sz="2000" dirty="0" err="1"/>
+              <a:t>được</a:t>
+            </a:r>
+            <a:r>
+              <a:rPr lang="vi-VN" sz="2000" dirty="0"/>
+              <a:t> </a:t>
+            </a:r>
+            <a:r>
+              <a:rPr lang="vi-VN" sz="2000" dirty="0" err="1"/>
+              <a:t>dễ</a:t>
+            </a:r>
+            <a:r>
+              <a:rPr lang="vi-VN" sz="2000" dirty="0"/>
+              <a:t> </a:t>
+            </a:r>
+            <a:r>
+              <a:rPr lang="vi-VN" sz="2000" dirty="0" err="1"/>
+              <a:t>dàng</a:t>
+            </a:r>
+            <a:endParaRPr lang="en-US" sz="2000" dirty="0"/>
+          </a:p>
+        </p:txBody>
+      </p:sp>
+      <p:sp>
+        <p:nvSpPr>
+          <p:cNvPr id="5" name="Title 1">
+            <a:extLst>
+              <a:ext uri="{FF2B5EF4-FFF2-40B4-BE49-F238E27FC236}">
+                <a16:creationId xmlns:a16="http://schemas.microsoft.com/office/drawing/2014/main" id="{68D43CE2-ACC3-4800-845A-40DD1A52927D}"/>
+              </a:ext>
+            </a:extLst>
+          </p:cNvPr>
+          <p:cNvSpPr txBox="1">
+            <a:spLocks/>
+          </p:cNvSpPr>
+          <p:nvPr/>
+        </p:nvSpPr>
+        <p:spPr>
+          <a:xfrm>
+            <a:off x="2025744" y="-190685"/>
+            <a:ext cx="8543925" cy="1325563"/>
+          </a:xfrm>
+          <a:prstGeom prst="rect">
+            <a:avLst/>
+          </a:prstGeom>
+        </p:spPr>
+        <p:txBody>
+          <a:bodyPr vert="horz" lIns="91440" tIns="45720" rIns="91440" bIns="45720" rtlCol="0" anchor="ctr">
+            <a:normAutofit/>
+          </a:bodyPr>
+          <a:lstStyle>
+            <a:lvl1pPr algn="l" defTabSz="914400" rtl="0" eaLnBrk="1" latinLnBrk="0" hangingPunct="1">
+              <a:lnSpc>
+                <a:spcPct val="90000"/>
+              </a:lnSpc>
+              <a:spcBef>
+                <a:spcPct val="0"/>
+              </a:spcBef>
+              <a:buNone/>
+              <a:defRPr sz="4400" kern="1200">
+                <a:solidFill>
+                  <a:schemeClr val="tx1"/>
+                </a:solidFill>
+                <a:latin typeface="+mj-lt"/>
+                <a:ea typeface="+mj-ea"/>
+                <a:cs typeface="+mj-cs"/>
+              </a:defRPr>
+            </a:lvl1pPr>
+          </a:lstStyle>
+          <a:p>
+            <a:r>
+              <a:rPr lang="vi-VN" sz="2400" b="1" dirty="0">
+                <a:solidFill>
+                  <a:schemeClr val="bg1"/>
+                </a:solidFill>
+              </a:rPr>
+              <a:t>QUẢN LÝ SÁCH THƯ VIỆN BẰNG PHẦN MỀM C++</a:t>
+            </a:r>
+          </a:p>
+        </p:txBody>
+      </p:sp>
+      <p:pic>
+        <p:nvPicPr>
+          <p:cNvPr id="9" name="Picture 8">
+            <a:extLst>
+              <a:ext uri="{FF2B5EF4-FFF2-40B4-BE49-F238E27FC236}">
+                <a16:creationId xmlns:a16="http://schemas.microsoft.com/office/drawing/2014/main" id="{95975859-23A2-416A-9D16-4715ACE3A254}"/>
+              </a:ext>
+            </a:extLst>
+          </p:cNvPr>
+          <p:cNvPicPr>
+            <a:picLocks noChangeAspect="1"/>
+          </p:cNvPicPr>
+          <p:nvPr/>
+        </p:nvPicPr>
+        <p:blipFill>
+          <a:blip r:embed="rId2"/>
+          <a:stretch>
+            <a:fillRect/>
+          </a:stretch>
+        </p:blipFill>
+        <p:spPr>
+          <a:xfrm>
+            <a:off x="1394254" y="3765557"/>
+            <a:ext cx="6522308" cy="2821708"/>
+          </a:xfrm>
+          <a:prstGeom prst="rect">
+            <a:avLst/>
+          </a:prstGeom>
+        </p:spPr>
+      </p:pic>
+    </p:spTree>
+    <p:extLst>
+      <p:ext uri="{BB962C8B-B14F-4D97-AF65-F5344CB8AC3E}">
+        <p14:creationId xmlns:p14="http://schemas.microsoft.com/office/powerpoint/2010/main" val="368372743"/>
+      </p:ext>
+    </p:extLst>
+  </p:cSld>
+  <p:clrMapOvr>
+    <a:masterClrMapping/>
+  </p:clrMapOvr>
+</p:sld>
+</file>
+
+<file path=ppt/slides/slide13.xml><?xml version="1.0" encoding="utf-8"?>
+<p:sld xmlns:a="http://schemas.openxmlformats.org/drawingml/2006/main" xmlns:r="http://schemas.openxmlformats.org/officeDocument/2006/relationships" xmlns:p="http://schemas.openxmlformats.org/presentationml/2006/main">
+  <p:cSld>
+    <p:spTree>
+      <p:nvGrpSpPr>
+        <p:cNvPr id="1" name=""/>
+        <p:cNvGrpSpPr/>
+        <p:nvPr/>
+      </p:nvGrpSpPr>
+      <p:grpSpPr>
+        <a:xfrm>
+          <a:off x="0" y="0"/>
+          <a:ext cx="0" cy="0"/>
+          <a:chOff x="0" y="0"/>
+          <a:chExt cx="0" cy="0"/>
+        </a:xfrm>
+      </p:grpSpPr>
+      <p:sp>
+        <p:nvSpPr>
+          <p:cNvPr id="2" name="Title 1">
+            <a:extLst>
+              <a:ext uri="{FF2B5EF4-FFF2-40B4-BE49-F238E27FC236}">
+                <a16:creationId xmlns:a16="http://schemas.microsoft.com/office/drawing/2014/main" id="{47A79F88-FA1C-43C9-B65B-C078745F1D3E}"/>
+              </a:ext>
+            </a:extLst>
+          </p:cNvPr>
+          <p:cNvSpPr>
+            <a:spLocks noGrp="1"/>
+          </p:cNvSpPr>
+          <p:nvPr>
+            <p:ph type="title"/>
+          </p:nvPr>
+        </p:nvSpPr>
+        <p:spPr>
+          <a:xfrm>
+            <a:off x="682328" y="987427"/>
+            <a:ext cx="9128937" cy="1072032"/>
+          </a:xfrm>
+        </p:spPr>
+        <p:txBody>
+          <a:bodyPr>
+            <a:normAutofit/>
+          </a:bodyPr>
+          <a:lstStyle/>
+          <a:p>
+            <a:r>
+              <a:rPr lang="vi-VN" b="1" dirty="0">
+                <a:latin typeface="+mn-lt"/>
+              </a:rPr>
+              <a:t>3. </a:t>
+            </a:r>
+            <a:r>
+              <a:rPr lang="en-US" b="1" dirty="0" err="1">
+                <a:latin typeface="Arial" panose="020B0604020202020204" pitchFamily="34" charset="0"/>
+                <a:cs typeface="Arial" panose="020B0604020202020204" pitchFamily="34" charset="0"/>
+              </a:rPr>
+              <a:t>Cấu</a:t>
+            </a:r>
+            <a:r>
+              <a:rPr lang="en-US" b="1" dirty="0">
+                <a:latin typeface="Arial" panose="020B0604020202020204" pitchFamily="34" charset="0"/>
+                <a:cs typeface="Arial" panose="020B0604020202020204" pitchFamily="34" charset="0"/>
+              </a:rPr>
+              <a:t> </a:t>
+            </a:r>
+            <a:r>
+              <a:rPr lang="en-US" b="1" dirty="0" err="1">
+                <a:latin typeface="Arial" panose="020B0604020202020204" pitchFamily="34" charset="0"/>
+                <a:cs typeface="Arial" panose="020B0604020202020204" pitchFamily="34" charset="0"/>
+              </a:rPr>
+              <a:t>trúc</a:t>
+            </a:r>
+            <a:r>
+              <a:rPr lang="vi-VN" b="1" dirty="0">
+                <a:latin typeface="Arial" panose="020B0604020202020204" pitchFamily="34" charset="0"/>
+                <a:cs typeface="Arial" panose="020B0604020202020204" pitchFamily="34" charset="0"/>
+              </a:rPr>
+              <a:t> </a:t>
+            </a:r>
+            <a:r>
+              <a:rPr lang="vi-VN" b="1" dirty="0" err="1">
+                <a:latin typeface="+mn-lt"/>
+              </a:rPr>
+              <a:t>dữ</a:t>
+            </a:r>
+            <a:r>
+              <a:rPr lang="vi-VN" b="1" dirty="0">
+                <a:latin typeface="+mn-lt"/>
+              </a:rPr>
+              <a:t> </a:t>
+            </a:r>
+            <a:r>
+              <a:rPr lang="vi-VN" b="1" dirty="0" err="1">
+                <a:latin typeface="+mn-lt"/>
+              </a:rPr>
+              <a:t>liệu</a:t>
+            </a:r>
+            <a:r>
+              <a:rPr lang="vi-VN" b="1" dirty="0">
+                <a:latin typeface="+mn-lt"/>
+              </a:rPr>
+              <a:t> </a:t>
+            </a:r>
+            <a:r>
+              <a:rPr lang="vi-VN" b="1" dirty="0" err="1">
+                <a:latin typeface="+mn-lt"/>
+              </a:rPr>
+              <a:t>được</a:t>
+            </a:r>
+            <a:r>
+              <a:rPr lang="vi-VN" b="1" dirty="0">
+                <a:latin typeface="+mn-lt"/>
+              </a:rPr>
+              <a:t> </a:t>
+            </a:r>
+            <a:r>
+              <a:rPr lang="vi-VN" b="1" dirty="0" err="1">
+                <a:latin typeface="+mn-lt"/>
+              </a:rPr>
+              <a:t>sử</a:t>
+            </a:r>
+            <a:r>
+              <a:rPr lang="vi-VN" b="1" dirty="0">
+                <a:latin typeface="+mn-lt"/>
+              </a:rPr>
+              <a:t> </a:t>
+            </a:r>
+            <a:r>
+              <a:rPr lang="vi-VN" b="1" dirty="0" err="1">
+                <a:latin typeface="+mn-lt"/>
+              </a:rPr>
+              <a:t>dụng</a:t>
+            </a:r>
+            <a:r>
+              <a:rPr lang="en-US" b="1" dirty="0">
+                <a:latin typeface="+mn-lt"/>
+              </a:rPr>
+              <a:t>:</a:t>
+            </a:r>
+            <a:br>
+              <a:rPr lang="en-US" b="1" dirty="0"/>
+            </a:br>
+            <a:endParaRPr lang="en-US" dirty="0"/>
+          </a:p>
+        </p:txBody>
+      </p:sp>
+      <p:sp>
+        <p:nvSpPr>
+          <p:cNvPr id="4" name="Text Placeholder 3">
+            <a:extLst>
+              <a:ext uri="{FF2B5EF4-FFF2-40B4-BE49-F238E27FC236}">
+                <a16:creationId xmlns:a16="http://schemas.microsoft.com/office/drawing/2014/main" id="{188D9BD0-3F05-4F6E-943F-2553EA873FB0}"/>
+              </a:ext>
+            </a:extLst>
+          </p:cNvPr>
+          <p:cNvSpPr>
+            <a:spLocks noGrp="1"/>
+          </p:cNvSpPr>
+          <p:nvPr>
+            <p:ph type="body" sz="half" idx="2"/>
+          </p:nvPr>
+        </p:nvSpPr>
+        <p:spPr>
+          <a:xfrm>
+            <a:off x="682328" y="1664044"/>
+            <a:ext cx="8741758" cy="1573528"/>
+          </a:xfrm>
+        </p:spPr>
+        <p:txBody>
+          <a:bodyPr>
+            <a:normAutofit/>
+          </a:bodyPr>
+          <a:lstStyle/>
+          <a:p>
+            <a:pPr marL="342900" indent="-342900" algn="just">
+              <a:buFont typeface="Arial" panose="020B0604020202020204" pitchFamily="34" charset="0"/>
+              <a:buChar char="•"/>
+            </a:pPr>
+            <a:r>
+              <a:rPr lang="vi-VN" sz="2000" dirty="0" err="1"/>
+              <a:t>Ngoài</a:t>
+            </a:r>
+            <a:r>
+              <a:rPr lang="vi-VN" sz="2000" dirty="0"/>
+              <a:t> ra, chương </a:t>
+            </a:r>
+            <a:r>
+              <a:rPr lang="vi-VN" sz="2000" dirty="0" err="1"/>
+              <a:t>trình</a:t>
+            </a:r>
+            <a:r>
+              <a:rPr lang="vi-VN" sz="2000" dirty="0"/>
+              <a:t> </a:t>
+            </a:r>
+            <a:r>
+              <a:rPr lang="vi-VN" sz="2000" dirty="0" err="1"/>
+              <a:t>còn</a:t>
+            </a:r>
+            <a:r>
+              <a:rPr lang="vi-VN" sz="2000" dirty="0"/>
+              <a:t> </a:t>
+            </a:r>
+            <a:r>
+              <a:rPr lang="vi-VN" sz="2000" dirty="0" err="1"/>
+              <a:t>dùng</a:t>
+            </a:r>
+            <a:r>
+              <a:rPr lang="vi-VN" sz="2000" dirty="0"/>
+              <a:t> danh </a:t>
+            </a:r>
+            <a:r>
+              <a:rPr lang="vi-VN" sz="2000" dirty="0" err="1"/>
+              <a:t>sách</a:t>
+            </a:r>
+            <a:r>
+              <a:rPr lang="vi-VN" sz="2000" dirty="0"/>
+              <a:t> liên </a:t>
+            </a:r>
+            <a:r>
+              <a:rPr lang="vi-VN" sz="2000" dirty="0" err="1"/>
+              <a:t>kết</a:t>
+            </a:r>
+            <a:r>
+              <a:rPr lang="vi-VN" sz="2000" dirty="0"/>
+              <a:t> đơn </a:t>
+            </a:r>
+            <a:r>
+              <a:rPr lang="vi-VN" sz="2000" dirty="0" err="1"/>
+              <a:t>để</a:t>
+            </a:r>
+            <a:r>
+              <a:rPr lang="vi-VN" sz="2000" dirty="0"/>
+              <a:t> thao </a:t>
+            </a:r>
+            <a:r>
+              <a:rPr lang="vi-VN" sz="2000" dirty="0" err="1"/>
+              <a:t>tác</a:t>
+            </a:r>
+            <a:r>
+              <a:rPr lang="vi-VN" sz="2000" dirty="0"/>
+              <a:t> </a:t>
+            </a:r>
+            <a:r>
+              <a:rPr lang="vi-VN" sz="2000" dirty="0" err="1"/>
+              <a:t>với</a:t>
+            </a:r>
+            <a:r>
+              <a:rPr lang="vi-VN" sz="2000" dirty="0"/>
+              <a:t> </a:t>
+            </a:r>
+            <a:r>
+              <a:rPr lang="vi-VN" sz="2000" dirty="0" err="1"/>
+              <a:t>dữ</a:t>
+            </a:r>
+            <a:r>
+              <a:rPr lang="vi-VN" sz="2000" dirty="0"/>
+              <a:t> </a:t>
+            </a:r>
+            <a:r>
+              <a:rPr lang="vi-VN" sz="2000" dirty="0" err="1"/>
+              <a:t>liệu</a:t>
+            </a:r>
+            <a:r>
+              <a:rPr lang="vi-VN" sz="2000" dirty="0"/>
+              <a:t> thông tin </a:t>
+            </a:r>
+            <a:r>
+              <a:rPr lang="vi-VN" sz="2000" dirty="0" err="1"/>
+              <a:t>sách</a:t>
+            </a:r>
+            <a:r>
+              <a:rPr lang="vi-VN" sz="2000" dirty="0"/>
+              <a:t> trong </a:t>
+            </a:r>
+            <a:r>
+              <a:rPr lang="vi-VN" sz="2000" dirty="0" err="1"/>
+              <a:t>file</a:t>
+            </a:r>
+            <a:r>
+              <a:rPr lang="vi-VN" sz="2000" dirty="0"/>
+              <a:t> </a:t>
+            </a:r>
+            <a:r>
+              <a:rPr lang="vi-VN" sz="2000" dirty="0" err="1"/>
+              <a:t>khosach.bin</a:t>
+            </a:r>
+            <a:r>
+              <a:rPr lang="vi-VN" sz="2000" dirty="0"/>
+              <a:t> bên </a:t>
+            </a:r>
+            <a:r>
+              <a:rPr lang="vi-VN" sz="2000" dirty="0" err="1"/>
+              <a:t>cạnh</a:t>
+            </a:r>
+            <a:r>
+              <a:rPr lang="vi-VN" sz="2000" dirty="0"/>
+              <a:t> </a:t>
+            </a:r>
+            <a:r>
+              <a:rPr lang="vi-VN" sz="2000" dirty="0" err="1"/>
+              <a:t>cách</a:t>
+            </a:r>
+            <a:r>
+              <a:rPr lang="vi-VN" sz="2000" dirty="0"/>
+              <a:t> </a:t>
+            </a:r>
+            <a:r>
+              <a:rPr lang="vi-VN" sz="2000" dirty="0" err="1"/>
+              <a:t>sử</a:t>
+            </a:r>
+            <a:r>
+              <a:rPr lang="vi-VN" sz="2000" dirty="0"/>
+              <a:t> </a:t>
+            </a:r>
+            <a:r>
+              <a:rPr lang="vi-VN" sz="2000" dirty="0" err="1"/>
+              <a:t>dụng</a:t>
+            </a:r>
+            <a:r>
+              <a:rPr lang="vi-VN" sz="2000" dirty="0"/>
+              <a:t> </a:t>
+            </a:r>
+            <a:r>
+              <a:rPr lang="vi-VN" sz="2000" dirty="0" err="1"/>
+              <a:t>mảng</a:t>
+            </a:r>
+            <a:r>
+              <a:rPr lang="vi-VN" sz="2000" dirty="0"/>
+              <a:t> </a:t>
+            </a:r>
+            <a:r>
+              <a:rPr lang="vi-VN" sz="2000" dirty="0" err="1"/>
+              <a:t>dữ</a:t>
+            </a:r>
+            <a:r>
+              <a:rPr lang="vi-VN" sz="2000" dirty="0"/>
+              <a:t> </a:t>
+            </a:r>
+            <a:r>
+              <a:rPr lang="vi-VN" sz="2000" dirty="0" err="1"/>
+              <a:t>liệu</a:t>
+            </a:r>
+            <a:r>
+              <a:rPr lang="vi-VN" sz="2000" dirty="0"/>
+              <a:t> </a:t>
+            </a:r>
+            <a:r>
+              <a:rPr lang="vi-VN" sz="2000" dirty="0" err="1"/>
+              <a:t>có</a:t>
+            </a:r>
+            <a:r>
+              <a:rPr lang="vi-VN" sz="2000" dirty="0"/>
+              <a:t> </a:t>
+            </a:r>
+            <a:r>
+              <a:rPr lang="vi-VN" sz="2000" dirty="0" err="1"/>
+              <a:t>cấu</a:t>
+            </a:r>
+            <a:r>
+              <a:rPr lang="vi-VN" sz="2000" dirty="0"/>
+              <a:t> </a:t>
+            </a:r>
+            <a:r>
+              <a:rPr lang="vi-VN" sz="2000" dirty="0" err="1"/>
+              <a:t>trúc</a:t>
+            </a:r>
+            <a:r>
+              <a:rPr lang="vi-VN" sz="2000" dirty="0"/>
+              <a:t>. </a:t>
+            </a:r>
+            <a:r>
+              <a:rPr lang="vi-VN" sz="2000" dirty="0" err="1"/>
+              <a:t>Việc</a:t>
+            </a:r>
+            <a:r>
+              <a:rPr lang="vi-VN" sz="2000" dirty="0"/>
+              <a:t> </a:t>
+            </a:r>
+            <a:r>
+              <a:rPr lang="vi-VN" sz="2000" dirty="0" err="1"/>
+              <a:t>sử</a:t>
+            </a:r>
+            <a:r>
+              <a:rPr lang="vi-VN" sz="2000" dirty="0"/>
+              <a:t> </a:t>
+            </a:r>
+            <a:r>
+              <a:rPr lang="vi-VN" sz="2000" dirty="0" err="1"/>
+              <a:t>dụng</a:t>
+            </a:r>
+            <a:r>
+              <a:rPr lang="vi-VN" sz="2000" dirty="0"/>
+              <a:t> danh </a:t>
+            </a:r>
+            <a:r>
+              <a:rPr lang="vi-VN" sz="2000" dirty="0" err="1"/>
+              <a:t>sách</a:t>
+            </a:r>
+            <a:r>
+              <a:rPr lang="vi-VN" sz="2000" dirty="0"/>
+              <a:t> liên </a:t>
+            </a:r>
+            <a:r>
+              <a:rPr lang="vi-VN" sz="2000" dirty="0" err="1"/>
+              <a:t>kết</a:t>
+            </a:r>
+            <a:r>
+              <a:rPr lang="vi-VN" sz="2000" dirty="0"/>
+              <a:t> </a:t>
+            </a:r>
+            <a:r>
+              <a:rPr lang="vi-VN" sz="2000" dirty="0" err="1"/>
+              <a:t>giúp</a:t>
+            </a:r>
+            <a:r>
+              <a:rPr lang="vi-VN" sz="2000" dirty="0"/>
+              <a:t> </a:t>
+            </a:r>
+            <a:r>
+              <a:rPr lang="vi-VN" sz="2000" dirty="0" err="1"/>
+              <a:t>bỏ</a:t>
+            </a:r>
+            <a:r>
+              <a:rPr lang="vi-VN" sz="2000" dirty="0"/>
+              <a:t> qua </a:t>
+            </a:r>
+            <a:r>
+              <a:rPr lang="vi-VN" sz="2000" dirty="0" err="1"/>
+              <a:t>một</a:t>
+            </a:r>
+            <a:r>
+              <a:rPr lang="vi-VN" sz="2000" dirty="0"/>
+              <a:t> </a:t>
+            </a:r>
+            <a:r>
+              <a:rPr lang="vi-VN" sz="2000" dirty="0" err="1"/>
+              <a:t>số</a:t>
+            </a:r>
+            <a:r>
+              <a:rPr lang="vi-VN" sz="2000" dirty="0"/>
+              <a:t> </a:t>
+            </a:r>
+            <a:r>
+              <a:rPr lang="vi-VN" sz="2000" dirty="0" err="1"/>
+              <a:t>yếu</a:t>
+            </a:r>
+            <a:r>
+              <a:rPr lang="vi-VN" sz="2000" dirty="0"/>
+              <a:t> </a:t>
+            </a:r>
+            <a:r>
+              <a:rPr lang="vi-VN" sz="2000" dirty="0" err="1"/>
+              <a:t>điểm</a:t>
+            </a:r>
+            <a:r>
+              <a:rPr lang="vi-VN" sz="2000" dirty="0"/>
+              <a:t> </a:t>
+            </a:r>
+            <a:r>
+              <a:rPr lang="vi-VN" sz="2000" dirty="0" err="1"/>
+              <a:t>của</a:t>
+            </a:r>
+            <a:r>
+              <a:rPr lang="vi-VN" sz="2000" dirty="0"/>
+              <a:t> </a:t>
+            </a:r>
+            <a:r>
+              <a:rPr lang="vi-VN" sz="2000" dirty="0" err="1"/>
+              <a:t>mảng</a:t>
+            </a:r>
+            <a:r>
+              <a:rPr lang="vi-VN" sz="2000" dirty="0"/>
+              <a:t> so </a:t>
+            </a:r>
+            <a:r>
+              <a:rPr lang="vi-VN" sz="2000" dirty="0" err="1"/>
+              <a:t>với</a:t>
+            </a:r>
+            <a:r>
+              <a:rPr lang="vi-VN" sz="2000" dirty="0"/>
+              <a:t> danh </a:t>
+            </a:r>
+            <a:r>
+              <a:rPr lang="vi-VN" sz="2000" dirty="0" err="1"/>
+              <a:t>sách</a:t>
+            </a:r>
+            <a:r>
+              <a:rPr lang="vi-VN" sz="2000" dirty="0"/>
+              <a:t> liên </a:t>
+            </a:r>
+            <a:r>
+              <a:rPr lang="vi-VN" sz="2000" dirty="0" err="1"/>
+              <a:t>kết</a:t>
+            </a:r>
+            <a:r>
+              <a:rPr lang="vi-VN" sz="2000" dirty="0"/>
+              <a:t> trong </a:t>
+            </a:r>
+            <a:r>
+              <a:rPr lang="vi-VN" sz="2000" dirty="0" err="1"/>
+              <a:t>việc</a:t>
+            </a:r>
+            <a:r>
+              <a:rPr lang="vi-VN" sz="2000" dirty="0"/>
+              <a:t> thêm </a:t>
+            </a:r>
+            <a:r>
+              <a:rPr lang="vi-VN" sz="2000" dirty="0" err="1"/>
+              <a:t>xoá</a:t>
+            </a:r>
+            <a:r>
+              <a:rPr lang="vi-VN" sz="2000" dirty="0"/>
+              <a:t> </a:t>
+            </a:r>
+            <a:r>
+              <a:rPr lang="vi-VN" sz="2000" dirty="0" err="1"/>
+              <a:t>phần</a:t>
+            </a:r>
+            <a:r>
+              <a:rPr lang="vi-VN" sz="2000" dirty="0"/>
+              <a:t> </a:t>
+            </a:r>
+            <a:r>
+              <a:rPr lang="vi-VN" sz="2000" dirty="0" err="1"/>
+              <a:t>tử</a:t>
+            </a:r>
+            <a:r>
+              <a:rPr lang="vi-VN" sz="2000" dirty="0"/>
+              <a:t>, </a:t>
+            </a:r>
+            <a:r>
+              <a:rPr lang="vi-VN" sz="2000" dirty="0" err="1"/>
+              <a:t>duyệt</a:t>
+            </a:r>
+            <a:r>
+              <a:rPr lang="vi-VN" sz="2000" dirty="0"/>
+              <a:t> </a:t>
+            </a:r>
+            <a:r>
+              <a:rPr lang="vi-VN" sz="2000" dirty="0" err="1"/>
+              <a:t>tìm</a:t>
+            </a:r>
+            <a:r>
+              <a:rPr lang="vi-VN" sz="2000" dirty="0"/>
+              <a:t> </a:t>
+            </a:r>
+            <a:r>
+              <a:rPr lang="vi-VN" sz="2000" dirty="0" err="1"/>
+              <a:t>phần</a:t>
+            </a:r>
+            <a:r>
+              <a:rPr lang="vi-VN" sz="2000" dirty="0"/>
+              <a:t> </a:t>
+            </a:r>
+            <a:r>
+              <a:rPr lang="vi-VN" sz="2000" dirty="0" err="1"/>
+              <a:t>tử</a:t>
+            </a:r>
+            <a:r>
+              <a:rPr lang="vi-VN" sz="2000" dirty="0"/>
+              <a:t>, </a:t>
+            </a:r>
+            <a:r>
+              <a:rPr lang="vi-VN" sz="2000" dirty="0" err="1"/>
+              <a:t>giúp</a:t>
+            </a:r>
+            <a:r>
+              <a:rPr lang="vi-VN" sz="2000" dirty="0"/>
+              <a:t> chương </a:t>
+            </a:r>
+            <a:r>
+              <a:rPr lang="vi-VN" sz="2000" dirty="0" err="1"/>
+              <a:t>trình</a:t>
+            </a:r>
+            <a:r>
+              <a:rPr lang="vi-VN" sz="2000" dirty="0"/>
+              <a:t> </a:t>
+            </a:r>
+            <a:r>
+              <a:rPr lang="vi-VN" sz="2000" dirty="0" err="1"/>
+              <a:t>gọn</a:t>
+            </a:r>
+            <a:r>
+              <a:rPr lang="vi-VN" sz="2000" dirty="0"/>
+              <a:t> </a:t>
+            </a:r>
+            <a:r>
+              <a:rPr lang="vi-VN" sz="2000" dirty="0" err="1"/>
+              <a:t>gàng</a:t>
+            </a:r>
+            <a:r>
+              <a:rPr lang="vi-VN" sz="2000" dirty="0"/>
+              <a:t> hơn</a:t>
+            </a:r>
+            <a:endParaRPr lang="en-US" sz="2000" dirty="0"/>
+          </a:p>
+        </p:txBody>
+      </p:sp>
+      <p:sp>
+        <p:nvSpPr>
+          <p:cNvPr id="5" name="Title 1">
+            <a:extLst>
+              <a:ext uri="{FF2B5EF4-FFF2-40B4-BE49-F238E27FC236}">
+                <a16:creationId xmlns:a16="http://schemas.microsoft.com/office/drawing/2014/main" id="{68D43CE2-ACC3-4800-845A-40DD1A52927D}"/>
+              </a:ext>
+            </a:extLst>
+          </p:cNvPr>
+          <p:cNvSpPr txBox="1">
+            <a:spLocks/>
+          </p:cNvSpPr>
+          <p:nvPr/>
+        </p:nvSpPr>
+        <p:spPr>
+          <a:xfrm>
+            <a:off x="2025744" y="-190685"/>
+            <a:ext cx="8543925" cy="1325563"/>
+          </a:xfrm>
+          <a:prstGeom prst="rect">
+            <a:avLst/>
+          </a:prstGeom>
+        </p:spPr>
+        <p:txBody>
+          <a:bodyPr vert="horz" lIns="91440" tIns="45720" rIns="91440" bIns="45720" rtlCol="0" anchor="ctr">
+            <a:normAutofit/>
+          </a:bodyPr>
+          <a:lstStyle>
+            <a:lvl1pPr algn="l" defTabSz="914400" rtl="0" eaLnBrk="1" latinLnBrk="0" hangingPunct="1">
+              <a:lnSpc>
+                <a:spcPct val="90000"/>
+              </a:lnSpc>
+              <a:spcBef>
+                <a:spcPct val="0"/>
+              </a:spcBef>
+              <a:buNone/>
+              <a:defRPr sz="4400" kern="1200">
+                <a:solidFill>
+                  <a:schemeClr val="tx1"/>
+                </a:solidFill>
+                <a:latin typeface="+mj-lt"/>
+                <a:ea typeface="+mj-ea"/>
+                <a:cs typeface="+mj-cs"/>
+              </a:defRPr>
+            </a:lvl1pPr>
+          </a:lstStyle>
+          <a:p>
+            <a:r>
+              <a:rPr lang="vi-VN" sz="2400" b="1" dirty="0">
+                <a:solidFill>
+                  <a:schemeClr val="bg1"/>
+                </a:solidFill>
+              </a:rPr>
+              <a:t>QUẢN LÝ SÁCH THƯ VIỆN BẰNG PHẦN MỀM C++</a:t>
+            </a:r>
+          </a:p>
+        </p:txBody>
+      </p:sp>
+      <p:pic>
+        <p:nvPicPr>
+          <p:cNvPr id="6" name="Picture 5">
+            <a:extLst>
+              <a:ext uri="{FF2B5EF4-FFF2-40B4-BE49-F238E27FC236}">
+                <a16:creationId xmlns:a16="http://schemas.microsoft.com/office/drawing/2014/main" id="{A9B379EA-DB7E-4008-8061-4EA774BAADC4}"/>
+              </a:ext>
+            </a:extLst>
+          </p:cNvPr>
+          <p:cNvPicPr/>
+          <p:nvPr/>
+        </p:nvPicPr>
+        <p:blipFill>
+          <a:blip r:embed="rId2"/>
+          <a:stretch>
+            <a:fillRect/>
+          </a:stretch>
+        </p:blipFill>
+        <p:spPr>
+          <a:xfrm>
+            <a:off x="1611012" y="3336424"/>
+            <a:ext cx="6124317" cy="3300928"/>
+          </a:xfrm>
+          <a:prstGeom prst="rect">
+            <a:avLst/>
+          </a:prstGeom>
+        </p:spPr>
+      </p:pic>
+    </p:spTree>
+    <p:extLst>
+      <p:ext uri="{BB962C8B-B14F-4D97-AF65-F5344CB8AC3E}">
+        <p14:creationId xmlns:p14="http://schemas.microsoft.com/office/powerpoint/2010/main" val="3702149716"/>
+      </p:ext>
+    </p:extLst>
+  </p:cSld>
+  <p:clrMapOvr>
+    <a:masterClrMapping/>
+  </p:clrMapOvr>
+</p:sld>
+</file>
+
+<file path=ppt/slides/slide14.xml><?xml version="1.0" encoding="utf-8"?>
+<p:sld xmlns:a="http://schemas.openxmlformats.org/drawingml/2006/main" xmlns:r="http://schemas.openxmlformats.org/officeDocument/2006/relationships" xmlns:p="http://schemas.openxmlformats.org/presentationml/2006/main">
+  <p:cSld>
+    <p:spTree>
+      <p:nvGrpSpPr>
+        <p:cNvPr id="1" name=""/>
+        <p:cNvGrpSpPr/>
+        <p:nvPr/>
+      </p:nvGrpSpPr>
+      <p:grpSpPr>
+        <a:xfrm>
+          <a:off x="0" y="0"/>
+          <a:ext cx="0" cy="0"/>
+          <a:chOff x="0" y="0"/>
+          <a:chExt cx="0" cy="0"/>
+        </a:xfrm>
+      </p:grpSpPr>
+      <p:sp>
+        <p:nvSpPr>
+          <p:cNvPr id="2" name="Title 1">
+            <a:extLst>
+              <a:ext uri="{FF2B5EF4-FFF2-40B4-BE49-F238E27FC236}">
+                <a16:creationId xmlns:a16="http://schemas.microsoft.com/office/drawing/2014/main" id="{47A79F88-FA1C-43C9-B65B-C078745F1D3E}"/>
+              </a:ext>
+            </a:extLst>
+          </p:cNvPr>
+          <p:cNvSpPr>
+            <a:spLocks noGrp="1"/>
+          </p:cNvSpPr>
+          <p:nvPr>
+            <p:ph type="title"/>
+          </p:nvPr>
+        </p:nvSpPr>
+        <p:spPr>
+          <a:xfrm>
+            <a:off x="682328" y="987427"/>
+            <a:ext cx="9128937" cy="1072032"/>
+          </a:xfrm>
+        </p:spPr>
+        <p:txBody>
+          <a:bodyPr>
+            <a:normAutofit/>
+          </a:bodyPr>
+          <a:lstStyle/>
+          <a:p>
+            <a:r>
+              <a:rPr lang="vi-VN" b="1" dirty="0">
+                <a:latin typeface="+mn-lt"/>
+              </a:rPr>
+              <a:t>3. </a:t>
+            </a:r>
+            <a:r>
+              <a:rPr lang="en-US" b="1" dirty="0" err="1">
+                <a:latin typeface="Arial" panose="020B0604020202020204" pitchFamily="34" charset="0"/>
+                <a:cs typeface="Arial" panose="020B0604020202020204" pitchFamily="34" charset="0"/>
+              </a:rPr>
+              <a:t>Cấu</a:t>
+            </a:r>
+            <a:r>
+              <a:rPr lang="en-US" b="1" dirty="0">
+                <a:latin typeface="Arial" panose="020B0604020202020204" pitchFamily="34" charset="0"/>
+                <a:cs typeface="Arial" panose="020B0604020202020204" pitchFamily="34" charset="0"/>
+              </a:rPr>
+              <a:t> </a:t>
+            </a:r>
+            <a:r>
+              <a:rPr lang="en-US" b="1" dirty="0" err="1">
+                <a:latin typeface="Arial" panose="020B0604020202020204" pitchFamily="34" charset="0"/>
+                <a:cs typeface="Arial" panose="020B0604020202020204" pitchFamily="34" charset="0"/>
+              </a:rPr>
+              <a:t>trúc</a:t>
+            </a:r>
+            <a:r>
+              <a:rPr lang="vi-VN" b="1" dirty="0">
+                <a:latin typeface="Arial" panose="020B0604020202020204" pitchFamily="34" charset="0"/>
+                <a:cs typeface="Arial" panose="020B0604020202020204" pitchFamily="34" charset="0"/>
+              </a:rPr>
+              <a:t> </a:t>
+            </a:r>
+            <a:r>
+              <a:rPr lang="vi-VN" b="1" dirty="0" err="1">
+                <a:latin typeface="+mn-lt"/>
+              </a:rPr>
+              <a:t>dữ</a:t>
+            </a:r>
+            <a:r>
+              <a:rPr lang="vi-VN" b="1" dirty="0">
+                <a:latin typeface="+mn-lt"/>
+              </a:rPr>
+              <a:t> </a:t>
+            </a:r>
+            <a:r>
+              <a:rPr lang="vi-VN" b="1" dirty="0" err="1">
+                <a:latin typeface="+mn-lt"/>
+              </a:rPr>
+              <a:t>liệu</a:t>
+            </a:r>
+            <a:r>
+              <a:rPr lang="vi-VN" b="1" dirty="0">
+                <a:latin typeface="+mn-lt"/>
+              </a:rPr>
+              <a:t> </a:t>
+            </a:r>
+            <a:r>
+              <a:rPr lang="vi-VN" b="1" dirty="0" err="1">
+                <a:latin typeface="+mn-lt"/>
+              </a:rPr>
+              <a:t>được</a:t>
+            </a:r>
+            <a:r>
+              <a:rPr lang="vi-VN" b="1" dirty="0">
+                <a:latin typeface="+mn-lt"/>
+              </a:rPr>
+              <a:t> </a:t>
+            </a:r>
+            <a:r>
+              <a:rPr lang="vi-VN" b="1" dirty="0" err="1">
+                <a:latin typeface="+mn-lt"/>
+              </a:rPr>
+              <a:t>sử</a:t>
+            </a:r>
+            <a:r>
+              <a:rPr lang="vi-VN" b="1" dirty="0">
+                <a:latin typeface="+mn-lt"/>
+              </a:rPr>
+              <a:t> </a:t>
+            </a:r>
+            <a:r>
+              <a:rPr lang="vi-VN" b="1" dirty="0" err="1">
+                <a:latin typeface="+mn-lt"/>
+              </a:rPr>
+              <a:t>dụng</a:t>
+            </a:r>
+            <a:r>
+              <a:rPr lang="en-US" b="1" dirty="0">
+                <a:latin typeface="+mn-lt"/>
+              </a:rPr>
+              <a:t>:</a:t>
+            </a:r>
+            <a:br>
+              <a:rPr lang="en-US" b="1" dirty="0"/>
+            </a:br>
+            <a:endParaRPr lang="en-US" dirty="0"/>
+          </a:p>
+        </p:txBody>
+      </p:sp>
+      <p:sp>
+        <p:nvSpPr>
+          <p:cNvPr id="4" name="Text Placeholder 3">
+            <a:extLst>
+              <a:ext uri="{FF2B5EF4-FFF2-40B4-BE49-F238E27FC236}">
+                <a16:creationId xmlns:a16="http://schemas.microsoft.com/office/drawing/2014/main" id="{188D9BD0-3F05-4F6E-943F-2553EA873FB0}"/>
+              </a:ext>
+            </a:extLst>
+          </p:cNvPr>
+          <p:cNvSpPr>
+            <a:spLocks noGrp="1"/>
+          </p:cNvSpPr>
+          <p:nvPr>
+            <p:ph type="body" sz="half" idx="2"/>
+          </p:nvPr>
+        </p:nvSpPr>
+        <p:spPr>
+          <a:xfrm>
+            <a:off x="682328" y="1775959"/>
+            <a:ext cx="8741758" cy="1072032"/>
+          </a:xfrm>
+        </p:spPr>
+        <p:txBody>
+          <a:bodyPr>
+            <a:normAutofit lnSpcReduction="10000"/>
+          </a:bodyPr>
+          <a:lstStyle/>
+          <a:p>
+            <a:pPr marL="342900" indent="-342900" algn="just">
+              <a:buFont typeface="Arial" panose="020B0604020202020204" pitchFamily="34" charset="0"/>
+              <a:buChar char="•"/>
+            </a:pPr>
+            <a:r>
+              <a:rPr lang="vi-VN" sz="2400" dirty="0" err="1"/>
+              <a:t>Người</a:t>
+            </a:r>
+            <a:r>
+              <a:rPr lang="vi-VN" sz="2400" dirty="0"/>
+              <a:t> </a:t>
+            </a:r>
+            <a:r>
+              <a:rPr lang="vi-VN" sz="2400" dirty="0" err="1"/>
+              <a:t>dùng</a:t>
+            </a:r>
+            <a:r>
+              <a:rPr lang="vi-VN" sz="2400" dirty="0"/>
+              <a:t> </a:t>
+            </a:r>
+            <a:r>
+              <a:rPr lang="vi-VN" sz="2400" dirty="0" err="1"/>
+              <a:t>có</a:t>
+            </a:r>
+            <a:r>
+              <a:rPr lang="vi-VN" sz="2400" dirty="0"/>
+              <a:t> </a:t>
+            </a:r>
+            <a:r>
+              <a:rPr lang="vi-VN" sz="2400" dirty="0" err="1"/>
+              <a:t>thể</a:t>
+            </a:r>
+            <a:r>
+              <a:rPr lang="vi-VN" sz="2400" dirty="0"/>
+              <a:t> </a:t>
+            </a:r>
+            <a:r>
+              <a:rPr lang="vi-VN" sz="2400" dirty="0" err="1"/>
+              <a:t>chọn</a:t>
+            </a:r>
+            <a:r>
+              <a:rPr lang="vi-VN" sz="2400" dirty="0"/>
+              <a:t> </a:t>
+            </a:r>
+            <a:r>
+              <a:rPr lang="vi-VN" sz="2400" dirty="0" err="1"/>
+              <a:t>cách</a:t>
+            </a:r>
+            <a:r>
+              <a:rPr lang="vi-VN" sz="2400" dirty="0"/>
+              <a:t> thao </a:t>
+            </a:r>
+            <a:r>
+              <a:rPr lang="vi-VN" sz="2400" dirty="0" err="1"/>
+              <a:t>tác</a:t>
+            </a:r>
+            <a:r>
+              <a:rPr lang="vi-VN" sz="2400" dirty="0"/>
+              <a:t> </a:t>
+            </a:r>
+            <a:r>
+              <a:rPr lang="vi-VN" sz="2400" dirty="0" err="1"/>
+              <a:t>với</a:t>
+            </a:r>
+            <a:r>
+              <a:rPr lang="vi-VN" sz="2400" dirty="0"/>
+              <a:t> </a:t>
+            </a:r>
+            <a:r>
+              <a:rPr lang="vi-VN" sz="2400" dirty="0" err="1"/>
+              <a:t>dữ</a:t>
+            </a:r>
+            <a:r>
+              <a:rPr lang="vi-VN" sz="2400" dirty="0"/>
+              <a:t> </a:t>
+            </a:r>
+            <a:r>
+              <a:rPr lang="vi-VN" sz="2400" dirty="0" err="1"/>
+              <a:t>liệu</a:t>
+            </a:r>
+            <a:r>
+              <a:rPr lang="vi-VN" sz="2400" dirty="0"/>
+              <a:t> khi </a:t>
+            </a:r>
+            <a:r>
+              <a:rPr lang="vi-VN" sz="2400" dirty="0" err="1"/>
+              <a:t>vừa</a:t>
+            </a:r>
+            <a:r>
+              <a:rPr lang="vi-VN" sz="2400" dirty="0"/>
+              <a:t> </a:t>
+            </a:r>
+            <a:r>
+              <a:rPr lang="vi-VN" sz="2400" dirty="0" err="1"/>
+              <a:t>bắt</a:t>
+            </a:r>
+            <a:r>
+              <a:rPr lang="vi-VN" sz="2400" dirty="0"/>
+              <a:t> </a:t>
+            </a:r>
+            <a:r>
+              <a:rPr lang="vi-VN" sz="2400" dirty="0" err="1"/>
+              <a:t>đầu</a:t>
+            </a:r>
+            <a:r>
+              <a:rPr lang="vi-VN" sz="2400" dirty="0"/>
+              <a:t> chương </a:t>
+            </a:r>
+            <a:r>
+              <a:rPr lang="vi-VN" sz="2400" dirty="0" err="1"/>
+              <a:t>trình</a:t>
+            </a:r>
+            <a:r>
+              <a:rPr lang="vi-VN" sz="2400" dirty="0"/>
+              <a:t> </a:t>
+            </a:r>
+            <a:r>
+              <a:rPr lang="vi-VN" sz="2400" dirty="0" err="1"/>
+              <a:t>với</a:t>
+            </a:r>
+            <a:r>
+              <a:rPr lang="vi-VN" sz="2400" dirty="0"/>
+              <a:t> 2 </a:t>
+            </a:r>
+            <a:r>
+              <a:rPr lang="vi-VN" sz="2400" dirty="0" err="1"/>
+              <a:t>tuỳ</a:t>
+            </a:r>
+            <a:r>
+              <a:rPr lang="vi-VN" sz="2400" dirty="0"/>
+              <a:t> </a:t>
+            </a:r>
+            <a:r>
+              <a:rPr lang="vi-VN" sz="2400" dirty="0" err="1"/>
+              <a:t>chọn</a:t>
+            </a:r>
+            <a:r>
+              <a:rPr lang="vi-VN" sz="2400" dirty="0"/>
+              <a:t> MANG </a:t>
+            </a:r>
+            <a:r>
+              <a:rPr lang="vi-VN" sz="2400" dirty="0" err="1"/>
+              <a:t>và</a:t>
+            </a:r>
+            <a:r>
+              <a:rPr lang="vi-VN" sz="2400" dirty="0"/>
+              <a:t> DANH SACH LIEN KET</a:t>
+            </a:r>
+            <a:endParaRPr lang="en-US" sz="2400" dirty="0"/>
+          </a:p>
+        </p:txBody>
+      </p:sp>
+      <p:sp>
+        <p:nvSpPr>
+          <p:cNvPr id="5" name="Title 1">
+            <a:extLst>
+              <a:ext uri="{FF2B5EF4-FFF2-40B4-BE49-F238E27FC236}">
+                <a16:creationId xmlns:a16="http://schemas.microsoft.com/office/drawing/2014/main" id="{68D43CE2-ACC3-4800-845A-40DD1A52927D}"/>
+              </a:ext>
+            </a:extLst>
+          </p:cNvPr>
+          <p:cNvSpPr txBox="1">
+            <a:spLocks/>
+          </p:cNvSpPr>
+          <p:nvPr/>
+        </p:nvSpPr>
+        <p:spPr>
+          <a:xfrm>
+            <a:off x="2025744" y="-190685"/>
+            <a:ext cx="8543925" cy="1325563"/>
+          </a:xfrm>
+          <a:prstGeom prst="rect">
+            <a:avLst/>
+          </a:prstGeom>
+        </p:spPr>
+        <p:txBody>
+          <a:bodyPr vert="horz" lIns="91440" tIns="45720" rIns="91440" bIns="45720" rtlCol="0" anchor="ctr">
+            <a:normAutofit/>
+          </a:bodyPr>
+          <a:lstStyle>
+            <a:lvl1pPr algn="l" defTabSz="914400" rtl="0" eaLnBrk="1" latinLnBrk="0" hangingPunct="1">
+              <a:lnSpc>
+                <a:spcPct val="90000"/>
+              </a:lnSpc>
+              <a:spcBef>
+                <a:spcPct val="0"/>
+              </a:spcBef>
+              <a:buNone/>
+              <a:defRPr sz="4400" kern="1200">
+                <a:solidFill>
+                  <a:schemeClr val="tx1"/>
+                </a:solidFill>
+                <a:latin typeface="+mj-lt"/>
+                <a:ea typeface="+mj-ea"/>
+                <a:cs typeface="+mj-cs"/>
+              </a:defRPr>
+            </a:lvl1pPr>
+          </a:lstStyle>
+          <a:p>
+            <a:r>
+              <a:rPr lang="vi-VN" sz="2400" b="1" dirty="0">
+                <a:solidFill>
+                  <a:schemeClr val="bg1"/>
+                </a:solidFill>
+              </a:rPr>
+              <a:t>QUẢN LÝ SÁCH THƯ VIỆN BẰNG PHẦN MỀM C++</a:t>
+            </a:r>
+          </a:p>
+        </p:txBody>
+      </p:sp>
+      <p:pic>
+        <p:nvPicPr>
+          <p:cNvPr id="6" name="Picture 5">
+            <a:extLst>
+              <a:ext uri="{FF2B5EF4-FFF2-40B4-BE49-F238E27FC236}">
+                <a16:creationId xmlns:a16="http://schemas.microsoft.com/office/drawing/2014/main" id="{ED835A14-EBD8-4561-882A-DB47DE3472CD}"/>
+              </a:ext>
+            </a:extLst>
+          </p:cNvPr>
+          <p:cNvPicPr/>
+          <p:nvPr/>
+        </p:nvPicPr>
+        <p:blipFill>
+          <a:blip r:embed="rId2">
+            <a:extLst>
+              <a:ext uri="{28A0092B-C50C-407E-A947-70E740481C1C}">
+                <a14:useLocalDpi xmlns:a14="http://schemas.microsoft.com/office/drawing/2010/main" val="0"/>
+              </a:ext>
+            </a:extLst>
+          </a:blip>
+          <a:stretch>
+            <a:fillRect/>
+          </a:stretch>
+        </p:blipFill>
+        <p:spPr>
+          <a:xfrm>
+            <a:off x="1099228" y="2970951"/>
+            <a:ext cx="7147371" cy="3413374"/>
+          </a:xfrm>
+          <a:prstGeom prst="rect">
+            <a:avLst/>
+          </a:prstGeom>
+        </p:spPr>
+      </p:pic>
+    </p:spTree>
+    <p:extLst>
+      <p:ext uri="{BB962C8B-B14F-4D97-AF65-F5344CB8AC3E}">
+        <p14:creationId xmlns:p14="http://schemas.microsoft.com/office/powerpoint/2010/main" val="3131904571"/>
+      </p:ext>
+    </p:extLst>
+  </p:cSld>
+  <p:clrMapOvr>
+    <a:masterClrMapping/>
+  </p:clrMapOvr>
+</p:sld>
+</file>
+
+<file path=ppt/slides/slide15.xml><?xml version="1.0" encoding="utf-8"?>
+<p:sld xmlns:a="http://schemas.openxmlformats.org/drawingml/2006/main" xmlns:r="http://schemas.openxmlformats.org/officeDocument/2006/relationships" xmlns:p="http://schemas.openxmlformats.org/presentationml/2006/main">
+  <p:cSld>
+    <p:spTree>
+      <p:nvGrpSpPr>
+        <p:cNvPr id="1" name=""/>
+        <p:cNvGrpSpPr/>
+        <p:nvPr/>
+      </p:nvGrpSpPr>
+      <p:grpSpPr>
+        <a:xfrm>
+          <a:off x="0" y="0"/>
+          <a:ext cx="0" cy="0"/>
+          <a:chOff x="0" y="0"/>
+          <a:chExt cx="0" cy="0"/>
+        </a:xfrm>
+      </p:grpSpPr>
+      <p:sp>
+        <p:nvSpPr>
+          <p:cNvPr id="2" name="Title 1">
+            <a:extLst>
+              <a:ext uri="{FF2B5EF4-FFF2-40B4-BE49-F238E27FC236}">
+                <a16:creationId xmlns:a16="http://schemas.microsoft.com/office/drawing/2014/main" id="{D9A09F27-4F2E-4F45-9069-2E052296604D}"/>
+              </a:ext>
+            </a:extLst>
+          </p:cNvPr>
+          <p:cNvSpPr>
+            <a:spLocks noGrp="1"/>
+          </p:cNvSpPr>
+          <p:nvPr>
+            <p:ph type="title"/>
+          </p:nvPr>
+        </p:nvSpPr>
+        <p:spPr/>
+        <p:txBody>
+          <a:bodyPr/>
+          <a:lstStyle/>
+          <a:p>
+            <a:r>
+              <a:rPr lang="vi-VN" b="1" dirty="0"/>
+              <a:t>4. </a:t>
+            </a:r>
+            <a:r>
+              <a:rPr lang="vi-VN" b="1" dirty="0" err="1"/>
+              <a:t>Một</a:t>
+            </a:r>
+            <a:r>
+              <a:rPr lang="vi-VN" b="1" dirty="0"/>
+              <a:t> </a:t>
+            </a:r>
+            <a:r>
+              <a:rPr lang="vi-VN" b="1" dirty="0" err="1"/>
+              <a:t>số</a:t>
+            </a:r>
+            <a:r>
+              <a:rPr lang="vi-VN" b="1" dirty="0"/>
+              <a:t> </a:t>
+            </a:r>
+            <a:r>
+              <a:rPr lang="vi-VN" b="1" dirty="0" err="1"/>
+              <a:t>hàm</a:t>
+            </a:r>
+            <a:r>
+              <a:rPr lang="vi-VN" b="1" dirty="0"/>
+              <a:t> </a:t>
+            </a:r>
+            <a:r>
+              <a:rPr lang="vi-VN" b="1" dirty="0" err="1"/>
+              <a:t>được</a:t>
+            </a:r>
+            <a:r>
+              <a:rPr lang="vi-VN" b="1" dirty="0"/>
+              <a:t> </a:t>
+            </a:r>
+            <a:r>
+              <a:rPr lang="vi-VN" b="1" dirty="0" err="1"/>
+              <a:t>sử</a:t>
+            </a:r>
+            <a:r>
+              <a:rPr lang="vi-VN" b="1" dirty="0"/>
+              <a:t> </a:t>
+            </a:r>
+            <a:r>
+              <a:rPr lang="vi-VN" b="1" dirty="0" err="1"/>
+              <a:t>dụng</a:t>
+            </a:r>
+            <a:endParaRPr lang="en-US" b="1" dirty="0"/>
+          </a:p>
+        </p:txBody>
+      </p:sp>
+      <p:sp>
+        <p:nvSpPr>
+          <p:cNvPr id="4" name="Text Placeholder 3">
+            <a:extLst>
+              <a:ext uri="{FF2B5EF4-FFF2-40B4-BE49-F238E27FC236}">
+                <a16:creationId xmlns:a16="http://schemas.microsoft.com/office/drawing/2014/main" id="{3908B5A4-A13A-4164-8A76-0B62B2A46D72}"/>
+              </a:ext>
+            </a:extLst>
+          </p:cNvPr>
+          <p:cNvSpPr>
+            <a:spLocks noGrp="1"/>
+          </p:cNvSpPr>
+          <p:nvPr>
+            <p:ph type="body" sz="half" idx="2"/>
+          </p:nvPr>
+        </p:nvSpPr>
+        <p:spPr/>
+        <p:txBody>
+          <a:bodyPr/>
+          <a:lstStyle/>
+          <a:p>
+            <a:pPr marL="285750" indent="-285750">
+              <a:buFont typeface="Arial" panose="020B0604020202020204" pitchFamily="34" charset="0"/>
+              <a:buChar char="•"/>
+            </a:pPr>
+            <a:r>
+              <a:rPr lang="en-US" dirty="0" err="1">
+                <a:latin typeface="Arial" panose="020B0604020202020204" pitchFamily="34" charset="0"/>
+                <a:cs typeface="Arial" panose="020B0604020202020204" pitchFamily="34" charset="0"/>
+              </a:rPr>
+              <a:t>Hàm</a:t>
+            </a:r>
+            <a:r>
+              <a:rPr lang="en-US" dirty="0">
+                <a:latin typeface="Arial" panose="020B0604020202020204" pitchFamily="34" charset="0"/>
+                <a:cs typeface="Arial" panose="020B0604020202020204" pitchFamily="34" charset="0"/>
+              </a:rPr>
+              <a:t> </a:t>
+            </a:r>
+            <a:r>
+              <a:rPr lang="en-US" dirty="0" err="1">
+                <a:latin typeface="Arial" panose="020B0604020202020204" pitchFamily="34" charset="0"/>
+                <a:cs typeface="Arial" panose="020B0604020202020204" pitchFamily="34" charset="0"/>
+              </a:rPr>
+              <a:t>nhập</a:t>
+            </a:r>
+            <a:r>
+              <a:rPr lang="en-US" dirty="0">
+                <a:latin typeface="Arial" panose="020B0604020202020204" pitchFamily="34" charset="0"/>
+                <a:cs typeface="Arial" panose="020B0604020202020204" pitchFamily="34" charset="0"/>
+              </a:rPr>
+              <a:t> </a:t>
+            </a:r>
+            <a:r>
+              <a:rPr lang="en-US" dirty="0" err="1">
+                <a:latin typeface="Arial" panose="020B0604020202020204" pitchFamily="34" charset="0"/>
+                <a:cs typeface="Arial" panose="020B0604020202020204" pitchFamily="34" charset="0"/>
+              </a:rPr>
+              <a:t>sách</a:t>
+            </a:r>
+            <a:r>
+              <a:rPr lang="en-US" dirty="0">
+                <a:latin typeface="Arial" panose="020B0604020202020204" pitchFamily="34" charset="0"/>
+                <a:cs typeface="Arial" panose="020B0604020202020204" pitchFamily="34" charset="0"/>
+              </a:rPr>
+              <a:t> </a:t>
+            </a:r>
+            <a:r>
+              <a:rPr lang="en-US" dirty="0" err="1">
+                <a:latin typeface="Arial" panose="020B0604020202020204" pitchFamily="34" charset="0"/>
+                <a:cs typeface="Arial" panose="020B0604020202020204" pitchFamily="34" charset="0"/>
+              </a:rPr>
+              <a:t>vào</a:t>
+            </a:r>
+            <a:r>
+              <a:rPr lang="en-US" dirty="0">
+                <a:latin typeface="Arial" panose="020B0604020202020204" pitchFamily="34" charset="0"/>
+                <a:cs typeface="Arial" panose="020B0604020202020204" pitchFamily="34" charset="0"/>
+              </a:rPr>
+              <a:t> </a:t>
+            </a:r>
+            <a:r>
+              <a:rPr lang="en-US" dirty="0" err="1">
+                <a:latin typeface="Arial" panose="020B0604020202020204" pitchFamily="34" charset="0"/>
+                <a:cs typeface="Arial" panose="020B0604020202020204" pitchFamily="34" charset="0"/>
+              </a:rPr>
+              <a:t>Mảng</a:t>
+            </a:r>
+            <a:endParaRPr lang="en-US" dirty="0">
+              <a:latin typeface="Arial" panose="020B0604020202020204" pitchFamily="34" charset="0"/>
+              <a:cs typeface="Arial" panose="020B0604020202020204" pitchFamily="34" charset="0"/>
+            </a:endParaRPr>
+          </a:p>
+        </p:txBody>
+      </p:sp>
+      <p:sp>
+        <p:nvSpPr>
+          <p:cNvPr id="6" name="Title 1">
+            <a:extLst>
+              <a:ext uri="{FF2B5EF4-FFF2-40B4-BE49-F238E27FC236}">
+                <a16:creationId xmlns:a16="http://schemas.microsoft.com/office/drawing/2014/main" id="{D9B6F13C-3383-4C9B-8749-DD02324D30F3}"/>
+              </a:ext>
+            </a:extLst>
+          </p:cNvPr>
+          <p:cNvSpPr txBox="1">
+            <a:spLocks/>
+          </p:cNvSpPr>
+          <p:nvPr/>
+        </p:nvSpPr>
+        <p:spPr>
+          <a:xfrm>
+            <a:off x="2025744" y="-190685"/>
+            <a:ext cx="8543925" cy="1325563"/>
+          </a:xfrm>
+          <a:prstGeom prst="rect">
+            <a:avLst/>
+          </a:prstGeom>
+        </p:spPr>
+        <p:txBody>
+          <a:bodyPr vert="horz" lIns="91440" tIns="45720" rIns="91440" bIns="45720" rtlCol="0" anchor="ctr">
+            <a:normAutofit/>
+          </a:bodyPr>
+          <a:lstStyle>
+            <a:lvl1pPr algn="l" defTabSz="914400" rtl="0" eaLnBrk="1" latinLnBrk="0" hangingPunct="1">
+              <a:lnSpc>
+                <a:spcPct val="90000"/>
+              </a:lnSpc>
+              <a:spcBef>
+                <a:spcPct val="0"/>
+              </a:spcBef>
+              <a:buNone/>
+              <a:defRPr sz="4400" kern="1200">
+                <a:solidFill>
+                  <a:schemeClr val="tx1"/>
+                </a:solidFill>
+                <a:latin typeface="+mj-lt"/>
+                <a:ea typeface="+mj-ea"/>
+                <a:cs typeface="+mj-cs"/>
+              </a:defRPr>
+            </a:lvl1pPr>
+          </a:lstStyle>
+          <a:p>
+            <a:r>
+              <a:rPr lang="vi-VN" sz="2400" b="1" dirty="0">
+                <a:solidFill>
+                  <a:schemeClr val="bg1"/>
+                </a:solidFill>
+              </a:rPr>
+              <a:t>QUẢN LÝ SÁCH THƯ VIỆN BẰNG PHẦN MỀM C++</a:t>
+            </a:r>
+          </a:p>
+        </p:txBody>
+      </p:sp>
+      <p:pic>
+        <p:nvPicPr>
+          <p:cNvPr id="8" name="Picture Placeholder 7">
+            <a:extLst>
+              <a:ext uri="{FF2B5EF4-FFF2-40B4-BE49-F238E27FC236}">
+                <a16:creationId xmlns:a16="http://schemas.microsoft.com/office/drawing/2014/main" id="{5E764105-D43B-4D3E-9456-4EE2439BE46D}"/>
+              </a:ext>
+            </a:extLst>
+          </p:cNvPr>
+          <p:cNvPicPr>
+            <a:picLocks noGrp="1"/>
+          </p:cNvPicPr>
+          <p:nvPr>
+            <p:ph type="pic" idx="1"/>
+          </p:nvPr>
+        </p:nvPicPr>
+        <p:blipFill>
+          <a:blip r:embed="rId2"/>
+          <a:srcRect l="9773" r="9773"/>
+          <a:stretch>
+            <a:fillRect/>
+          </a:stretch>
+        </p:blipFill>
+        <p:spPr>
+          <a:xfrm>
+            <a:off x="4208759" y="1134878"/>
+            <a:ext cx="5014913" cy="4873625"/>
+          </a:xfrm>
+          <a:prstGeom prst="rect">
+            <a:avLst/>
+          </a:prstGeom>
+        </p:spPr>
+      </p:pic>
+    </p:spTree>
+    <p:extLst>
+      <p:ext uri="{BB962C8B-B14F-4D97-AF65-F5344CB8AC3E}">
+        <p14:creationId xmlns:p14="http://schemas.microsoft.com/office/powerpoint/2010/main" val="262021680"/>
+      </p:ext>
+    </p:extLst>
+  </p:cSld>
+  <p:clrMapOvr>
+    <a:masterClrMapping/>
+  </p:clrMapOvr>
+</p:sld>
+</file>
+
+<file path=ppt/slides/slide16.xml><?xml version="1.0" encoding="utf-8"?>
+<p:sld xmlns:a="http://schemas.openxmlformats.org/drawingml/2006/main" xmlns:r="http://schemas.openxmlformats.org/officeDocument/2006/relationships" xmlns:p="http://schemas.openxmlformats.org/presentationml/2006/main">
+  <p:cSld>
+    <p:spTree>
+      <p:nvGrpSpPr>
+        <p:cNvPr id="1" name=""/>
+        <p:cNvGrpSpPr/>
+        <p:nvPr/>
+      </p:nvGrpSpPr>
+      <p:grpSpPr>
+        <a:xfrm>
+          <a:off x="0" y="0"/>
+          <a:ext cx="0" cy="0"/>
+          <a:chOff x="0" y="0"/>
+          <a:chExt cx="0" cy="0"/>
+        </a:xfrm>
+      </p:grpSpPr>
+      <p:sp>
+        <p:nvSpPr>
+          <p:cNvPr id="2" name="Title 1">
+            <a:extLst>
+              <a:ext uri="{FF2B5EF4-FFF2-40B4-BE49-F238E27FC236}">
+                <a16:creationId xmlns:a16="http://schemas.microsoft.com/office/drawing/2014/main" id="{D9A09F27-4F2E-4F45-9069-2E052296604D}"/>
+              </a:ext>
+            </a:extLst>
+          </p:cNvPr>
+          <p:cNvSpPr>
+            <a:spLocks noGrp="1"/>
+          </p:cNvSpPr>
+          <p:nvPr>
+            <p:ph type="title"/>
+          </p:nvPr>
+        </p:nvSpPr>
+        <p:spPr/>
+        <p:txBody>
+          <a:bodyPr/>
+          <a:lstStyle/>
+          <a:p>
+            <a:r>
+              <a:rPr lang="vi-VN" b="1" dirty="0"/>
+              <a:t>4. </a:t>
+            </a:r>
+            <a:r>
+              <a:rPr lang="vi-VN" b="1" dirty="0" err="1"/>
+              <a:t>Một</a:t>
+            </a:r>
+            <a:r>
+              <a:rPr lang="vi-VN" b="1" dirty="0"/>
+              <a:t> </a:t>
+            </a:r>
+            <a:r>
+              <a:rPr lang="vi-VN" b="1" dirty="0" err="1"/>
+              <a:t>số</a:t>
+            </a:r>
+            <a:r>
+              <a:rPr lang="vi-VN" b="1" dirty="0"/>
+              <a:t> </a:t>
+            </a:r>
+            <a:r>
+              <a:rPr lang="vi-VN" b="1" dirty="0" err="1"/>
+              <a:t>hàm</a:t>
+            </a:r>
+            <a:r>
+              <a:rPr lang="vi-VN" b="1" dirty="0"/>
+              <a:t> </a:t>
+            </a:r>
+            <a:r>
+              <a:rPr lang="vi-VN" b="1" dirty="0" err="1"/>
+              <a:t>được</a:t>
+            </a:r>
+            <a:r>
+              <a:rPr lang="vi-VN" b="1" dirty="0"/>
+              <a:t> </a:t>
+            </a:r>
+            <a:r>
+              <a:rPr lang="vi-VN" b="1" dirty="0" err="1"/>
+              <a:t>sử</a:t>
+            </a:r>
+            <a:r>
+              <a:rPr lang="vi-VN" b="1" dirty="0"/>
+              <a:t> </a:t>
+            </a:r>
+            <a:r>
+              <a:rPr lang="vi-VN" b="1" dirty="0" err="1"/>
+              <a:t>dụng</a:t>
+            </a:r>
+            <a:endParaRPr lang="en-US" b="1" dirty="0"/>
+          </a:p>
+        </p:txBody>
+      </p:sp>
+      <p:sp>
+        <p:nvSpPr>
+          <p:cNvPr id="4" name="Text Placeholder 3">
+            <a:extLst>
+              <a:ext uri="{FF2B5EF4-FFF2-40B4-BE49-F238E27FC236}">
+                <a16:creationId xmlns:a16="http://schemas.microsoft.com/office/drawing/2014/main" id="{3908B5A4-A13A-4164-8A76-0B62B2A46D72}"/>
+              </a:ext>
+            </a:extLst>
+          </p:cNvPr>
+          <p:cNvSpPr>
+            <a:spLocks noGrp="1"/>
+          </p:cNvSpPr>
+          <p:nvPr>
+            <p:ph type="body" sz="half" idx="2"/>
+          </p:nvPr>
+        </p:nvSpPr>
+        <p:spPr/>
+        <p:txBody>
+          <a:bodyPr/>
+          <a:lstStyle/>
+          <a:p>
+            <a:pPr marL="285750" indent="-285750">
+              <a:buFont typeface="Arial" panose="020B0604020202020204" pitchFamily="34" charset="0"/>
+              <a:buChar char="•"/>
+            </a:pPr>
+            <a:r>
+              <a:rPr lang="en-US" dirty="0" err="1">
+                <a:latin typeface="Arial" panose="020B0604020202020204" pitchFamily="34" charset="0"/>
+                <a:cs typeface="Arial" panose="020B0604020202020204" pitchFamily="34" charset="0"/>
+              </a:rPr>
+              <a:t>Hàm</a:t>
+            </a:r>
+            <a:r>
+              <a:rPr lang="en-US" dirty="0">
+                <a:latin typeface="Arial" panose="020B0604020202020204" pitchFamily="34" charset="0"/>
+                <a:cs typeface="Arial" panose="020B0604020202020204" pitchFamily="34" charset="0"/>
+              </a:rPr>
+              <a:t> </a:t>
+            </a:r>
+            <a:r>
+              <a:rPr lang="en-US" dirty="0" err="1">
+                <a:latin typeface="Arial" panose="020B0604020202020204" pitchFamily="34" charset="0"/>
+                <a:cs typeface="Arial" panose="020B0604020202020204" pitchFamily="34" charset="0"/>
+              </a:rPr>
+              <a:t>nhập</a:t>
+            </a:r>
+            <a:r>
+              <a:rPr lang="en-US" dirty="0">
+                <a:latin typeface="Arial" panose="020B0604020202020204" pitchFamily="34" charset="0"/>
+                <a:cs typeface="Arial" panose="020B0604020202020204" pitchFamily="34" charset="0"/>
+              </a:rPr>
+              <a:t> </a:t>
+            </a:r>
+            <a:r>
+              <a:rPr lang="en-US" dirty="0" err="1">
+                <a:latin typeface="Arial" panose="020B0604020202020204" pitchFamily="34" charset="0"/>
+                <a:cs typeface="Arial" panose="020B0604020202020204" pitchFamily="34" charset="0"/>
+              </a:rPr>
+              <a:t>sách</a:t>
+            </a:r>
+            <a:r>
+              <a:rPr lang="en-US" dirty="0">
+                <a:latin typeface="Arial" panose="020B0604020202020204" pitchFamily="34" charset="0"/>
+                <a:cs typeface="Arial" panose="020B0604020202020204" pitchFamily="34" charset="0"/>
+              </a:rPr>
+              <a:t> </a:t>
+            </a:r>
+            <a:r>
+              <a:rPr lang="en-US" dirty="0" err="1">
+                <a:latin typeface="Arial" panose="020B0604020202020204" pitchFamily="34" charset="0"/>
+                <a:cs typeface="Arial" panose="020B0604020202020204" pitchFamily="34" charset="0"/>
+              </a:rPr>
+              <a:t>vào</a:t>
+            </a:r>
+            <a:r>
+              <a:rPr lang="en-US" dirty="0">
+                <a:latin typeface="Arial" panose="020B0604020202020204" pitchFamily="34" charset="0"/>
+                <a:cs typeface="Arial" panose="020B0604020202020204" pitchFamily="34" charset="0"/>
+              </a:rPr>
+              <a:t> </a:t>
+            </a:r>
+            <a:r>
+              <a:rPr lang="en-US" dirty="0" err="1">
+                <a:latin typeface="Arial" panose="020B0604020202020204" pitchFamily="34" charset="0"/>
+                <a:cs typeface="Arial" panose="020B0604020202020204" pitchFamily="34" charset="0"/>
+              </a:rPr>
+              <a:t>Danh</a:t>
+            </a:r>
+            <a:r>
+              <a:rPr lang="en-US" dirty="0">
+                <a:latin typeface="Arial" panose="020B0604020202020204" pitchFamily="34" charset="0"/>
+                <a:cs typeface="Arial" panose="020B0604020202020204" pitchFamily="34" charset="0"/>
+              </a:rPr>
+              <a:t> </a:t>
+            </a:r>
+            <a:r>
+              <a:rPr lang="en-US" dirty="0" err="1">
+                <a:latin typeface="Arial" panose="020B0604020202020204" pitchFamily="34" charset="0"/>
+                <a:cs typeface="Arial" panose="020B0604020202020204" pitchFamily="34" charset="0"/>
+              </a:rPr>
+              <a:t>sách</a:t>
+            </a:r>
+            <a:r>
+              <a:rPr lang="en-US" dirty="0">
+                <a:latin typeface="Arial" panose="020B0604020202020204" pitchFamily="34" charset="0"/>
+                <a:cs typeface="Arial" panose="020B0604020202020204" pitchFamily="34" charset="0"/>
+              </a:rPr>
+              <a:t> </a:t>
+            </a:r>
+            <a:r>
+              <a:rPr lang="en-US" dirty="0" err="1">
+                <a:latin typeface="Arial" panose="020B0604020202020204" pitchFamily="34" charset="0"/>
+                <a:cs typeface="Arial" panose="020B0604020202020204" pitchFamily="34" charset="0"/>
+              </a:rPr>
+              <a:t>liên</a:t>
+            </a:r>
+            <a:r>
+              <a:rPr lang="en-US" dirty="0">
+                <a:latin typeface="Arial" panose="020B0604020202020204" pitchFamily="34" charset="0"/>
+                <a:cs typeface="Arial" panose="020B0604020202020204" pitchFamily="34" charset="0"/>
+              </a:rPr>
+              <a:t> </a:t>
+            </a:r>
+            <a:r>
+              <a:rPr lang="en-US" dirty="0" err="1">
+                <a:latin typeface="Arial" panose="020B0604020202020204" pitchFamily="34" charset="0"/>
+                <a:cs typeface="Arial" panose="020B0604020202020204" pitchFamily="34" charset="0"/>
+              </a:rPr>
+              <a:t>kết</a:t>
+            </a:r>
+            <a:endParaRPr lang="en-US" dirty="0">
+              <a:latin typeface="Arial" panose="020B0604020202020204" pitchFamily="34" charset="0"/>
+              <a:cs typeface="Arial" panose="020B0604020202020204" pitchFamily="34" charset="0"/>
+            </a:endParaRPr>
+          </a:p>
+        </p:txBody>
+      </p:sp>
+      <p:sp>
+        <p:nvSpPr>
+          <p:cNvPr id="6" name="Title 1">
+            <a:extLst>
+              <a:ext uri="{FF2B5EF4-FFF2-40B4-BE49-F238E27FC236}">
+                <a16:creationId xmlns:a16="http://schemas.microsoft.com/office/drawing/2014/main" id="{D9B6F13C-3383-4C9B-8749-DD02324D30F3}"/>
+              </a:ext>
+            </a:extLst>
+          </p:cNvPr>
+          <p:cNvSpPr txBox="1">
+            <a:spLocks/>
+          </p:cNvSpPr>
+          <p:nvPr/>
+        </p:nvSpPr>
+        <p:spPr>
+          <a:xfrm>
+            <a:off x="2025744" y="-190685"/>
+            <a:ext cx="8543925" cy="1325563"/>
+          </a:xfrm>
+          <a:prstGeom prst="rect">
+            <a:avLst/>
+          </a:prstGeom>
+        </p:spPr>
+        <p:txBody>
+          <a:bodyPr vert="horz" lIns="91440" tIns="45720" rIns="91440" bIns="45720" rtlCol="0" anchor="ctr">
+            <a:normAutofit/>
+          </a:bodyPr>
+          <a:lstStyle>
+            <a:lvl1pPr algn="l" defTabSz="914400" rtl="0" eaLnBrk="1" latinLnBrk="0" hangingPunct="1">
+              <a:lnSpc>
+                <a:spcPct val="90000"/>
+              </a:lnSpc>
+              <a:spcBef>
+                <a:spcPct val="0"/>
+              </a:spcBef>
+              <a:buNone/>
+              <a:defRPr sz="4400" kern="1200">
+                <a:solidFill>
+                  <a:schemeClr val="tx1"/>
+                </a:solidFill>
+                <a:latin typeface="+mj-lt"/>
+                <a:ea typeface="+mj-ea"/>
+                <a:cs typeface="+mj-cs"/>
+              </a:defRPr>
+            </a:lvl1pPr>
+          </a:lstStyle>
+          <a:p>
+            <a:r>
+              <a:rPr lang="vi-VN" sz="2400" b="1" dirty="0">
+                <a:solidFill>
+                  <a:schemeClr val="bg1"/>
+                </a:solidFill>
+              </a:rPr>
+              <a:t>QUẢN LÝ SÁCH THƯ VIỆN BẰNG PHẦN MỀM C++</a:t>
+            </a:r>
+          </a:p>
+        </p:txBody>
+      </p:sp>
+      <p:pic>
+        <p:nvPicPr>
+          <p:cNvPr id="9" name="Picture Placeholder 8">
+            <a:extLst>
+              <a:ext uri="{FF2B5EF4-FFF2-40B4-BE49-F238E27FC236}">
+                <a16:creationId xmlns:a16="http://schemas.microsoft.com/office/drawing/2014/main" id="{62962323-0D8B-4228-BCA7-5E0929FD28B5}"/>
+              </a:ext>
+            </a:extLst>
+          </p:cNvPr>
+          <p:cNvPicPr>
+            <a:picLocks noGrp="1"/>
+          </p:cNvPicPr>
+          <p:nvPr>
+            <p:ph type="pic" idx="1"/>
+          </p:nvPr>
+        </p:nvPicPr>
+        <p:blipFill>
+          <a:blip r:embed="rId2"/>
+          <a:srcRect t="1497" b="1497"/>
+          <a:stretch>
+            <a:fillRect/>
+          </a:stretch>
+        </p:blipFill>
+        <p:spPr>
+          <a:prstGeom prst="rect">
+            <a:avLst/>
+          </a:prstGeom>
+        </p:spPr>
+      </p:pic>
+    </p:spTree>
+    <p:extLst>
+      <p:ext uri="{BB962C8B-B14F-4D97-AF65-F5344CB8AC3E}">
+        <p14:creationId xmlns:p14="http://schemas.microsoft.com/office/powerpoint/2010/main" val="4271865323"/>
+      </p:ext>
+    </p:extLst>
+  </p:cSld>
+  <p:clrMapOvr>
+    <a:masterClrMapping/>
+  </p:clrMapOvr>
+</p:sld>
+</file>
+
+<file path=ppt/slides/slide17.xml><?xml version="1.0" encoding="utf-8"?>
+<p:sld xmlns:a="http://schemas.openxmlformats.org/drawingml/2006/main" xmlns:r="http://schemas.openxmlformats.org/officeDocument/2006/relationships" xmlns:p="http://schemas.openxmlformats.org/presentationml/2006/main">
+  <p:cSld>
+    <p:spTree>
+      <p:nvGrpSpPr>
+        <p:cNvPr id="1" name=""/>
+        <p:cNvGrpSpPr/>
+        <p:nvPr/>
+      </p:nvGrpSpPr>
+      <p:grpSpPr>
+        <a:xfrm>
+          <a:off x="0" y="0"/>
+          <a:ext cx="0" cy="0"/>
+          <a:chOff x="0" y="0"/>
+          <a:chExt cx="0" cy="0"/>
+        </a:xfrm>
+      </p:grpSpPr>
+      <p:sp>
+        <p:nvSpPr>
+          <p:cNvPr id="2" name="Title 1">
+            <a:extLst>
+              <a:ext uri="{FF2B5EF4-FFF2-40B4-BE49-F238E27FC236}">
+                <a16:creationId xmlns:a16="http://schemas.microsoft.com/office/drawing/2014/main" id="{D9A09F27-4F2E-4F45-9069-2E052296604D}"/>
+              </a:ext>
+            </a:extLst>
+          </p:cNvPr>
+          <p:cNvSpPr>
+            <a:spLocks noGrp="1"/>
+          </p:cNvSpPr>
+          <p:nvPr>
+            <p:ph type="title"/>
+          </p:nvPr>
+        </p:nvSpPr>
+        <p:spPr/>
+        <p:txBody>
+          <a:bodyPr/>
+          <a:lstStyle/>
+          <a:p>
+            <a:r>
+              <a:rPr lang="vi-VN" b="1" dirty="0"/>
+              <a:t>4. </a:t>
+            </a:r>
+            <a:r>
+              <a:rPr lang="vi-VN" b="1" dirty="0" err="1"/>
+              <a:t>Một</a:t>
+            </a:r>
+            <a:r>
+              <a:rPr lang="vi-VN" b="1" dirty="0"/>
+              <a:t> </a:t>
+            </a:r>
+            <a:r>
+              <a:rPr lang="vi-VN" b="1" dirty="0" err="1"/>
+              <a:t>số</a:t>
+            </a:r>
+            <a:r>
+              <a:rPr lang="vi-VN" b="1" dirty="0"/>
+              <a:t> </a:t>
+            </a:r>
+            <a:r>
+              <a:rPr lang="vi-VN" b="1" dirty="0" err="1"/>
+              <a:t>hàm</a:t>
+            </a:r>
+            <a:r>
+              <a:rPr lang="vi-VN" b="1" dirty="0"/>
+              <a:t> </a:t>
+            </a:r>
+            <a:r>
+              <a:rPr lang="vi-VN" b="1" dirty="0" err="1"/>
+              <a:t>được</a:t>
+            </a:r>
+            <a:r>
+              <a:rPr lang="vi-VN" b="1" dirty="0"/>
+              <a:t> </a:t>
+            </a:r>
+            <a:r>
+              <a:rPr lang="vi-VN" b="1" dirty="0" err="1"/>
+              <a:t>sử</a:t>
+            </a:r>
+            <a:r>
+              <a:rPr lang="vi-VN" b="1" dirty="0"/>
+              <a:t> </a:t>
+            </a:r>
+            <a:r>
+              <a:rPr lang="vi-VN" b="1" dirty="0" err="1"/>
+              <a:t>dụng</a:t>
+            </a:r>
+            <a:endParaRPr lang="en-US" b="1" dirty="0"/>
+          </a:p>
+        </p:txBody>
+      </p:sp>
+      <p:sp>
+        <p:nvSpPr>
+          <p:cNvPr id="4" name="Text Placeholder 3">
+            <a:extLst>
+              <a:ext uri="{FF2B5EF4-FFF2-40B4-BE49-F238E27FC236}">
+                <a16:creationId xmlns:a16="http://schemas.microsoft.com/office/drawing/2014/main" id="{3908B5A4-A13A-4164-8A76-0B62B2A46D72}"/>
+              </a:ext>
+            </a:extLst>
+          </p:cNvPr>
+          <p:cNvSpPr>
+            <a:spLocks noGrp="1"/>
+          </p:cNvSpPr>
+          <p:nvPr>
+            <p:ph type="body" sz="half" idx="2"/>
+          </p:nvPr>
+        </p:nvSpPr>
+        <p:spPr/>
+        <p:txBody>
+          <a:bodyPr/>
+          <a:lstStyle/>
+          <a:p>
+            <a:pPr marL="285750" indent="-285750">
+              <a:buFont typeface="Arial" panose="020B0604020202020204" pitchFamily="34" charset="0"/>
+              <a:buChar char="•"/>
+            </a:pPr>
+            <a:r>
+              <a:rPr lang="en-US" dirty="0" err="1">
+                <a:latin typeface="Arial" panose="020B0604020202020204" pitchFamily="34" charset="0"/>
+                <a:cs typeface="Arial" panose="020B0604020202020204" pitchFamily="34" charset="0"/>
+              </a:rPr>
+              <a:t>Hàm</a:t>
+            </a:r>
+            <a:r>
+              <a:rPr lang="en-US" dirty="0">
+                <a:latin typeface="Arial" panose="020B0604020202020204" pitchFamily="34" charset="0"/>
+                <a:cs typeface="Arial" panose="020B0604020202020204" pitchFamily="34" charset="0"/>
+              </a:rPr>
+              <a:t> </a:t>
+            </a:r>
+            <a:r>
+              <a:rPr lang="en-US" dirty="0" err="1">
+                <a:latin typeface="Arial" panose="020B0604020202020204" pitchFamily="34" charset="0"/>
+                <a:cs typeface="Arial" panose="020B0604020202020204" pitchFamily="34" charset="0"/>
+              </a:rPr>
+              <a:t>xoá</a:t>
+            </a:r>
+            <a:r>
+              <a:rPr lang="en-US" dirty="0">
+                <a:latin typeface="Arial" panose="020B0604020202020204" pitchFamily="34" charset="0"/>
+                <a:cs typeface="Arial" panose="020B0604020202020204" pitchFamily="34" charset="0"/>
+              </a:rPr>
+              <a:t> </a:t>
+            </a:r>
+            <a:r>
+              <a:rPr lang="en-US" dirty="0" err="1">
+                <a:latin typeface="Arial" panose="020B0604020202020204" pitchFamily="34" charset="0"/>
+                <a:cs typeface="Arial" panose="020B0604020202020204" pitchFamily="34" charset="0"/>
+              </a:rPr>
+              <a:t>sách</a:t>
+            </a:r>
+            <a:r>
+              <a:rPr lang="en-US" dirty="0">
+                <a:latin typeface="Arial" panose="020B0604020202020204" pitchFamily="34" charset="0"/>
+                <a:cs typeface="Arial" panose="020B0604020202020204" pitchFamily="34" charset="0"/>
+              </a:rPr>
+              <a:t> </a:t>
+            </a:r>
+            <a:r>
+              <a:rPr lang="en-US" dirty="0" err="1">
+                <a:latin typeface="Arial" panose="020B0604020202020204" pitchFamily="34" charset="0"/>
+                <a:cs typeface="Arial" panose="020B0604020202020204" pitchFamily="34" charset="0"/>
+              </a:rPr>
+              <a:t>trong</a:t>
+            </a:r>
+            <a:r>
+              <a:rPr lang="en-US" dirty="0">
+                <a:latin typeface="Arial" panose="020B0604020202020204" pitchFamily="34" charset="0"/>
+                <a:cs typeface="Arial" panose="020B0604020202020204" pitchFamily="34" charset="0"/>
+              </a:rPr>
+              <a:t> </a:t>
+            </a:r>
+            <a:r>
+              <a:rPr lang="en-US" dirty="0" err="1">
+                <a:latin typeface="Arial" panose="020B0604020202020204" pitchFamily="34" charset="0"/>
+                <a:cs typeface="Arial" panose="020B0604020202020204" pitchFamily="34" charset="0"/>
+              </a:rPr>
+              <a:t>Mảng</a:t>
+            </a:r>
+            <a:endParaRPr lang="en-US" dirty="0">
+              <a:latin typeface="Arial" panose="020B0604020202020204" pitchFamily="34" charset="0"/>
+              <a:cs typeface="Arial" panose="020B0604020202020204" pitchFamily="34" charset="0"/>
+            </a:endParaRPr>
+          </a:p>
+        </p:txBody>
+      </p:sp>
+      <p:sp>
+        <p:nvSpPr>
+          <p:cNvPr id="6" name="Title 1">
+            <a:extLst>
+              <a:ext uri="{FF2B5EF4-FFF2-40B4-BE49-F238E27FC236}">
+                <a16:creationId xmlns:a16="http://schemas.microsoft.com/office/drawing/2014/main" id="{D9B6F13C-3383-4C9B-8749-DD02324D30F3}"/>
+              </a:ext>
+            </a:extLst>
+          </p:cNvPr>
+          <p:cNvSpPr txBox="1">
+            <a:spLocks/>
+          </p:cNvSpPr>
+          <p:nvPr/>
+        </p:nvSpPr>
+        <p:spPr>
+          <a:xfrm>
+            <a:off x="2025744" y="-190685"/>
+            <a:ext cx="8543925" cy="1325563"/>
+          </a:xfrm>
+          <a:prstGeom prst="rect">
+            <a:avLst/>
+          </a:prstGeom>
+        </p:spPr>
+        <p:txBody>
+          <a:bodyPr vert="horz" lIns="91440" tIns="45720" rIns="91440" bIns="45720" rtlCol="0" anchor="ctr">
+            <a:normAutofit/>
+          </a:bodyPr>
+          <a:lstStyle>
+            <a:lvl1pPr algn="l" defTabSz="914400" rtl="0" eaLnBrk="1" latinLnBrk="0" hangingPunct="1">
+              <a:lnSpc>
+                <a:spcPct val="90000"/>
+              </a:lnSpc>
+              <a:spcBef>
+                <a:spcPct val="0"/>
+              </a:spcBef>
+              <a:buNone/>
+              <a:defRPr sz="4400" kern="1200">
+                <a:solidFill>
+                  <a:schemeClr val="tx1"/>
+                </a:solidFill>
+                <a:latin typeface="+mj-lt"/>
+                <a:ea typeface="+mj-ea"/>
+                <a:cs typeface="+mj-cs"/>
+              </a:defRPr>
+            </a:lvl1pPr>
+          </a:lstStyle>
+          <a:p>
+            <a:r>
+              <a:rPr lang="vi-VN" sz="2400" b="1" dirty="0">
+                <a:solidFill>
+                  <a:schemeClr val="bg1"/>
+                </a:solidFill>
+              </a:rPr>
+              <a:t>QUẢN LÝ SÁCH THƯ VIỆN BẰNG PHẦN MỀM C++</a:t>
+            </a:r>
+          </a:p>
+        </p:txBody>
+      </p:sp>
+      <p:pic>
+        <p:nvPicPr>
+          <p:cNvPr id="8" name="Picture Placeholder 7">
+            <a:extLst>
+              <a:ext uri="{FF2B5EF4-FFF2-40B4-BE49-F238E27FC236}">
+                <a16:creationId xmlns:a16="http://schemas.microsoft.com/office/drawing/2014/main" id="{0F85A18F-5D71-4BF8-98C4-EC8810FBC2E5}"/>
+              </a:ext>
+            </a:extLst>
+          </p:cNvPr>
+          <p:cNvPicPr>
+            <a:picLocks noGrp="1"/>
+          </p:cNvPicPr>
+          <p:nvPr>
+            <p:ph type="pic" idx="1"/>
+          </p:nvPr>
+        </p:nvPicPr>
+        <p:blipFill>
+          <a:blip r:embed="rId2"/>
+          <a:srcRect l="6257" r="6257"/>
+          <a:stretch>
+            <a:fillRect/>
+          </a:stretch>
+        </p:blipFill>
+        <p:spPr>
+          <a:prstGeom prst="rect">
+            <a:avLst/>
+          </a:prstGeom>
+        </p:spPr>
+      </p:pic>
+    </p:spTree>
+    <p:extLst>
+      <p:ext uri="{BB962C8B-B14F-4D97-AF65-F5344CB8AC3E}">
+        <p14:creationId xmlns:p14="http://schemas.microsoft.com/office/powerpoint/2010/main" val="2322547592"/>
+      </p:ext>
+    </p:extLst>
+  </p:cSld>
+  <p:clrMapOvr>
+    <a:masterClrMapping/>
+  </p:clrMapOvr>
+</p:sld>
+</file>
+
+<file path=ppt/slides/slide18.xml><?xml version="1.0" encoding="utf-8"?>
+<p:sld xmlns:a="http://schemas.openxmlformats.org/drawingml/2006/main" xmlns:r="http://schemas.openxmlformats.org/officeDocument/2006/relationships" xmlns:p="http://schemas.openxmlformats.org/presentationml/2006/main">
+  <p:cSld>
+    <p:spTree>
+      <p:nvGrpSpPr>
+        <p:cNvPr id="1" name=""/>
+        <p:cNvGrpSpPr/>
+        <p:nvPr/>
+      </p:nvGrpSpPr>
+      <p:grpSpPr>
+        <a:xfrm>
+          <a:off x="0" y="0"/>
+          <a:ext cx="0" cy="0"/>
+          <a:chOff x="0" y="0"/>
+          <a:chExt cx="0" cy="0"/>
+        </a:xfrm>
+      </p:grpSpPr>
+      <p:sp>
+        <p:nvSpPr>
+          <p:cNvPr id="2" name="Title 1">
+            <a:extLst>
+              <a:ext uri="{FF2B5EF4-FFF2-40B4-BE49-F238E27FC236}">
+                <a16:creationId xmlns:a16="http://schemas.microsoft.com/office/drawing/2014/main" id="{D9A09F27-4F2E-4F45-9069-2E052296604D}"/>
+              </a:ext>
+            </a:extLst>
+          </p:cNvPr>
+          <p:cNvSpPr>
+            <a:spLocks noGrp="1"/>
+          </p:cNvSpPr>
+          <p:nvPr>
+            <p:ph type="title"/>
+          </p:nvPr>
+        </p:nvSpPr>
+        <p:spPr/>
+        <p:txBody>
+          <a:bodyPr/>
+          <a:lstStyle/>
+          <a:p>
+            <a:r>
+              <a:rPr lang="vi-VN" b="1" dirty="0"/>
+              <a:t>4. </a:t>
+            </a:r>
+            <a:r>
+              <a:rPr lang="vi-VN" b="1" dirty="0" err="1"/>
+              <a:t>Một</a:t>
+            </a:r>
+            <a:r>
+              <a:rPr lang="vi-VN" b="1" dirty="0"/>
+              <a:t> </a:t>
+            </a:r>
+            <a:r>
+              <a:rPr lang="vi-VN" b="1" dirty="0" err="1"/>
+              <a:t>số</a:t>
+            </a:r>
+            <a:r>
+              <a:rPr lang="vi-VN" b="1" dirty="0"/>
+              <a:t> </a:t>
+            </a:r>
+            <a:r>
+              <a:rPr lang="vi-VN" b="1" dirty="0" err="1"/>
+              <a:t>hàm</a:t>
+            </a:r>
+            <a:r>
+              <a:rPr lang="vi-VN" b="1" dirty="0"/>
+              <a:t> </a:t>
+            </a:r>
+            <a:r>
+              <a:rPr lang="vi-VN" b="1" dirty="0" err="1"/>
+              <a:t>được</a:t>
+            </a:r>
+            <a:r>
+              <a:rPr lang="vi-VN" b="1" dirty="0"/>
+              <a:t> </a:t>
+            </a:r>
+            <a:r>
+              <a:rPr lang="vi-VN" b="1" dirty="0" err="1"/>
+              <a:t>sử</a:t>
+            </a:r>
+            <a:r>
+              <a:rPr lang="vi-VN" b="1" dirty="0"/>
+              <a:t> </a:t>
+            </a:r>
+            <a:r>
+              <a:rPr lang="vi-VN" b="1" dirty="0" err="1"/>
+              <a:t>dụng</a:t>
+            </a:r>
+            <a:endParaRPr lang="en-US" b="1" dirty="0"/>
+          </a:p>
+        </p:txBody>
+      </p:sp>
+      <p:sp>
+        <p:nvSpPr>
+          <p:cNvPr id="4" name="Text Placeholder 3">
+            <a:extLst>
+              <a:ext uri="{FF2B5EF4-FFF2-40B4-BE49-F238E27FC236}">
+                <a16:creationId xmlns:a16="http://schemas.microsoft.com/office/drawing/2014/main" id="{3908B5A4-A13A-4164-8A76-0B62B2A46D72}"/>
+              </a:ext>
+            </a:extLst>
+          </p:cNvPr>
+          <p:cNvSpPr>
+            <a:spLocks noGrp="1"/>
+          </p:cNvSpPr>
+          <p:nvPr>
+            <p:ph type="body" sz="half" idx="2"/>
+          </p:nvPr>
+        </p:nvSpPr>
+        <p:spPr/>
+        <p:txBody>
+          <a:bodyPr/>
+          <a:lstStyle/>
+          <a:p>
+            <a:pPr marL="285750" indent="-285750">
+              <a:buFont typeface="Arial" panose="020B0604020202020204" pitchFamily="34" charset="0"/>
+              <a:buChar char="•"/>
+            </a:pPr>
+            <a:r>
+              <a:rPr lang="en-US" dirty="0" err="1">
+                <a:latin typeface="Arial" panose="020B0604020202020204" pitchFamily="34" charset="0"/>
+                <a:cs typeface="Arial" panose="020B0604020202020204" pitchFamily="34" charset="0"/>
+              </a:rPr>
+              <a:t>Hàm</a:t>
+            </a:r>
+            <a:r>
+              <a:rPr lang="en-US" dirty="0">
+                <a:latin typeface="Arial" panose="020B0604020202020204" pitchFamily="34" charset="0"/>
+                <a:cs typeface="Arial" panose="020B0604020202020204" pitchFamily="34" charset="0"/>
+              </a:rPr>
+              <a:t> </a:t>
+            </a:r>
+            <a:r>
+              <a:rPr lang="en-US" dirty="0" err="1">
+                <a:latin typeface="Arial" panose="020B0604020202020204" pitchFamily="34" charset="0"/>
+                <a:cs typeface="Arial" panose="020B0604020202020204" pitchFamily="34" charset="0"/>
+              </a:rPr>
+              <a:t>xoá</a:t>
+            </a:r>
+            <a:r>
+              <a:rPr lang="en-US" dirty="0">
+                <a:latin typeface="Arial" panose="020B0604020202020204" pitchFamily="34" charset="0"/>
+                <a:cs typeface="Arial" panose="020B0604020202020204" pitchFamily="34" charset="0"/>
+              </a:rPr>
+              <a:t> </a:t>
+            </a:r>
+            <a:r>
+              <a:rPr lang="en-US" dirty="0" err="1">
+                <a:latin typeface="Arial" panose="020B0604020202020204" pitchFamily="34" charset="0"/>
+                <a:cs typeface="Arial" panose="020B0604020202020204" pitchFamily="34" charset="0"/>
+              </a:rPr>
+              <a:t>sách</a:t>
+            </a:r>
+            <a:r>
+              <a:rPr lang="en-US" dirty="0">
+                <a:latin typeface="Arial" panose="020B0604020202020204" pitchFamily="34" charset="0"/>
+                <a:cs typeface="Arial" panose="020B0604020202020204" pitchFamily="34" charset="0"/>
+              </a:rPr>
+              <a:t> </a:t>
+            </a:r>
+            <a:r>
+              <a:rPr lang="en-US" dirty="0" err="1">
+                <a:latin typeface="Arial" panose="020B0604020202020204" pitchFamily="34" charset="0"/>
+                <a:cs typeface="Arial" panose="020B0604020202020204" pitchFamily="34" charset="0"/>
+              </a:rPr>
+              <a:t>trong</a:t>
+            </a:r>
+            <a:r>
+              <a:rPr lang="en-US" dirty="0">
+                <a:latin typeface="Arial" panose="020B0604020202020204" pitchFamily="34" charset="0"/>
+                <a:cs typeface="Arial" panose="020B0604020202020204" pitchFamily="34" charset="0"/>
+              </a:rPr>
+              <a:t> </a:t>
+            </a:r>
+            <a:r>
+              <a:rPr lang="en-US" dirty="0" err="1">
+                <a:latin typeface="Arial" panose="020B0604020202020204" pitchFamily="34" charset="0"/>
+                <a:cs typeface="Arial" panose="020B0604020202020204" pitchFamily="34" charset="0"/>
+              </a:rPr>
+              <a:t>Danh</a:t>
+            </a:r>
+            <a:r>
+              <a:rPr lang="en-US" dirty="0">
+                <a:latin typeface="Arial" panose="020B0604020202020204" pitchFamily="34" charset="0"/>
+                <a:cs typeface="Arial" panose="020B0604020202020204" pitchFamily="34" charset="0"/>
+              </a:rPr>
+              <a:t> </a:t>
+            </a:r>
+            <a:r>
+              <a:rPr lang="en-US" dirty="0" err="1">
+                <a:latin typeface="Arial" panose="020B0604020202020204" pitchFamily="34" charset="0"/>
+                <a:cs typeface="Arial" panose="020B0604020202020204" pitchFamily="34" charset="0"/>
+              </a:rPr>
+              <a:t>sách</a:t>
+            </a:r>
+            <a:r>
+              <a:rPr lang="en-US" dirty="0">
+                <a:latin typeface="Arial" panose="020B0604020202020204" pitchFamily="34" charset="0"/>
+                <a:cs typeface="Arial" panose="020B0604020202020204" pitchFamily="34" charset="0"/>
+              </a:rPr>
+              <a:t> </a:t>
+            </a:r>
+            <a:r>
+              <a:rPr lang="en-US" dirty="0" err="1">
+                <a:latin typeface="Arial" panose="020B0604020202020204" pitchFamily="34" charset="0"/>
+                <a:cs typeface="Arial" panose="020B0604020202020204" pitchFamily="34" charset="0"/>
+              </a:rPr>
+              <a:t>liên</a:t>
+            </a:r>
+            <a:r>
+              <a:rPr lang="en-US" dirty="0">
+                <a:latin typeface="Arial" panose="020B0604020202020204" pitchFamily="34" charset="0"/>
+                <a:cs typeface="Arial" panose="020B0604020202020204" pitchFamily="34" charset="0"/>
+              </a:rPr>
+              <a:t> </a:t>
+            </a:r>
+            <a:r>
+              <a:rPr lang="en-US" dirty="0" err="1">
+                <a:latin typeface="Arial" panose="020B0604020202020204" pitchFamily="34" charset="0"/>
+                <a:cs typeface="Arial" panose="020B0604020202020204" pitchFamily="34" charset="0"/>
+              </a:rPr>
+              <a:t>kết</a:t>
+            </a:r>
+            <a:endParaRPr lang="en-US" dirty="0">
+              <a:latin typeface="Arial" panose="020B0604020202020204" pitchFamily="34" charset="0"/>
+              <a:cs typeface="Arial" panose="020B0604020202020204" pitchFamily="34" charset="0"/>
+            </a:endParaRPr>
+          </a:p>
+        </p:txBody>
+      </p:sp>
+      <p:sp>
+        <p:nvSpPr>
+          <p:cNvPr id="6" name="Title 1">
+            <a:extLst>
+              <a:ext uri="{FF2B5EF4-FFF2-40B4-BE49-F238E27FC236}">
+                <a16:creationId xmlns:a16="http://schemas.microsoft.com/office/drawing/2014/main" id="{D9B6F13C-3383-4C9B-8749-DD02324D30F3}"/>
+              </a:ext>
+            </a:extLst>
+          </p:cNvPr>
+          <p:cNvSpPr txBox="1">
+            <a:spLocks/>
+          </p:cNvSpPr>
+          <p:nvPr/>
+        </p:nvSpPr>
+        <p:spPr>
+          <a:xfrm>
+            <a:off x="2025744" y="-190685"/>
+            <a:ext cx="8543925" cy="1325563"/>
+          </a:xfrm>
+          <a:prstGeom prst="rect">
+            <a:avLst/>
+          </a:prstGeom>
+        </p:spPr>
+        <p:txBody>
+          <a:bodyPr vert="horz" lIns="91440" tIns="45720" rIns="91440" bIns="45720" rtlCol="0" anchor="ctr">
+            <a:normAutofit/>
+          </a:bodyPr>
+          <a:lstStyle>
+            <a:lvl1pPr algn="l" defTabSz="914400" rtl="0" eaLnBrk="1" latinLnBrk="0" hangingPunct="1">
+              <a:lnSpc>
+                <a:spcPct val="90000"/>
+              </a:lnSpc>
+              <a:spcBef>
+                <a:spcPct val="0"/>
+              </a:spcBef>
+              <a:buNone/>
+              <a:defRPr sz="4400" kern="1200">
+                <a:solidFill>
+                  <a:schemeClr val="tx1"/>
+                </a:solidFill>
+                <a:latin typeface="+mj-lt"/>
+                <a:ea typeface="+mj-ea"/>
+                <a:cs typeface="+mj-cs"/>
+              </a:defRPr>
+            </a:lvl1pPr>
+          </a:lstStyle>
+          <a:p>
+            <a:r>
+              <a:rPr lang="vi-VN" sz="2400" b="1" dirty="0">
+                <a:solidFill>
+                  <a:schemeClr val="bg1"/>
+                </a:solidFill>
+              </a:rPr>
+              <a:t>QUẢN LÝ SÁCH THƯ VIỆN BẰNG PHẦN MỀM C++</a:t>
+            </a:r>
+          </a:p>
+        </p:txBody>
+      </p:sp>
+      <p:pic>
+        <p:nvPicPr>
+          <p:cNvPr id="10" name="Picture Placeholder 9">
+            <a:extLst>
+              <a:ext uri="{FF2B5EF4-FFF2-40B4-BE49-F238E27FC236}">
+                <a16:creationId xmlns:a16="http://schemas.microsoft.com/office/drawing/2014/main" id="{E1EB09D4-7538-4F86-B8DF-DBB758A4C52A}"/>
+              </a:ext>
+            </a:extLst>
+          </p:cNvPr>
+          <p:cNvPicPr>
+            <a:picLocks noGrp="1"/>
+          </p:cNvPicPr>
+          <p:nvPr>
+            <p:ph type="pic" idx="1"/>
+          </p:nvPr>
+        </p:nvPicPr>
+        <p:blipFill>
+          <a:blip r:embed="rId2"/>
+          <a:srcRect l="719" r="719"/>
+          <a:stretch>
+            <a:fillRect/>
+          </a:stretch>
+        </p:blipFill>
+        <p:spPr>
+          <a:prstGeom prst="rect">
+            <a:avLst/>
+          </a:prstGeom>
+        </p:spPr>
+      </p:pic>
+    </p:spTree>
+    <p:extLst>
+      <p:ext uri="{BB962C8B-B14F-4D97-AF65-F5344CB8AC3E}">
+        <p14:creationId xmlns:p14="http://schemas.microsoft.com/office/powerpoint/2010/main" val="557586984"/>
+      </p:ext>
+    </p:extLst>
+  </p:cSld>
+  <p:clrMapOvr>
+    <a:masterClrMapping/>
+  </p:clrMapOvr>
+</p:sld>
+</file>
+
+<file path=ppt/slides/slide19.xml><?xml version="1.0" encoding="utf-8"?>
+<p:sld xmlns:a="http://schemas.openxmlformats.org/drawingml/2006/main" xmlns:r="http://schemas.openxmlformats.org/officeDocument/2006/relationships" xmlns:p="http://schemas.openxmlformats.org/presentationml/2006/main">
+  <p:cSld>
+    <p:spTree>
+      <p:nvGrpSpPr>
+        <p:cNvPr id="1" name=""/>
+        <p:cNvGrpSpPr/>
+        <p:nvPr/>
+      </p:nvGrpSpPr>
+      <p:grpSpPr>
+        <a:xfrm>
+          <a:off x="0" y="0"/>
+          <a:ext cx="0" cy="0"/>
+          <a:chOff x="0" y="0"/>
+          <a:chExt cx="0" cy="0"/>
+        </a:xfrm>
+      </p:grpSpPr>
+      <p:sp>
+        <p:nvSpPr>
+          <p:cNvPr id="2" name="Title 1">
+            <a:extLst>
+              <a:ext uri="{FF2B5EF4-FFF2-40B4-BE49-F238E27FC236}">
+                <a16:creationId xmlns:a16="http://schemas.microsoft.com/office/drawing/2014/main" id="{D9A09F27-4F2E-4F45-9069-2E052296604D}"/>
+              </a:ext>
+            </a:extLst>
+          </p:cNvPr>
+          <p:cNvSpPr>
+            <a:spLocks noGrp="1"/>
+          </p:cNvSpPr>
+          <p:nvPr>
+            <p:ph type="title"/>
+          </p:nvPr>
+        </p:nvSpPr>
+        <p:spPr/>
+        <p:txBody>
+          <a:bodyPr/>
+          <a:lstStyle/>
+          <a:p>
+            <a:r>
+              <a:rPr lang="vi-VN" b="1" dirty="0"/>
+              <a:t>4. </a:t>
+            </a:r>
+            <a:r>
+              <a:rPr lang="vi-VN" b="1" dirty="0" err="1"/>
+              <a:t>Một</a:t>
+            </a:r>
+            <a:r>
+              <a:rPr lang="vi-VN" b="1" dirty="0"/>
+              <a:t> </a:t>
+            </a:r>
+            <a:r>
+              <a:rPr lang="vi-VN" b="1" dirty="0" err="1"/>
+              <a:t>số</a:t>
+            </a:r>
+            <a:r>
+              <a:rPr lang="vi-VN" b="1" dirty="0"/>
+              <a:t> </a:t>
+            </a:r>
+            <a:r>
+              <a:rPr lang="vi-VN" b="1" dirty="0" err="1"/>
+              <a:t>hàm</a:t>
+            </a:r>
+            <a:r>
+              <a:rPr lang="vi-VN" b="1" dirty="0"/>
+              <a:t> </a:t>
+            </a:r>
+            <a:r>
+              <a:rPr lang="vi-VN" b="1" dirty="0" err="1"/>
+              <a:t>được</a:t>
+            </a:r>
+            <a:r>
+              <a:rPr lang="vi-VN" b="1" dirty="0"/>
+              <a:t> </a:t>
+            </a:r>
+            <a:r>
+              <a:rPr lang="vi-VN" b="1" dirty="0" err="1"/>
+              <a:t>sử</a:t>
+            </a:r>
+            <a:r>
+              <a:rPr lang="vi-VN" b="1" dirty="0"/>
+              <a:t> </a:t>
+            </a:r>
+            <a:r>
+              <a:rPr lang="vi-VN" b="1" dirty="0" err="1"/>
+              <a:t>dụng</a:t>
+            </a:r>
+            <a:endParaRPr lang="en-US" b="1" dirty="0"/>
+          </a:p>
+        </p:txBody>
+      </p:sp>
+      <p:sp>
+        <p:nvSpPr>
+          <p:cNvPr id="4" name="Text Placeholder 3">
+            <a:extLst>
+              <a:ext uri="{FF2B5EF4-FFF2-40B4-BE49-F238E27FC236}">
+                <a16:creationId xmlns:a16="http://schemas.microsoft.com/office/drawing/2014/main" id="{3908B5A4-A13A-4164-8A76-0B62B2A46D72}"/>
+              </a:ext>
+            </a:extLst>
+          </p:cNvPr>
+          <p:cNvSpPr>
+            <a:spLocks noGrp="1"/>
+          </p:cNvSpPr>
+          <p:nvPr>
+            <p:ph type="body" sz="half" idx="2"/>
+          </p:nvPr>
+        </p:nvSpPr>
+        <p:spPr/>
+        <p:txBody>
+          <a:bodyPr/>
+          <a:lstStyle/>
+          <a:p>
+            <a:pPr marL="285750" indent="-285750">
+              <a:buFont typeface="Arial" panose="020B0604020202020204" pitchFamily="34" charset="0"/>
+              <a:buChar char="•"/>
+            </a:pPr>
+            <a:r>
+              <a:rPr lang="en-US" dirty="0" err="1">
+                <a:latin typeface="Arial" panose="020B0604020202020204" pitchFamily="34" charset="0"/>
+                <a:cs typeface="Arial" panose="020B0604020202020204" pitchFamily="34" charset="0"/>
+              </a:rPr>
+              <a:t>Hàm</a:t>
+            </a:r>
+            <a:r>
+              <a:rPr lang="en-US" dirty="0">
+                <a:latin typeface="Arial" panose="020B0604020202020204" pitchFamily="34" charset="0"/>
+                <a:cs typeface="Arial" panose="020B0604020202020204" pitchFamily="34" charset="0"/>
+              </a:rPr>
+              <a:t> </a:t>
+            </a:r>
+            <a:r>
+              <a:rPr lang="en-US" dirty="0" err="1">
+                <a:latin typeface="Arial" panose="020B0604020202020204" pitchFamily="34" charset="0"/>
+                <a:cs typeface="Arial" panose="020B0604020202020204" pitchFamily="34" charset="0"/>
+              </a:rPr>
+              <a:t>lấy</a:t>
+            </a:r>
+            <a:r>
+              <a:rPr lang="en-US" dirty="0">
+                <a:latin typeface="Arial" panose="020B0604020202020204" pitchFamily="34" charset="0"/>
+                <a:cs typeface="Arial" panose="020B0604020202020204" pitchFamily="34" charset="0"/>
+              </a:rPr>
+              <a:t> </a:t>
+            </a:r>
+            <a:r>
+              <a:rPr lang="en-US" dirty="0" err="1">
+                <a:latin typeface="Arial" panose="020B0604020202020204" pitchFamily="34" charset="0"/>
+                <a:cs typeface="Arial" panose="020B0604020202020204" pitchFamily="34" charset="0"/>
+              </a:rPr>
+              <a:t>dữ</a:t>
+            </a:r>
+            <a:r>
+              <a:rPr lang="en-US" dirty="0">
+                <a:latin typeface="Arial" panose="020B0604020202020204" pitchFamily="34" charset="0"/>
+                <a:cs typeface="Arial" panose="020B0604020202020204" pitchFamily="34" charset="0"/>
+              </a:rPr>
+              <a:t> </a:t>
+            </a:r>
+            <a:r>
+              <a:rPr lang="en-US" dirty="0" err="1">
+                <a:latin typeface="Arial" panose="020B0604020202020204" pitchFamily="34" charset="0"/>
+                <a:cs typeface="Arial" panose="020B0604020202020204" pitchFamily="34" charset="0"/>
+              </a:rPr>
+              <a:t>liệu</a:t>
+            </a:r>
+            <a:r>
+              <a:rPr lang="en-US" dirty="0">
+                <a:latin typeface="Arial" panose="020B0604020202020204" pitchFamily="34" charset="0"/>
+                <a:cs typeface="Arial" panose="020B0604020202020204" pitchFamily="34" charset="0"/>
+              </a:rPr>
+              <a:t> </a:t>
+            </a:r>
+            <a:r>
+              <a:rPr lang="en-US" dirty="0" err="1">
+                <a:latin typeface="Arial" panose="020B0604020202020204" pitchFamily="34" charset="0"/>
+                <a:cs typeface="Arial" panose="020B0604020202020204" pitchFamily="34" charset="0"/>
+              </a:rPr>
+              <a:t>từ</a:t>
+            </a:r>
+            <a:r>
+              <a:rPr lang="en-US" dirty="0">
+                <a:latin typeface="Arial" panose="020B0604020202020204" pitchFamily="34" charset="0"/>
+                <a:cs typeface="Arial" panose="020B0604020202020204" pitchFamily="34" charset="0"/>
+              </a:rPr>
+              <a:t> file </a:t>
+            </a:r>
+            <a:r>
+              <a:rPr lang="en-US" dirty="0" err="1">
+                <a:latin typeface="Arial" panose="020B0604020202020204" pitchFamily="34" charset="0"/>
+                <a:cs typeface="Arial" panose="020B0604020202020204" pitchFamily="34" charset="0"/>
+              </a:rPr>
+              <a:t>khosach.bin</a:t>
+            </a:r>
+            <a:r>
+              <a:rPr lang="en-US" dirty="0">
+                <a:latin typeface="Arial" panose="020B0604020202020204" pitchFamily="34" charset="0"/>
+                <a:cs typeface="Arial" panose="020B0604020202020204" pitchFamily="34" charset="0"/>
+              </a:rPr>
+              <a:t> đ</a:t>
+            </a:r>
+            <a:r>
+              <a:rPr lang="vi-VN" dirty="0">
+                <a:latin typeface="Arial" panose="020B0604020202020204" pitchFamily="34" charset="0"/>
+                <a:cs typeface="Arial" panose="020B0604020202020204" pitchFamily="34" charset="0"/>
+              </a:rPr>
+              <a:t>ư</a:t>
+            </a:r>
+            <a:r>
+              <a:rPr lang="en-US" dirty="0">
+                <a:latin typeface="Arial" panose="020B0604020202020204" pitchFamily="34" charset="0"/>
+                <a:cs typeface="Arial" panose="020B0604020202020204" pitchFamily="34" charset="0"/>
+              </a:rPr>
+              <a:t>a </a:t>
+            </a:r>
+            <a:r>
+              <a:rPr lang="en-US" dirty="0" err="1">
+                <a:latin typeface="Arial" panose="020B0604020202020204" pitchFamily="34" charset="0"/>
+                <a:cs typeface="Arial" panose="020B0604020202020204" pitchFamily="34" charset="0"/>
+              </a:rPr>
+              <a:t>vào</a:t>
+            </a:r>
+            <a:r>
+              <a:rPr lang="en-US" dirty="0">
+                <a:latin typeface="Arial" panose="020B0604020202020204" pitchFamily="34" charset="0"/>
+                <a:cs typeface="Arial" panose="020B0604020202020204" pitchFamily="34" charset="0"/>
+              </a:rPr>
+              <a:t> </a:t>
+            </a:r>
+            <a:r>
+              <a:rPr lang="en-US" dirty="0" err="1">
+                <a:latin typeface="Arial" panose="020B0604020202020204" pitchFamily="34" charset="0"/>
+                <a:cs typeface="Arial" panose="020B0604020202020204" pitchFamily="34" charset="0"/>
+              </a:rPr>
+              <a:t>Danh</a:t>
+            </a:r>
+            <a:r>
+              <a:rPr lang="en-US" dirty="0">
+                <a:latin typeface="Arial" panose="020B0604020202020204" pitchFamily="34" charset="0"/>
+                <a:cs typeface="Arial" panose="020B0604020202020204" pitchFamily="34" charset="0"/>
+              </a:rPr>
+              <a:t> </a:t>
+            </a:r>
+            <a:r>
+              <a:rPr lang="en-US" dirty="0" err="1">
+                <a:latin typeface="Arial" panose="020B0604020202020204" pitchFamily="34" charset="0"/>
+                <a:cs typeface="Arial" panose="020B0604020202020204" pitchFamily="34" charset="0"/>
+              </a:rPr>
+              <a:t>sách</a:t>
+            </a:r>
+            <a:r>
+              <a:rPr lang="en-US" dirty="0">
+                <a:latin typeface="Arial" panose="020B0604020202020204" pitchFamily="34" charset="0"/>
+                <a:cs typeface="Arial" panose="020B0604020202020204" pitchFamily="34" charset="0"/>
+              </a:rPr>
+              <a:t> </a:t>
+            </a:r>
+            <a:r>
+              <a:rPr lang="en-US" dirty="0" err="1">
+                <a:latin typeface="Arial" panose="020B0604020202020204" pitchFamily="34" charset="0"/>
+                <a:cs typeface="Arial" panose="020B0604020202020204" pitchFamily="34" charset="0"/>
+              </a:rPr>
+              <a:t>liên</a:t>
+            </a:r>
+            <a:r>
+              <a:rPr lang="en-US" dirty="0">
+                <a:latin typeface="Arial" panose="020B0604020202020204" pitchFamily="34" charset="0"/>
+                <a:cs typeface="Arial" panose="020B0604020202020204" pitchFamily="34" charset="0"/>
+              </a:rPr>
+              <a:t> </a:t>
+            </a:r>
+            <a:r>
+              <a:rPr lang="en-US" dirty="0" err="1">
+                <a:latin typeface="Arial" panose="020B0604020202020204" pitchFamily="34" charset="0"/>
+                <a:cs typeface="Arial" panose="020B0604020202020204" pitchFamily="34" charset="0"/>
+              </a:rPr>
+              <a:t>kết</a:t>
+            </a:r>
+            <a:r>
+              <a:rPr lang="en-US" dirty="0">
+                <a:latin typeface="Arial" panose="020B0604020202020204" pitchFamily="34" charset="0"/>
+                <a:cs typeface="Arial" panose="020B0604020202020204" pitchFamily="34" charset="0"/>
+              </a:rPr>
+              <a:t> </a:t>
+            </a:r>
+            <a:r>
+              <a:rPr lang="en-US" dirty="0" err="1">
+                <a:latin typeface="Arial" panose="020B0604020202020204" pitchFamily="34" charset="0"/>
+                <a:cs typeface="Arial" panose="020B0604020202020204" pitchFamily="34" charset="0"/>
+              </a:rPr>
+              <a:t>và</a:t>
+            </a:r>
+            <a:r>
+              <a:rPr lang="en-US" dirty="0">
+                <a:latin typeface="Arial" panose="020B0604020202020204" pitchFamily="34" charset="0"/>
+                <a:cs typeface="Arial" panose="020B0604020202020204" pitchFamily="34" charset="0"/>
+              </a:rPr>
+              <a:t> </a:t>
+            </a:r>
+            <a:r>
+              <a:rPr lang="en-US" dirty="0" err="1">
+                <a:latin typeface="Arial" panose="020B0604020202020204" pitchFamily="34" charset="0"/>
+                <a:cs typeface="Arial" panose="020B0604020202020204" pitchFamily="34" charset="0"/>
+              </a:rPr>
+              <a:t>hàm</a:t>
+            </a:r>
+            <a:r>
+              <a:rPr lang="en-US" dirty="0">
+                <a:latin typeface="Arial" panose="020B0604020202020204" pitchFamily="34" charset="0"/>
+                <a:cs typeface="Arial" panose="020B0604020202020204" pitchFamily="34" charset="0"/>
+              </a:rPr>
+              <a:t> </a:t>
+            </a:r>
+            <a:r>
+              <a:rPr lang="en-US" dirty="0" err="1">
+                <a:latin typeface="Arial" panose="020B0604020202020204" pitchFamily="34" charset="0"/>
+                <a:cs typeface="Arial" panose="020B0604020202020204" pitchFamily="34" charset="0"/>
+              </a:rPr>
+              <a:t>chuyển</a:t>
+            </a:r>
+            <a:r>
+              <a:rPr lang="en-US" dirty="0">
+                <a:latin typeface="Arial" panose="020B0604020202020204" pitchFamily="34" charset="0"/>
+                <a:cs typeface="Arial" panose="020B0604020202020204" pitchFamily="34" charset="0"/>
+              </a:rPr>
+              <a:t> </a:t>
+            </a:r>
+            <a:r>
+              <a:rPr lang="en-US" dirty="0" err="1">
+                <a:latin typeface="Arial" panose="020B0604020202020204" pitchFamily="34" charset="0"/>
+                <a:cs typeface="Arial" panose="020B0604020202020204" pitchFamily="34" charset="0"/>
+              </a:rPr>
+              <a:t>dữ</a:t>
+            </a:r>
+            <a:r>
+              <a:rPr lang="en-US" dirty="0">
+                <a:latin typeface="Arial" panose="020B0604020202020204" pitchFamily="34" charset="0"/>
+                <a:cs typeface="Arial" panose="020B0604020202020204" pitchFamily="34" charset="0"/>
+              </a:rPr>
+              <a:t> </a:t>
+            </a:r>
+            <a:r>
+              <a:rPr lang="en-US" dirty="0" err="1">
+                <a:latin typeface="Arial" panose="020B0604020202020204" pitchFamily="34" charset="0"/>
+                <a:cs typeface="Arial" panose="020B0604020202020204" pitchFamily="34" charset="0"/>
+              </a:rPr>
+              <a:t>liệu</a:t>
+            </a:r>
+            <a:r>
+              <a:rPr lang="en-US" dirty="0">
+                <a:latin typeface="Arial" panose="020B0604020202020204" pitchFamily="34" charset="0"/>
+                <a:cs typeface="Arial" panose="020B0604020202020204" pitchFamily="34" charset="0"/>
+              </a:rPr>
+              <a:t> </a:t>
+            </a:r>
+            <a:r>
+              <a:rPr lang="en-US" dirty="0" err="1">
+                <a:latin typeface="Arial" panose="020B0604020202020204" pitchFamily="34" charset="0"/>
+                <a:cs typeface="Arial" panose="020B0604020202020204" pitchFamily="34" charset="0"/>
+              </a:rPr>
+              <a:t>từ</a:t>
+            </a:r>
+            <a:r>
+              <a:rPr lang="en-US" dirty="0">
+                <a:latin typeface="Arial" panose="020B0604020202020204" pitchFamily="34" charset="0"/>
+                <a:cs typeface="Arial" panose="020B0604020202020204" pitchFamily="34" charset="0"/>
+              </a:rPr>
+              <a:t> </a:t>
+            </a:r>
+            <a:r>
+              <a:rPr lang="en-US" dirty="0" err="1">
+                <a:latin typeface="Arial" panose="020B0604020202020204" pitchFamily="34" charset="0"/>
+                <a:cs typeface="Arial" panose="020B0604020202020204" pitchFamily="34" charset="0"/>
+              </a:rPr>
+              <a:t>Danh</a:t>
+            </a:r>
+            <a:r>
+              <a:rPr lang="en-US" dirty="0">
+                <a:latin typeface="Arial" panose="020B0604020202020204" pitchFamily="34" charset="0"/>
+                <a:cs typeface="Arial" panose="020B0604020202020204" pitchFamily="34" charset="0"/>
+              </a:rPr>
+              <a:t> </a:t>
+            </a:r>
+            <a:r>
+              <a:rPr lang="en-US" dirty="0" err="1">
+                <a:latin typeface="Arial" panose="020B0604020202020204" pitchFamily="34" charset="0"/>
+                <a:cs typeface="Arial" panose="020B0604020202020204" pitchFamily="34" charset="0"/>
+              </a:rPr>
+              <a:t>sách</a:t>
+            </a:r>
+            <a:r>
+              <a:rPr lang="en-US" dirty="0">
+                <a:latin typeface="Arial" panose="020B0604020202020204" pitchFamily="34" charset="0"/>
+                <a:cs typeface="Arial" panose="020B0604020202020204" pitchFamily="34" charset="0"/>
+              </a:rPr>
+              <a:t> </a:t>
+            </a:r>
+            <a:r>
+              <a:rPr lang="en-US" dirty="0" err="1">
+                <a:latin typeface="Arial" panose="020B0604020202020204" pitchFamily="34" charset="0"/>
+                <a:cs typeface="Arial" panose="020B0604020202020204" pitchFamily="34" charset="0"/>
+              </a:rPr>
+              <a:t>liên</a:t>
+            </a:r>
+            <a:r>
+              <a:rPr lang="en-US" dirty="0">
+                <a:latin typeface="Arial" panose="020B0604020202020204" pitchFamily="34" charset="0"/>
+                <a:cs typeface="Arial" panose="020B0604020202020204" pitchFamily="34" charset="0"/>
+              </a:rPr>
+              <a:t> </a:t>
+            </a:r>
+            <a:r>
+              <a:rPr lang="en-US" dirty="0" err="1">
+                <a:latin typeface="Arial" panose="020B0604020202020204" pitchFamily="34" charset="0"/>
+                <a:cs typeface="Arial" panose="020B0604020202020204" pitchFamily="34" charset="0"/>
+              </a:rPr>
+              <a:t>kết</a:t>
+            </a:r>
+            <a:r>
+              <a:rPr lang="en-US" dirty="0">
+                <a:latin typeface="Arial" panose="020B0604020202020204" pitchFamily="34" charset="0"/>
+                <a:cs typeface="Arial" panose="020B0604020202020204" pitchFamily="34" charset="0"/>
+              </a:rPr>
+              <a:t> </a:t>
+            </a:r>
+            <a:r>
+              <a:rPr lang="en-US" dirty="0" err="1">
+                <a:latin typeface="Arial" panose="020B0604020202020204" pitchFamily="34" charset="0"/>
+                <a:cs typeface="Arial" panose="020B0604020202020204" pitchFamily="34" charset="0"/>
+              </a:rPr>
+              <a:t>vào</a:t>
+            </a:r>
+            <a:r>
+              <a:rPr lang="en-US" dirty="0">
+                <a:latin typeface="Arial" panose="020B0604020202020204" pitchFamily="34" charset="0"/>
+                <a:cs typeface="Arial" panose="020B0604020202020204" pitchFamily="34" charset="0"/>
+              </a:rPr>
+              <a:t> file </a:t>
+            </a:r>
+            <a:r>
+              <a:rPr lang="en-US" dirty="0" err="1">
+                <a:latin typeface="Arial" panose="020B0604020202020204" pitchFamily="34" charset="0"/>
+                <a:cs typeface="Arial" panose="020B0604020202020204" pitchFamily="34" charset="0"/>
+              </a:rPr>
+              <a:t>khssach.bin</a:t>
+            </a:r>
+            <a:endParaRPr lang="en-US" dirty="0">
+              <a:latin typeface="Arial" panose="020B0604020202020204" pitchFamily="34" charset="0"/>
+              <a:cs typeface="Arial" panose="020B0604020202020204" pitchFamily="34" charset="0"/>
+            </a:endParaRPr>
+          </a:p>
+          <a:p>
+            <a:pPr marL="285750" indent="-285750">
+              <a:buFont typeface="Arial" panose="020B0604020202020204" pitchFamily="34" charset="0"/>
+              <a:buChar char="•"/>
+            </a:pPr>
+            <a:r>
+              <a:rPr lang="en-US" dirty="0" err="1">
+                <a:latin typeface="Arial" panose="020B0604020202020204" pitchFamily="34" charset="0"/>
+                <a:cs typeface="Arial" panose="020B0604020202020204" pitchFamily="34" charset="0"/>
+              </a:rPr>
+              <a:t>Hàm</a:t>
+            </a:r>
+            <a:r>
+              <a:rPr lang="en-US" dirty="0">
+                <a:latin typeface="Arial" panose="020B0604020202020204" pitchFamily="34" charset="0"/>
+                <a:cs typeface="Arial" panose="020B0604020202020204" pitchFamily="34" charset="0"/>
+              </a:rPr>
+              <a:t> </a:t>
+            </a:r>
+            <a:r>
+              <a:rPr lang="en-US" dirty="0" err="1">
+                <a:latin typeface="Arial" panose="020B0604020202020204" pitchFamily="34" charset="0"/>
+                <a:cs typeface="Arial" panose="020B0604020202020204" pitchFamily="34" charset="0"/>
+              </a:rPr>
+              <a:t>FiletoDslk</a:t>
+            </a:r>
+            <a:r>
+              <a:rPr lang="en-US" dirty="0">
+                <a:latin typeface="Arial" panose="020B0604020202020204" pitchFamily="34" charset="0"/>
+                <a:cs typeface="Arial" panose="020B0604020202020204" pitchFamily="34" charset="0"/>
+              </a:rPr>
+              <a:t> </a:t>
+            </a:r>
+            <a:r>
+              <a:rPr lang="en-US" dirty="0" err="1">
+                <a:latin typeface="Arial" panose="020B0604020202020204" pitchFamily="34" charset="0"/>
+                <a:cs typeface="Arial" panose="020B0604020202020204" pitchFamily="34" charset="0"/>
+              </a:rPr>
+              <a:t>lấy</a:t>
+            </a:r>
+            <a:r>
+              <a:rPr lang="en-US" dirty="0">
+                <a:latin typeface="Arial" panose="020B0604020202020204" pitchFamily="34" charset="0"/>
+                <a:cs typeface="Arial" panose="020B0604020202020204" pitchFamily="34" charset="0"/>
+              </a:rPr>
+              <a:t> </a:t>
+            </a:r>
+            <a:r>
+              <a:rPr lang="en-US" dirty="0" err="1">
+                <a:latin typeface="Arial" panose="020B0604020202020204" pitchFamily="34" charset="0"/>
+                <a:cs typeface="Arial" panose="020B0604020202020204" pitchFamily="34" charset="0"/>
+              </a:rPr>
+              <a:t>dữ</a:t>
+            </a:r>
+            <a:r>
+              <a:rPr lang="en-US" dirty="0">
+                <a:latin typeface="Arial" panose="020B0604020202020204" pitchFamily="34" charset="0"/>
+                <a:cs typeface="Arial" panose="020B0604020202020204" pitchFamily="34" charset="0"/>
+              </a:rPr>
+              <a:t> </a:t>
+            </a:r>
+            <a:r>
+              <a:rPr lang="en-US" dirty="0" err="1">
+                <a:latin typeface="Arial" panose="020B0604020202020204" pitchFamily="34" charset="0"/>
+                <a:cs typeface="Arial" panose="020B0604020202020204" pitchFamily="34" charset="0"/>
+              </a:rPr>
+              <a:t>liệu</a:t>
+            </a:r>
+            <a:r>
+              <a:rPr lang="en-US" dirty="0">
+                <a:latin typeface="Arial" panose="020B0604020202020204" pitchFamily="34" charset="0"/>
+                <a:cs typeface="Arial" panose="020B0604020202020204" pitchFamily="34" charset="0"/>
+              </a:rPr>
+              <a:t> </a:t>
+            </a:r>
+            <a:r>
+              <a:rPr lang="en-US" dirty="0" err="1">
+                <a:latin typeface="Arial" panose="020B0604020202020204" pitchFamily="34" charset="0"/>
+                <a:cs typeface="Arial" panose="020B0604020202020204" pitchFamily="34" charset="0"/>
+              </a:rPr>
+              <a:t>từ</a:t>
+            </a:r>
+            <a:r>
+              <a:rPr lang="en-US" dirty="0">
+                <a:latin typeface="Arial" panose="020B0604020202020204" pitchFamily="34" charset="0"/>
+                <a:cs typeface="Arial" panose="020B0604020202020204" pitchFamily="34" charset="0"/>
+              </a:rPr>
+              <a:t> file </a:t>
+            </a:r>
+            <a:r>
+              <a:rPr lang="en-US" dirty="0" err="1">
+                <a:latin typeface="Arial" panose="020B0604020202020204" pitchFamily="34" charset="0"/>
+                <a:cs typeface="Arial" panose="020B0604020202020204" pitchFamily="34" charset="0"/>
+              </a:rPr>
+              <a:t>khosach.bin</a:t>
+            </a:r>
+            <a:r>
+              <a:rPr lang="en-US" dirty="0">
+                <a:latin typeface="Arial" panose="020B0604020202020204" pitchFamily="34" charset="0"/>
+                <a:cs typeface="Arial" panose="020B0604020202020204" pitchFamily="34" charset="0"/>
+              </a:rPr>
+              <a:t> đ</a:t>
+            </a:r>
+            <a:r>
+              <a:rPr lang="vi-VN" dirty="0">
+                <a:cs typeface="Arial" panose="020B0604020202020204" pitchFamily="34" charset="0"/>
+              </a:rPr>
+              <a:t>ư</a:t>
+            </a:r>
+            <a:r>
+              <a:rPr lang="en-US" dirty="0">
+                <a:latin typeface="Arial" panose="020B0604020202020204" pitchFamily="34" charset="0"/>
+                <a:cs typeface="Arial" panose="020B0604020202020204" pitchFamily="34" charset="0"/>
+              </a:rPr>
+              <a:t>a </a:t>
+            </a:r>
+            <a:r>
+              <a:rPr lang="en-US" dirty="0" err="1">
+                <a:latin typeface="Arial" panose="020B0604020202020204" pitchFamily="34" charset="0"/>
+                <a:cs typeface="Arial" panose="020B0604020202020204" pitchFamily="34" charset="0"/>
+              </a:rPr>
+              <a:t>vào</a:t>
+            </a:r>
+            <a:r>
+              <a:rPr lang="en-US" dirty="0">
+                <a:latin typeface="Arial" panose="020B0604020202020204" pitchFamily="34" charset="0"/>
+                <a:cs typeface="Arial" panose="020B0604020202020204" pitchFamily="34" charset="0"/>
+              </a:rPr>
+              <a:t> </a:t>
+            </a:r>
+            <a:r>
+              <a:rPr lang="en-US" dirty="0" err="1">
+                <a:latin typeface="Arial" panose="020B0604020202020204" pitchFamily="34" charset="0"/>
+                <a:cs typeface="Arial" panose="020B0604020202020204" pitchFamily="34" charset="0"/>
+              </a:rPr>
+              <a:t>Danh</a:t>
+            </a:r>
+            <a:r>
+              <a:rPr lang="en-US" dirty="0">
+                <a:latin typeface="Arial" panose="020B0604020202020204" pitchFamily="34" charset="0"/>
+                <a:cs typeface="Arial" panose="020B0604020202020204" pitchFamily="34" charset="0"/>
+              </a:rPr>
+              <a:t> </a:t>
+            </a:r>
+            <a:r>
+              <a:rPr lang="en-US" dirty="0" err="1">
+                <a:latin typeface="Arial" panose="020B0604020202020204" pitchFamily="34" charset="0"/>
+                <a:cs typeface="Arial" panose="020B0604020202020204" pitchFamily="34" charset="0"/>
+              </a:rPr>
+              <a:t>sách</a:t>
+            </a:r>
+            <a:r>
+              <a:rPr lang="en-US" dirty="0">
+                <a:latin typeface="Arial" panose="020B0604020202020204" pitchFamily="34" charset="0"/>
+                <a:cs typeface="Arial" panose="020B0604020202020204" pitchFamily="34" charset="0"/>
+              </a:rPr>
+              <a:t> </a:t>
+            </a:r>
+            <a:r>
+              <a:rPr lang="en-US" dirty="0" err="1">
+                <a:latin typeface="Arial" panose="020B0604020202020204" pitchFamily="34" charset="0"/>
+                <a:cs typeface="Arial" panose="020B0604020202020204" pitchFamily="34" charset="0"/>
+              </a:rPr>
+              <a:t>liên</a:t>
+            </a:r>
+            <a:r>
+              <a:rPr lang="en-US" dirty="0">
+                <a:latin typeface="Arial" panose="020B0604020202020204" pitchFamily="34" charset="0"/>
+                <a:cs typeface="Arial" panose="020B0604020202020204" pitchFamily="34" charset="0"/>
+              </a:rPr>
+              <a:t> </a:t>
+            </a:r>
+            <a:r>
+              <a:rPr lang="en-US" dirty="0" err="1">
+                <a:latin typeface="Arial" panose="020B0604020202020204" pitchFamily="34" charset="0"/>
+                <a:cs typeface="Arial" panose="020B0604020202020204" pitchFamily="34" charset="0"/>
+              </a:rPr>
+              <a:t>kết</a:t>
+            </a:r>
+            <a:r>
+              <a:rPr lang="en-US" dirty="0">
+                <a:latin typeface="Arial" panose="020B0604020202020204" pitchFamily="34" charset="0"/>
+                <a:cs typeface="Arial" panose="020B0604020202020204" pitchFamily="34" charset="0"/>
+              </a:rPr>
+              <a:t> đ</a:t>
+            </a:r>
+            <a:r>
+              <a:rPr lang="vi-VN" dirty="0">
+                <a:latin typeface="Arial" panose="020B0604020202020204" pitchFamily="34" charset="0"/>
+                <a:cs typeface="Arial" panose="020B0604020202020204" pitchFamily="34" charset="0"/>
+              </a:rPr>
+              <a:t>ư</a:t>
+            </a:r>
+            <a:r>
+              <a:rPr lang="en-US" dirty="0" err="1">
+                <a:latin typeface="Arial" panose="020B0604020202020204" pitchFamily="34" charset="0"/>
+                <a:cs typeface="Arial" panose="020B0604020202020204" pitchFamily="34" charset="0"/>
+              </a:rPr>
+              <a:t>ợc</a:t>
+            </a:r>
+            <a:r>
+              <a:rPr lang="en-US" dirty="0">
+                <a:latin typeface="Arial" panose="020B0604020202020204" pitchFamily="34" charset="0"/>
+                <a:cs typeface="Arial" panose="020B0604020202020204" pitchFamily="34" charset="0"/>
+              </a:rPr>
+              <a:t> </a:t>
+            </a:r>
+            <a:r>
+              <a:rPr lang="en-US" dirty="0" err="1">
+                <a:latin typeface="Arial" panose="020B0604020202020204" pitchFamily="34" charset="0"/>
+                <a:cs typeface="Arial" panose="020B0604020202020204" pitchFamily="34" charset="0"/>
+              </a:rPr>
+              <a:t>chạy</a:t>
+            </a:r>
+            <a:r>
+              <a:rPr lang="en-US" dirty="0">
+                <a:latin typeface="Arial" panose="020B0604020202020204" pitchFamily="34" charset="0"/>
+                <a:cs typeface="Arial" panose="020B0604020202020204" pitchFamily="34" charset="0"/>
+              </a:rPr>
+              <a:t> </a:t>
+            </a:r>
+            <a:r>
+              <a:rPr lang="en-US" dirty="0" err="1">
+                <a:latin typeface="Arial" panose="020B0604020202020204" pitchFamily="34" charset="0"/>
+                <a:cs typeface="Arial" panose="020B0604020202020204" pitchFamily="34" charset="0"/>
+              </a:rPr>
+              <a:t>khi</a:t>
+            </a:r>
+            <a:r>
+              <a:rPr lang="en-US" dirty="0">
+                <a:latin typeface="Arial" panose="020B0604020202020204" pitchFamily="34" charset="0"/>
+                <a:cs typeface="Arial" panose="020B0604020202020204" pitchFamily="34" charset="0"/>
+              </a:rPr>
+              <a:t> </a:t>
+            </a:r>
+            <a:r>
+              <a:rPr lang="en-US" dirty="0" err="1">
+                <a:latin typeface="Arial" panose="020B0604020202020204" pitchFamily="34" charset="0"/>
+                <a:cs typeface="Arial" panose="020B0604020202020204" pitchFamily="34" charset="0"/>
+              </a:rPr>
+              <a:t>bắt</a:t>
+            </a:r>
+            <a:r>
+              <a:rPr lang="en-US" dirty="0">
+                <a:latin typeface="Arial" panose="020B0604020202020204" pitchFamily="34" charset="0"/>
+                <a:cs typeface="Arial" panose="020B0604020202020204" pitchFamily="34" charset="0"/>
+              </a:rPr>
+              <a:t> </a:t>
+            </a:r>
+            <a:r>
+              <a:rPr lang="en-US" dirty="0" err="1">
+                <a:latin typeface="Arial" panose="020B0604020202020204" pitchFamily="34" charset="0"/>
+                <a:cs typeface="Arial" panose="020B0604020202020204" pitchFamily="34" charset="0"/>
+              </a:rPr>
+              <a:t>đầu</a:t>
+            </a:r>
+            <a:r>
+              <a:rPr lang="en-US" dirty="0">
+                <a:latin typeface="Arial" panose="020B0604020202020204" pitchFamily="34" charset="0"/>
+                <a:cs typeface="Arial" panose="020B0604020202020204" pitchFamily="34" charset="0"/>
+              </a:rPr>
+              <a:t> </a:t>
+            </a:r>
+            <a:r>
+              <a:rPr lang="en-US" dirty="0" err="1">
+                <a:latin typeface="Arial" panose="020B0604020202020204" pitchFamily="34" charset="0"/>
+                <a:cs typeface="Arial" panose="020B0604020202020204" pitchFamily="34" charset="0"/>
+              </a:rPr>
+              <a:t>ch</a:t>
+            </a:r>
+            <a:r>
+              <a:rPr lang="vi-VN" dirty="0">
+                <a:latin typeface="Arial" panose="020B0604020202020204" pitchFamily="34" charset="0"/>
+                <a:cs typeface="Arial" panose="020B0604020202020204" pitchFamily="34" charset="0"/>
+              </a:rPr>
+              <a:t>ư</a:t>
+            </a:r>
+            <a:r>
+              <a:rPr lang="en-US" dirty="0" err="1">
+                <a:latin typeface="Arial" panose="020B0604020202020204" pitchFamily="34" charset="0"/>
+                <a:cs typeface="Arial" panose="020B0604020202020204" pitchFamily="34" charset="0"/>
+              </a:rPr>
+              <a:t>ơng</a:t>
+            </a:r>
+            <a:r>
+              <a:rPr lang="en-US" dirty="0">
+                <a:latin typeface="Arial" panose="020B0604020202020204" pitchFamily="34" charset="0"/>
+                <a:cs typeface="Arial" panose="020B0604020202020204" pitchFamily="34" charset="0"/>
+              </a:rPr>
+              <a:t> </a:t>
+            </a:r>
+            <a:r>
+              <a:rPr lang="en-US" dirty="0" err="1">
+                <a:latin typeface="Arial" panose="020B0604020202020204" pitchFamily="34" charset="0"/>
+                <a:cs typeface="Arial" panose="020B0604020202020204" pitchFamily="34" charset="0"/>
+              </a:rPr>
+              <a:t>trình</a:t>
+            </a:r>
+            <a:endParaRPr lang="en-US" dirty="0">
+              <a:latin typeface="Arial" panose="020B0604020202020204" pitchFamily="34" charset="0"/>
+              <a:cs typeface="Arial" panose="020B0604020202020204" pitchFamily="34" charset="0"/>
+            </a:endParaRPr>
+          </a:p>
+          <a:p>
+            <a:pPr marL="285750" indent="-285750">
+              <a:buFont typeface="Arial" panose="020B0604020202020204" pitchFamily="34" charset="0"/>
+              <a:buChar char="•"/>
+            </a:pPr>
+            <a:r>
+              <a:rPr lang="en-US" dirty="0" err="1">
+                <a:latin typeface="Arial" panose="020B0604020202020204" pitchFamily="34" charset="0"/>
+                <a:cs typeface="Arial" panose="020B0604020202020204" pitchFamily="34" charset="0"/>
+              </a:rPr>
+              <a:t>Hàm</a:t>
+            </a:r>
+            <a:r>
+              <a:rPr lang="en-US" dirty="0">
+                <a:latin typeface="Arial" panose="020B0604020202020204" pitchFamily="34" charset="0"/>
+                <a:cs typeface="Arial" panose="020B0604020202020204" pitchFamily="34" charset="0"/>
+              </a:rPr>
+              <a:t> </a:t>
+            </a:r>
+            <a:r>
+              <a:rPr lang="en-US" dirty="0" err="1">
+                <a:latin typeface="Arial" panose="020B0604020202020204" pitchFamily="34" charset="0"/>
+                <a:cs typeface="Arial" panose="020B0604020202020204" pitchFamily="34" charset="0"/>
+              </a:rPr>
+              <a:t>DslktoFile</a:t>
+            </a:r>
+            <a:r>
+              <a:rPr lang="en-US" dirty="0">
+                <a:latin typeface="Arial" panose="020B0604020202020204" pitchFamily="34" charset="0"/>
+                <a:cs typeface="Arial" panose="020B0604020202020204" pitchFamily="34" charset="0"/>
+              </a:rPr>
+              <a:t> </a:t>
+            </a:r>
+            <a:r>
+              <a:rPr lang="en-US" dirty="0" err="1">
+                <a:latin typeface="Arial" panose="020B0604020202020204" pitchFamily="34" charset="0"/>
+                <a:cs typeface="Arial" panose="020B0604020202020204" pitchFamily="34" charset="0"/>
+              </a:rPr>
+              <a:t>chuyển</a:t>
+            </a:r>
+            <a:r>
+              <a:rPr lang="en-US" dirty="0">
+                <a:latin typeface="Arial" panose="020B0604020202020204" pitchFamily="34" charset="0"/>
+                <a:cs typeface="Arial" panose="020B0604020202020204" pitchFamily="34" charset="0"/>
+              </a:rPr>
+              <a:t> </a:t>
+            </a:r>
+            <a:r>
+              <a:rPr lang="en-US" dirty="0" err="1">
+                <a:latin typeface="Arial" panose="020B0604020202020204" pitchFamily="34" charset="0"/>
+                <a:cs typeface="Arial" panose="020B0604020202020204" pitchFamily="34" charset="0"/>
+              </a:rPr>
+              <a:t>dữ</a:t>
+            </a:r>
+            <a:r>
+              <a:rPr lang="en-US" dirty="0">
+                <a:latin typeface="Arial" panose="020B0604020202020204" pitchFamily="34" charset="0"/>
+                <a:cs typeface="Arial" panose="020B0604020202020204" pitchFamily="34" charset="0"/>
+              </a:rPr>
+              <a:t> </a:t>
+            </a:r>
+            <a:r>
+              <a:rPr lang="en-US" dirty="0" err="1">
+                <a:latin typeface="Arial" panose="020B0604020202020204" pitchFamily="34" charset="0"/>
+                <a:cs typeface="Arial" panose="020B0604020202020204" pitchFamily="34" charset="0"/>
+              </a:rPr>
+              <a:t>liệu</a:t>
+            </a:r>
+            <a:r>
+              <a:rPr lang="en-US" dirty="0">
+                <a:latin typeface="Arial" panose="020B0604020202020204" pitchFamily="34" charset="0"/>
+                <a:cs typeface="Arial" panose="020B0604020202020204" pitchFamily="34" charset="0"/>
+              </a:rPr>
+              <a:t> </a:t>
+            </a:r>
+            <a:r>
+              <a:rPr lang="en-US" dirty="0" err="1">
+                <a:latin typeface="Arial" panose="020B0604020202020204" pitchFamily="34" charset="0"/>
+                <a:cs typeface="Arial" panose="020B0604020202020204" pitchFamily="34" charset="0"/>
+              </a:rPr>
+              <a:t>từ</a:t>
+            </a:r>
+            <a:r>
+              <a:rPr lang="en-US" dirty="0">
+                <a:latin typeface="Arial" panose="020B0604020202020204" pitchFamily="34" charset="0"/>
+                <a:cs typeface="Arial" panose="020B0604020202020204" pitchFamily="34" charset="0"/>
+              </a:rPr>
+              <a:t> </a:t>
+            </a:r>
+            <a:r>
+              <a:rPr lang="en-US" dirty="0" err="1">
+                <a:latin typeface="Arial" panose="020B0604020202020204" pitchFamily="34" charset="0"/>
+                <a:cs typeface="Arial" panose="020B0604020202020204" pitchFamily="34" charset="0"/>
+              </a:rPr>
+              <a:t>Danh</a:t>
+            </a:r>
+            <a:r>
+              <a:rPr lang="en-US" dirty="0">
+                <a:latin typeface="Arial" panose="020B0604020202020204" pitchFamily="34" charset="0"/>
+                <a:cs typeface="Arial" panose="020B0604020202020204" pitchFamily="34" charset="0"/>
+              </a:rPr>
+              <a:t> </a:t>
+            </a:r>
+            <a:r>
+              <a:rPr lang="en-US" dirty="0" err="1">
+                <a:latin typeface="Arial" panose="020B0604020202020204" pitchFamily="34" charset="0"/>
+                <a:cs typeface="Arial" panose="020B0604020202020204" pitchFamily="34" charset="0"/>
+              </a:rPr>
+              <a:t>sách</a:t>
+            </a:r>
+            <a:r>
+              <a:rPr lang="en-US" dirty="0">
+                <a:latin typeface="Arial" panose="020B0604020202020204" pitchFamily="34" charset="0"/>
+                <a:cs typeface="Arial" panose="020B0604020202020204" pitchFamily="34" charset="0"/>
+              </a:rPr>
+              <a:t> </a:t>
+            </a:r>
+            <a:r>
+              <a:rPr lang="en-US" dirty="0" err="1">
+                <a:latin typeface="Arial" panose="020B0604020202020204" pitchFamily="34" charset="0"/>
+                <a:cs typeface="Arial" panose="020B0604020202020204" pitchFamily="34" charset="0"/>
+              </a:rPr>
+              <a:t>liên</a:t>
+            </a:r>
+            <a:r>
+              <a:rPr lang="en-US" dirty="0">
+                <a:latin typeface="Arial" panose="020B0604020202020204" pitchFamily="34" charset="0"/>
+                <a:cs typeface="Arial" panose="020B0604020202020204" pitchFamily="34" charset="0"/>
+              </a:rPr>
+              <a:t> </a:t>
+            </a:r>
+            <a:r>
+              <a:rPr lang="en-US" dirty="0" err="1">
+                <a:latin typeface="Arial" panose="020B0604020202020204" pitchFamily="34" charset="0"/>
+                <a:cs typeface="Arial" panose="020B0604020202020204" pitchFamily="34" charset="0"/>
+              </a:rPr>
+              <a:t>kết</a:t>
+            </a:r>
+            <a:r>
+              <a:rPr lang="en-US" dirty="0">
+                <a:latin typeface="Arial" panose="020B0604020202020204" pitchFamily="34" charset="0"/>
+                <a:cs typeface="Arial" panose="020B0604020202020204" pitchFamily="34" charset="0"/>
+              </a:rPr>
+              <a:t> </a:t>
+            </a:r>
+            <a:r>
+              <a:rPr lang="en-US" dirty="0" err="1">
+                <a:latin typeface="Arial" panose="020B0604020202020204" pitchFamily="34" charset="0"/>
+                <a:cs typeface="Arial" panose="020B0604020202020204" pitchFamily="34" charset="0"/>
+              </a:rPr>
+              <a:t>vào</a:t>
+            </a:r>
+            <a:r>
+              <a:rPr lang="en-US" dirty="0">
+                <a:latin typeface="Arial" panose="020B0604020202020204" pitchFamily="34" charset="0"/>
+                <a:cs typeface="Arial" panose="020B0604020202020204" pitchFamily="34" charset="0"/>
+              </a:rPr>
+              <a:t> file </a:t>
+            </a:r>
+            <a:r>
+              <a:rPr lang="en-US" dirty="0" err="1">
+                <a:latin typeface="Arial" panose="020B0604020202020204" pitchFamily="34" charset="0"/>
+                <a:cs typeface="Arial" panose="020B0604020202020204" pitchFamily="34" charset="0"/>
+              </a:rPr>
+              <a:t>khssach.bin</a:t>
+            </a:r>
+            <a:r>
+              <a:rPr lang="en-US" dirty="0">
+                <a:latin typeface="Arial" panose="020B0604020202020204" pitchFamily="34" charset="0"/>
+                <a:cs typeface="Arial" panose="020B0604020202020204" pitchFamily="34" charset="0"/>
+              </a:rPr>
+              <a:t> đ</a:t>
+            </a:r>
+            <a:r>
+              <a:rPr lang="vi-VN" dirty="0">
+                <a:latin typeface="Arial" panose="020B0604020202020204" pitchFamily="34" charset="0"/>
+                <a:cs typeface="Arial" panose="020B0604020202020204" pitchFamily="34" charset="0"/>
+              </a:rPr>
+              <a:t>ư</a:t>
+            </a:r>
+            <a:r>
+              <a:rPr lang="en-US" dirty="0" err="1">
+                <a:latin typeface="Arial" panose="020B0604020202020204" pitchFamily="34" charset="0"/>
+                <a:cs typeface="Arial" panose="020B0604020202020204" pitchFamily="34" charset="0"/>
+              </a:rPr>
+              <a:t>ợc</a:t>
+            </a:r>
+            <a:r>
+              <a:rPr lang="en-US" dirty="0">
+                <a:latin typeface="Arial" panose="020B0604020202020204" pitchFamily="34" charset="0"/>
+                <a:cs typeface="Arial" panose="020B0604020202020204" pitchFamily="34" charset="0"/>
+              </a:rPr>
+              <a:t> </a:t>
+            </a:r>
+            <a:r>
+              <a:rPr lang="en-US" dirty="0" err="1">
+                <a:latin typeface="Arial" panose="020B0604020202020204" pitchFamily="34" charset="0"/>
+                <a:cs typeface="Arial" panose="020B0604020202020204" pitchFamily="34" charset="0"/>
+              </a:rPr>
+              <a:t>chạy</a:t>
+            </a:r>
+            <a:r>
+              <a:rPr lang="en-US" dirty="0">
+                <a:latin typeface="Arial" panose="020B0604020202020204" pitchFamily="34" charset="0"/>
+                <a:cs typeface="Arial" panose="020B0604020202020204" pitchFamily="34" charset="0"/>
+              </a:rPr>
+              <a:t> </a:t>
+            </a:r>
+            <a:r>
+              <a:rPr lang="en-US" dirty="0" err="1">
+                <a:latin typeface="Arial" panose="020B0604020202020204" pitchFamily="34" charset="0"/>
+                <a:cs typeface="Arial" panose="020B0604020202020204" pitchFamily="34" charset="0"/>
+              </a:rPr>
+              <a:t>khi</a:t>
+            </a:r>
+            <a:r>
+              <a:rPr lang="en-US" dirty="0">
+                <a:latin typeface="Arial" panose="020B0604020202020204" pitchFamily="34" charset="0"/>
+                <a:cs typeface="Arial" panose="020B0604020202020204" pitchFamily="34" charset="0"/>
+              </a:rPr>
+              <a:t> ng</a:t>
+            </a:r>
+            <a:r>
+              <a:rPr lang="vi-VN" dirty="0">
+                <a:latin typeface="Arial" panose="020B0604020202020204" pitchFamily="34" charset="0"/>
+                <a:cs typeface="Arial" panose="020B0604020202020204" pitchFamily="34" charset="0"/>
+              </a:rPr>
+              <a:t>ư</a:t>
+            </a:r>
+            <a:r>
+              <a:rPr lang="en-US" dirty="0" err="1">
+                <a:latin typeface="Arial" panose="020B0604020202020204" pitchFamily="34" charset="0"/>
+                <a:cs typeface="Arial" panose="020B0604020202020204" pitchFamily="34" charset="0"/>
+              </a:rPr>
+              <a:t>ời</a:t>
+            </a:r>
+            <a:r>
+              <a:rPr lang="en-US" dirty="0">
+                <a:latin typeface="Arial" panose="020B0604020202020204" pitchFamily="34" charset="0"/>
+                <a:cs typeface="Arial" panose="020B0604020202020204" pitchFamily="34" charset="0"/>
+              </a:rPr>
+              <a:t> </a:t>
+            </a:r>
+            <a:r>
+              <a:rPr lang="en-US" dirty="0" err="1">
+                <a:latin typeface="Arial" panose="020B0604020202020204" pitchFamily="34" charset="0"/>
+                <a:cs typeface="Arial" panose="020B0604020202020204" pitchFamily="34" charset="0"/>
+              </a:rPr>
+              <a:t>dùng</a:t>
+            </a:r>
+            <a:r>
+              <a:rPr lang="en-US" dirty="0">
+                <a:latin typeface="Arial" panose="020B0604020202020204" pitchFamily="34" charset="0"/>
+                <a:cs typeface="Arial" panose="020B0604020202020204" pitchFamily="34" charset="0"/>
+              </a:rPr>
+              <a:t> </a:t>
+            </a:r>
+            <a:r>
+              <a:rPr lang="en-US" dirty="0" err="1">
+                <a:latin typeface="Arial" panose="020B0604020202020204" pitchFamily="34" charset="0"/>
+                <a:cs typeface="Arial" panose="020B0604020202020204" pitchFamily="34" charset="0"/>
+              </a:rPr>
+              <a:t>chọn</a:t>
+            </a:r>
+            <a:r>
+              <a:rPr lang="en-US" dirty="0">
+                <a:latin typeface="Arial" panose="020B0604020202020204" pitchFamily="34" charset="0"/>
+                <a:cs typeface="Arial" panose="020B0604020202020204" pitchFamily="34" charset="0"/>
+              </a:rPr>
+              <a:t> </a:t>
+            </a:r>
+            <a:r>
+              <a:rPr lang="en-US" dirty="0" err="1">
+                <a:latin typeface="Arial" panose="020B0604020202020204" pitchFamily="34" charset="0"/>
+                <a:cs typeface="Arial" panose="020B0604020202020204" pitchFamily="34" charset="0"/>
+              </a:rPr>
+              <a:t>chức</a:t>
+            </a:r>
+            <a:r>
+              <a:rPr lang="en-US" dirty="0">
+                <a:latin typeface="Arial" panose="020B0604020202020204" pitchFamily="34" charset="0"/>
+                <a:cs typeface="Arial" panose="020B0604020202020204" pitchFamily="34" charset="0"/>
+              </a:rPr>
+              <a:t> </a:t>
+            </a:r>
+            <a:r>
+              <a:rPr lang="en-US" dirty="0" err="1">
+                <a:latin typeface="Arial" panose="020B0604020202020204" pitchFamily="34" charset="0"/>
+                <a:cs typeface="Arial" panose="020B0604020202020204" pitchFamily="34" charset="0"/>
+              </a:rPr>
+              <a:t>năng</a:t>
+            </a:r>
+            <a:r>
+              <a:rPr lang="en-US" dirty="0">
+                <a:latin typeface="Arial" panose="020B0604020202020204" pitchFamily="34" charset="0"/>
+                <a:cs typeface="Arial" panose="020B0604020202020204" pitchFamily="34" charset="0"/>
+              </a:rPr>
+              <a:t> </a:t>
+            </a:r>
+            <a:r>
+              <a:rPr lang="en-US" dirty="0" err="1">
+                <a:latin typeface="Arial" panose="020B0604020202020204" pitchFamily="34" charset="0"/>
+                <a:cs typeface="Arial" panose="020B0604020202020204" pitchFamily="34" charset="0"/>
+              </a:rPr>
+              <a:t>Thoát</a:t>
+            </a:r>
+            <a:r>
+              <a:rPr lang="en-US" dirty="0">
+                <a:latin typeface="Arial" panose="020B0604020202020204" pitchFamily="34" charset="0"/>
+                <a:cs typeface="Arial" panose="020B0604020202020204" pitchFamily="34" charset="0"/>
+              </a:rPr>
+              <a:t> </a:t>
+            </a:r>
+            <a:r>
+              <a:rPr lang="en-US" dirty="0" err="1">
+                <a:latin typeface="Arial" panose="020B0604020202020204" pitchFamily="34" charset="0"/>
+                <a:cs typeface="Arial" panose="020B0604020202020204" pitchFamily="34" charset="0"/>
+              </a:rPr>
+              <a:t>trong</a:t>
+            </a:r>
+            <a:r>
+              <a:rPr lang="en-US" dirty="0">
+                <a:latin typeface="Arial" panose="020B0604020202020204" pitchFamily="34" charset="0"/>
+                <a:cs typeface="Arial" panose="020B0604020202020204" pitchFamily="34" charset="0"/>
+              </a:rPr>
+              <a:t> </a:t>
+            </a:r>
+            <a:r>
+              <a:rPr lang="en-US" dirty="0" err="1">
+                <a:latin typeface="Arial" panose="020B0604020202020204" pitchFamily="34" charset="0"/>
+                <a:cs typeface="Arial" panose="020B0604020202020204" pitchFamily="34" charset="0"/>
+              </a:rPr>
+              <a:t>ch</a:t>
+            </a:r>
+            <a:r>
+              <a:rPr lang="vi-VN" dirty="0">
+                <a:latin typeface="Arial" panose="020B0604020202020204" pitchFamily="34" charset="0"/>
+                <a:cs typeface="Arial" panose="020B0604020202020204" pitchFamily="34" charset="0"/>
+              </a:rPr>
+              <a:t>ư</a:t>
+            </a:r>
+            <a:r>
+              <a:rPr lang="en-US" dirty="0" err="1">
+                <a:latin typeface="Arial" panose="020B0604020202020204" pitchFamily="34" charset="0"/>
+                <a:cs typeface="Arial" panose="020B0604020202020204" pitchFamily="34" charset="0"/>
+              </a:rPr>
+              <a:t>ơng</a:t>
+            </a:r>
+            <a:r>
+              <a:rPr lang="en-US" dirty="0">
+                <a:latin typeface="Arial" panose="020B0604020202020204" pitchFamily="34" charset="0"/>
+                <a:cs typeface="Arial" panose="020B0604020202020204" pitchFamily="34" charset="0"/>
+              </a:rPr>
+              <a:t> </a:t>
+            </a:r>
+            <a:r>
+              <a:rPr lang="en-US" dirty="0" err="1">
+                <a:latin typeface="Arial" panose="020B0604020202020204" pitchFamily="34" charset="0"/>
+                <a:cs typeface="Arial" panose="020B0604020202020204" pitchFamily="34" charset="0"/>
+              </a:rPr>
+              <a:t>trình</a:t>
+            </a:r>
+            <a:endParaRPr lang="en-US" dirty="0">
+              <a:latin typeface="Arial" panose="020B0604020202020204" pitchFamily="34" charset="0"/>
+              <a:cs typeface="Arial" panose="020B0604020202020204" pitchFamily="34" charset="0"/>
+            </a:endParaRPr>
+          </a:p>
+        </p:txBody>
+      </p:sp>
+      <p:sp>
+        <p:nvSpPr>
+          <p:cNvPr id="6" name="Title 1">
+            <a:extLst>
+              <a:ext uri="{FF2B5EF4-FFF2-40B4-BE49-F238E27FC236}">
+                <a16:creationId xmlns:a16="http://schemas.microsoft.com/office/drawing/2014/main" id="{D9B6F13C-3383-4C9B-8749-DD02324D30F3}"/>
+              </a:ext>
+            </a:extLst>
+          </p:cNvPr>
+          <p:cNvSpPr txBox="1">
+            <a:spLocks/>
+          </p:cNvSpPr>
+          <p:nvPr/>
+        </p:nvSpPr>
+        <p:spPr>
+          <a:xfrm>
+            <a:off x="2025744" y="-190685"/>
+            <a:ext cx="8543925" cy="1325563"/>
+          </a:xfrm>
+          <a:prstGeom prst="rect">
+            <a:avLst/>
+          </a:prstGeom>
+        </p:spPr>
+        <p:txBody>
+          <a:bodyPr vert="horz" lIns="91440" tIns="45720" rIns="91440" bIns="45720" rtlCol="0" anchor="ctr">
+            <a:normAutofit/>
+          </a:bodyPr>
+          <a:lstStyle>
+            <a:lvl1pPr algn="l" defTabSz="914400" rtl="0" eaLnBrk="1" latinLnBrk="0" hangingPunct="1">
+              <a:lnSpc>
+                <a:spcPct val="90000"/>
+              </a:lnSpc>
+              <a:spcBef>
+                <a:spcPct val="0"/>
+              </a:spcBef>
+              <a:buNone/>
+              <a:defRPr sz="4400" kern="1200">
+                <a:solidFill>
+                  <a:schemeClr val="tx1"/>
+                </a:solidFill>
+                <a:latin typeface="+mj-lt"/>
+                <a:ea typeface="+mj-ea"/>
+                <a:cs typeface="+mj-cs"/>
+              </a:defRPr>
+            </a:lvl1pPr>
+          </a:lstStyle>
+          <a:p>
+            <a:r>
+              <a:rPr lang="vi-VN" sz="2400" b="1" dirty="0">
+                <a:solidFill>
+                  <a:schemeClr val="bg1"/>
+                </a:solidFill>
+              </a:rPr>
+              <a:t>QUẢN LÝ SÁCH THƯ VIỆN BẰNG PHẦN MỀM C++</a:t>
+            </a:r>
+          </a:p>
+        </p:txBody>
+      </p:sp>
+      <p:sp>
+        <p:nvSpPr>
+          <p:cNvPr id="5" name="Picture Placeholder 4">
+            <a:extLst>
+              <a:ext uri="{FF2B5EF4-FFF2-40B4-BE49-F238E27FC236}">
+                <a16:creationId xmlns:a16="http://schemas.microsoft.com/office/drawing/2014/main" id="{4B91B0CA-CBCF-4CE6-90BB-3D76293E5671}"/>
+              </a:ext>
+            </a:extLst>
+          </p:cNvPr>
+          <p:cNvSpPr>
+            <a:spLocks noGrp="1"/>
+          </p:cNvSpPr>
+          <p:nvPr>
+            <p:ph type="pic" idx="1"/>
+          </p:nvPr>
+        </p:nvSpPr>
+        <p:spPr/>
+      </p:sp>
+      <p:pic>
+        <p:nvPicPr>
+          <p:cNvPr id="11" name="Picture 10">
+            <a:extLst>
+              <a:ext uri="{FF2B5EF4-FFF2-40B4-BE49-F238E27FC236}">
+                <a16:creationId xmlns:a16="http://schemas.microsoft.com/office/drawing/2014/main" id="{F588568A-2856-4870-9DE1-0D5D108D3413}"/>
+              </a:ext>
+            </a:extLst>
+          </p:cNvPr>
+          <p:cNvPicPr/>
+          <p:nvPr/>
+        </p:nvPicPr>
+        <p:blipFill rotWithShape="1">
+          <a:blip r:embed="rId2"/>
+          <a:srcRect l="6354"/>
+          <a:stretch/>
+        </p:blipFill>
+        <p:spPr>
+          <a:xfrm>
+            <a:off x="4094204" y="1085086"/>
+            <a:ext cx="5129467" cy="1781175"/>
+          </a:xfrm>
+          <a:prstGeom prst="rect">
+            <a:avLst/>
+          </a:prstGeom>
+        </p:spPr>
+      </p:pic>
+      <p:pic>
+        <p:nvPicPr>
+          <p:cNvPr id="12" name="Picture 11">
+            <a:extLst>
+              <a:ext uri="{FF2B5EF4-FFF2-40B4-BE49-F238E27FC236}">
+                <a16:creationId xmlns:a16="http://schemas.microsoft.com/office/drawing/2014/main" id="{C155B720-8FFE-44E3-B7BE-D967A0FEAB6E}"/>
+              </a:ext>
+            </a:extLst>
+          </p:cNvPr>
+          <p:cNvPicPr/>
+          <p:nvPr/>
+        </p:nvPicPr>
+        <p:blipFill rotWithShape="1">
+          <a:blip r:embed="rId3"/>
+          <a:srcRect l="6354"/>
+          <a:stretch/>
+        </p:blipFill>
+        <p:spPr>
+          <a:xfrm>
+            <a:off x="4094204" y="2866261"/>
+            <a:ext cx="5129468" cy="3028315"/>
+          </a:xfrm>
+          <a:prstGeom prst="rect">
+            <a:avLst/>
+          </a:prstGeom>
+        </p:spPr>
+      </p:pic>
+    </p:spTree>
+    <p:extLst>
+      <p:ext uri="{BB962C8B-B14F-4D97-AF65-F5344CB8AC3E}">
+        <p14:creationId xmlns:p14="http://schemas.microsoft.com/office/powerpoint/2010/main" val="105213764"/>
+      </p:ext>
+    </p:extLst>
+  </p:cSld>
+  <p:clrMapOvr>
+    <a:masterClrMapping/>
+  </p:clrMapOvr>
+</p:sld>
+</file>
+
+<file path=ppt/slides/slide2.xml><?xml version="1.0" encoding="utf-8"?>
+<p:sld xmlns:a="http://schemas.openxmlformats.org/drawingml/2006/main" xmlns:r="http://schemas.openxmlformats.org/officeDocument/2006/relationships" xmlns:p="http://schemas.openxmlformats.org/presentationml/2006/main">
+  <p:cSld>
+    <p:spTree>
+      <p:nvGrpSpPr>
+        <p:cNvPr id="1" name=""/>
+        <p:cNvGrpSpPr/>
+        <p:nvPr/>
+      </p:nvGrpSpPr>
+      <p:grpSpPr>
+        <a:xfrm>
+          <a:off x="0" y="0"/>
+          <a:ext cx="0" cy="0"/>
+          <a:chOff x="0" y="0"/>
+          <a:chExt cx="0" cy="0"/>
+        </a:xfrm>
+      </p:grpSpPr>
+      <p:sp>
+        <p:nvSpPr>
+          <p:cNvPr id="3" name="Content Placeholder 2">
+            <a:extLst>
+              <a:ext uri="{FF2B5EF4-FFF2-40B4-BE49-F238E27FC236}">
+                <a16:creationId xmlns:a16="http://schemas.microsoft.com/office/drawing/2014/main" id="{69057997-9FEA-48F4-AE35-DB14BDE9170E}"/>
+              </a:ext>
+            </a:extLst>
+          </p:cNvPr>
+          <p:cNvSpPr>
+            <a:spLocks noGrp="1"/>
+          </p:cNvSpPr>
+          <p:nvPr>
+            <p:ph idx="1"/>
+          </p:nvPr>
+        </p:nvSpPr>
+        <p:spPr>
+          <a:xfrm>
+            <a:off x="681038" y="1134878"/>
+            <a:ext cx="8543925" cy="5042085"/>
+          </a:xfrm>
+        </p:spPr>
+        <p:txBody>
+          <a:bodyPr>
+            <a:normAutofit/>
+          </a:bodyPr>
+          <a:lstStyle/>
+          <a:p>
+            <a:pPr marL="571500" indent="-571500">
+              <a:buAutoNum type="romanUcPeriod"/>
+            </a:pPr>
+            <a:r>
+              <a:rPr lang="vi-VN" dirty="0" err="1">
+                <a:latin typeface="+mj-lt"/>
+              </a:rPr>
+              <a:t>Giới</a:t>
+            </a:r>
+            <a:r>
+              <a:rPr lang="vi-VN" dirty="0">
+                <a:latin typeface="+mj-lt"/>
+              </a:rPr>
+              <a:t> </a:t>
+            </a:r>
+            <a:r>
+              <a:rPr lang="vi-VN" dirty="0" err="1">
+                <a:latin typeface="+mj-lt"/>
+              </a:rPr>
+              <a:t>thiệu</a:t>
+            </a:r>
+            <a:r>
+              <a:rPr lang="vi-VN" dirty="0">
+                <a:latin typeface="+mj-lt"/>
+              </a:rPr>
+              <a:t> </a:t>
+            </a:r>
+            <a:r>
+              <a:rPr lang="vi-VN" dirty="0" err="1">
+                <a:latin typeface="+mj-lt"/>
+              </a:rPr>
+              <a:t>về</a:t>
+            </a:r>
+            <a:r>
+              <a:rPr lang="vi-VN" dirty="0">
+                <a:latin typeface="+mj-lt"/>
+              </a:rPr>
+              <a:t> ngôn </a:t>
+            </a:r>
+            <a:r>
+              <a:rPr lang="vi-VN" dirty="0" err="1">
+                <a:latin typeface="+mj-lt"/>
+              </a:rPr>
+              <a:t>ngữ</a:t>
+            </a:r>
+            <a:r>
+              <a:rPr lang="vi-VN" dirty="0">
+                <a:latin typeface="+mj-lt"/>
+              </a:rPr>
+              <a:t> C++</a:t>
+            </a:r>
+            <a:br>
+              <a:rPr lang="vi-VN" dirty="0">
+                <a:latin typeface="+mj-lt"/>
+              </a:rPr>
+            </a:br>
+            <a:r>
+              <a:rPr lang="vi-VN" dirty="0">
+                <a:latin typeface="+mj-lt"/>
+              </a:rPr>
+              <a:t>1. Sơ </a:t>
+            </a:r>
+            <a:r>
+              <a:rPr lang="vi-VN" dirty="0" err="1">
+                <a:latin typeface="+mj-lt"/>
+              </a:rPr>
+              <a:t>lược</a:t>
+            </a:r>
+            <a:r>
+              <a:rPr lang="vi-VN" dirty="0">
+                <a:latin typeface="+mj-lt"/>
+              </a:rPr>
+              <a:t> ngôn </a:t>
+            </a:r>
+            <a:r>
+              <a:rPr lang="vi-VN" dirty="0" err="1">
+                <a:latin typeface="+mj-lt"/>
+              </a:rPr>
+              <a:t>ngữ</a:t>
+            </a:r>
+            <a:r>
+              <a:rPr lang="vi-VN" dirty="0">
+                <a:latin typeface="+mj-lt"/>
+              </a:rPr>
+              <a:t> C++</a:t>
+            </a:r>
+            <a:br>
+              <a:rPr lang="vi-VN" dirty="0">
+                <a:latin typeface="+mj-lt"/>
+              </a:rPr>
+            </a:br>
+            <a:r>
+              <a:rPr lang="vi-VN" dirty="0">
+                <a:latin typeface="+mj-lt"/>
+              </a:rPr>
+              <a:t>2. </a:t>
+            </a:r>
+            <a:r>
+              <a:rPr lang="vi-VN" dirty="0" err="1">
+                <a:latin typeface="+mj-lt"/>
+              </a:rPr>
+              <a:t>Đặc</a:t>
+            </a:r>
+            <a:r>
+              <a:rPr lang="vi-VN" dirty="0">
+                <a:latin typeface="+mj-lt"/>
+              </a:rPr>
+              <a:t> trưng ngôn </a:t>
+            </a:r>
+            <a:r>
+              <a:rPr lang="vi-VN" dirty="0" err="1">
+                <a:latin typeface="+mj-lt"/>
+              </a:rPr>
+              <a:t>ngữ</a:t>
+            </a:r>
+            <a:r>
+              <a:rPr lang="vi-VN" dirty="0">
+                <a:latin typeface="+mj-lt"/>
+              </a:rPr>
+              <a:t> C++</a:t>
+            </a:r>
+          </a:p>
+          <a:p>
+            <a:pPr marL="571500" indent="-571500">
+              <a:buAutoNum type="romanUcPeriod"/>
+            </a:pPr>
+            <a:r>
+              <a:rPr lang="vi-VN" dirty="0">
+                <a:latin typeface="+mj-lt"/>
+              </a:rPr>
+              <a:t>Chương </a:t>
+            </a:r>
+            <a:r>
+              <a:rPr lang="vi-VN" dirty="0" err="1">
+                <a:latin typeface="+mj-lt"/>
+              </a:rPr>
+              <a:t>trình</a:t>
+            </a:r>
+            <a:r>
+              <a:rPr lang="vi-VN" dirty="0">
+                <a:latin typeface="+mj-lt"/>
+              </a:rPr>
+              <a:t> </a:t>
+            </a:r>
+            <a:r>
+              <a:rPr lang="vi-VN" dirty="0" err="1">
+                <a:latin typeface="+mj-lt"/>
+              </a:rPr>
+              <a:t>quản</a:t>
+            </a:r>
+            <a:r>
+              <a:rPr lang="vi-VN" dirty="0">
+                <a:latin typeface="+mj-lt"/>
+              </a:rPr>
+              <a:t> </a:t>
+            </a:r>
+            <a:r>
+              <a:rPr lang="vi-VN" dirty="0" err="1">
+                <a:latin typeface="+mj-lt"/>
+              </a:rPr>
+              <a:t>lý</a:t>
+            </a:r>
+            <a:r>
+              <a:rPr lang="vi-VN" dirty="0">
+                <a:latin typeface="+mj-lt"/>
+              </a:rPr>
+              <a:t> </a:t>
+            </a:r>
+            <a:r>
+              <a:rPr lang="vi-VN" dirty="0" err="1">
+                <a:latin typeface="+mj-lt"/>
+              </a:rPr>
+              <a:t>dữ</a:t>
+            </a:r>
+            <a:r>
+              <a:rPr lang="vi-VN" dirty="0">
+                <a:latin typeface="+mj-lt"/>
+              </a:rPr>
+              <a:t> </a:t>
+            </a:r>
+            <a:r>
+              <a:rPr lang="vi-VN" dirty="0" err="1">
+                <a:latin typeface="+mj-lt"/>
+              </a:rPr>
+              <a:t>liệu</a:t>
+            </a:r>
+            <a:r>
+              <a:rPr lang="vi-VN" dirty="0">
+                <a:latin typeface="+mj-lt"/>
+              </a:rPr>
+              <a:t> </a:t>
+            </a:r>
+            <a:r>
+              <a:rPr lang="vi-VN" dirty="0" err="1">
+                <a:latin typeface="+mj-lt"/>
+              </a:rPr>
+              <a:t>sách</a:t>
+            </a:r>
+            <a:r>
+              <a:rPr lang="vi-VN" dirty="0">
+                <a:latin typeface="+mj-lt"/>
+              </a:rPr>
+              <a:t> thư </a:t>
+            </a:r>
+            <a:r>
+              <a:rPr lang="vi-VN" dirty="0" err="1">
+                <a:latin typeface="+mj-lt"/>
+              </a:rPr>
+              <a:t>viện</a:t>
+            </a:r>
+            <a:br>
+              <a:rPr lang="vi-VN" dirty="0">
+                <a:latin typeface="+mj-lt"/>
+              </a:rPr>
+            </a:br>
+            <a:r>
+              <a:rPr lang="vi-VN" dirty="0">
+                <a:latin typeface="+mj-lt"/>
+              </a:rPr>
+              <a:t>1. </a:t>
+            </a:r>
+            <a:r>
+              <a:rPr lang="vi-VN" dirty="0" err="1">
+                <a:latin typeface="+mj-lt"/>
+              </a:rPr>
+              <a:t>Giới</a:t>
+            </a:r>
+            <a:r>
+              <a:rPr lang="vi-VN" dirty="0">
+                <a:latin typeface="+mj-lt"/>
+              </a:rPr>
+              <a:t> </a:t>
+            </a:r>
+            <a:r>
+              <a:rPr lang="vi-VN" dirty="0" err="1">
+                <a:latin typeface="+mj-lt"/>
+              </a:rPr>
+              <a:t>thiệu</a:t>
+            </a:r>
+            <a:r>
+              <a:rPr lang="vi-VN" dirty="0">
+                <a:latin typeface="+mj-lt"/>
+              </a:rPr>
+              <a:t> </a:t>
+            </a:r>
+            <a:r>
+              <a:rPr lang="vi-VN" dirty="0" err="1">
+                <a:latin typeface="+mj-lt"/>
+              </a:rPr>
+              <a:t>về</a:t>
+            </a:r>
+            <a:r>
+              <a:rPr lang="vi-VN" dirty="0">
+                <a:latin typeface="+mj-lt"/>
+              </a:rPr>
+              <a:t> </a:t>
+            </a:r>
+            <a:r>
+              <a:rPr lang="vi-VN" dirty="0" err="1">
+                <a:latin typeface="+mj-lt"/>
+              </a:rPr>
+              <a:t>quản</a:t>
+            </a:r>
+            <a:r>
+              <a:rPr lang="vi-VN" dirty="0">
+                <a:latin typeface="+mj-lt"/>
+              </a:rPr>
+              <a:t> </a:t>
+            </a:r>
+            <a:r>
+              <a:rPr lang="vi-VN" dirty="0" err="1">
+                <a:latin typeface="+mj-lt"/>
+              </a:rPr>
+              <a:t>lý</a:t>
+            </a:r>
+            <a:r>
+              <a:rPr lang="vi-VN" dirty="0">
+                <a:latin typeface="+mj-lt"/>
+              </a:rPr>
+              <a:t> </a:t>
+            </a:r>
+            <a:r>
+              <a:rPr lang="vi-VN" dirty="0" err="1">
+                <a:latin typeface="+mj-lt"/>
+              </a:rPr>
+              <a:t>sách</a:t>
+            </a:r>
+            <a:r>
+              <a:rPr lang="vi-VN" dirty="0">
+                <a:latin typeface="+mj-lt"/>
+              </a:rPr>
+              <a:t> thư </a:t>
+            </a:r>
+            <a:r>
+              <a:rPr lang="vi-VN" dirty="0" err="1">
+                <a:latin typeface="+mj-lt"/>
+              </a:rPr>
+              <a:t>viện</a:t>
+            </a:r>
+            <a:br>
+              <a:rPr lang="vi-VN" dirty="0">
+                <a:latin typeface="+mj-lt"/>
+              </a:rPr>
+            </a:br>
+            <a:r>
+              <a:rPr lang="vi-VN" dirty="0">
+                <a:latin typeface="+mj-lt"/>
+              </a:rPr>
+              <a:t>	a. </a:t>
+            </a:r>
+            <a:r>
+              <a:rPr lang="vi-VN" dirty="0" err="1">
+                <a:latin typeface="+mj-lt"/>
+              </a:rPr>
+              <a:t>Giới</a:t>
+            </a:r>
+            <a:r>
+              <a:rPr lang="vi-VN" dirty="0">
+                <a:latin typeface="+mj-lt"/>
+              </a:rPr>
+              <a:t> </a:t>
+            </a:r>
+            <a:r>
+              <a:rPr lang="vi-VN" dirty="0" err="1">
+                <a:latin typeface="+mj-lt"/>
+              </a:rPr>
+              <a:t>thiệu</a:t>
+            </a:r>
+            <a:br>
+              <a:rPr lang="vi-VN" dirty="0">
+                <a:latin typeface="+mj-lt"/>
+              </a:rPr>
+            </a:br>
+            <a:r>
+              <a:rPr lang="vi-VN" dirty="0">
+                <a:latin typeface="+mj-lt"/>
+              </a:rPr>
+              <a:t>	b. </a:t>
+            </a:r>
+            <a:r>
+              <a:rPr lang="vi-VN" dirty="0" err="1">
+                <a:latin typeface="+mj-lt"/>
+              </a:rPr>
+              <a:t>Chức</a:t>
+            </a:r>
+            <a:r>
+              <a:rPr lang="vi-VN" dirty="0">
+                <a:latin typeface="+mj-lt"/>
+              </a:rPr>
+              <a:t> năng</a:t>
+            </a:r>
+            <a:br>
+              <a:rPr lang="vi-VN" dirty="0">
+                <a:latin typeface="+mj-lt"/>
+              </a:rPr>
+            </a:br>
+            <a:r>
+              <a:rPr lang="vi-VN" dirty="0">
+                <a:latin typeface="+mj-lt"/>
+              </a:rPr>
+              <a:t>3. </a:t>
+            </a:r>
+            <a:r>
+              <a:rPr lang="en-US" dirty="0" err="1">
+                <a:latin typeface="Times New Roman" panose="02020603050405020304" pitchFamily="18" charset="0"/>
+                <a:cs typeface="Times New Roman" panose="02020603050405020304" pitchFamily="18" charset="0"/>
+              </a:rPr>
+              <a:t>Cấu</a:t>
+            </a:r>
+            <a:r>
+              <a:rPr lang="en-US" dirty="0">
+                <a:latin typeface="Times New Roman" panose="02020603050405020304" pitchFamily="18" charset="0"/>
+                <a:cs typeface="Times New Roman" panose="02020603050405020304" pitchFamily="18" charset="0"/>
+              </a:rPr>
+              <a:t> </a:t>
+            </a:r>
+            <a:r>
+              <a:rPr lang="en-US" dirty="0" err="1">
+                <a:latin typeface="Times New Roman" panose="02020603050405020304" pitchFamily="18" charset="0"/>
+                <a:cs typeface="Times New Roman" panose="02020603050405020304" pitchFamily="18" charset="0"/>
+              </a:rPr>
+              <a:t>trúc</a:t>
+            </a:r>
+            <a:r>
+              <a:rPr lang="vi-VN" dirty="0">
+                <a:latin typeface="Times New Roman" panose="02020603050405020304" pitchFamily="18" charset="0"/>
+                <a:cs typeface="Times New Roman" panose="02020603050405020304" pitchFamily="18" charset="0"/>
+              </a:rPr>
+              <a:t> </a:t>
+            </a:r>
+            <a:r>
+              <a:rPr lang="vi-VN" dirty="0" err="1">
+                <a:latin typeface="+mj-lt"/>
+              </a:rPr>
+              <a:t>dữ</a:t>
+            </a:r>
+            <a:r>
+              <a:rPr lang="vi-VN" dirty="0">
+                <a:latin typeface="+mj-lt"/>
+              </a:rPr>
+              <a:t> </a:t>
+            </a:r>
+            <a:r>
+              <a:rPr lang="vi-VN" dirty="0" err="1">
+                <a:latin typeface="+mj-lt"/>
+              </a:rPr>
+              <a:t>liệu</a:t>
+            </a:r>
+            <a:r>
+              <a:rPr lang="vi-VN" dirty="0">
+                <a:latin typeface="+mj-lt"/>
+              </a:rPr>
+              <a:t> </a:t>
+            </a:r>
+            <a:r>
+              <a:rPr lang="vi-VN" dirty="0" err="1">
+                <a:latin typeface="+mj-lt"/>
+              </a:rPr>
+              <a:t>được</a:t>
+            </a:r>
+            <a:r>
+              <a:rPr lang="vi-VN" dirty="0">
+                <a:latin typeface="+mj-lt"/>
+              </a:rPr>
+              <a:t> </a:t>
+            </a:r>
+            <a:r>
+              <a:rPr lang="vi-VN" dirty="0" err="1">
+                <a:latin typeface="+mj-lt"/>
+              </a:rPr>
+              <a:t>sử</a:t>
+            </a:r>
+            <a:r>
+              <a:rPr lang="vi-VN" dirty="0">
+                <a:latin typeface="+mj-lt"/>
+              </a:rPr>
+              <a:t> </a:t>
+            </a:r>
+            <a:r>
+              <a:rPr lang="vi-VN" dirty="0" err="1">
+                <a:latin typeface="+mj-lt"/>
+              </a:rPr>
+              <a:t>dụng</a:t>
+            </a:r>
+            <a:br>
+              <a:rPr lang="vi-VN" dirty="0">
+                <a:latin typeface="+mj-lt"/>
+              </a:rPr>
+            </a:br>
+            <a:r>
+              <a:rPr lang="vi-VN" dirty="0">
+                <a:latin typeface="+mj-lt"/>
+              </a:rPr>
+              <a:t>4. </a:t>
+            </a:r>
+            <a:r>
+              <a:rPr lang="en-US" dirty="0" err="1">
+                <a:latin typeface="Times New Roman" panose="02020603050405020304" pitchFamily="18" charset="0"/>
+                <a:cs typeface="Times New Roman" panose="02020603050405020304" pitchFamily="18" charset="0"/>
+              </a:rPr>
+              <a:t>Một</a:t>
+            </a:r>
+            <a:r>
+              <a:rPr lang="en-US" dirty="0">
+                <a:latin typeface="Times New Roman" panose="02020603050405020304" pitchFamily="18" charset="0"/>
+                <a:cs typeface="Times New Roman" panose="02020603050405020304" pitchFamily="18" charset="0"/>
+              </a:rPr>
+              <a:t> </a:t>
+            </a:r>
+            <a:r>
+              <a:rPr lang="en-US" dirty="0" err="1">
+                <a:latin typeface="Times New Roman" panose="02020603050405020304" pitchFamily="18" charset="0"/>
+                <a:cs typeface="Times New Roman" panose="02020603050405020304" pitchFamily="18" charset="0"/>
+              </a:rPr>
+              <a:t>số</a:t>
+            </a:r>
+            <a:r>
+              <a:rPr lang="en-US" dirty="0">
+                <a:latin typeface="Times New Roman" panose="02020603050405020304" pitchFamily="18" charset="0"/>
+                <a:cs typeface="Times New Roman" panose="02020603050405020304" pitchFamily="18" charset="0"/>
+              </a:rPr>
+              <a:t> h</a:t>
+            </a:r>
+            <a:r>
+              <a:rPr lang="vi-VN" dirty="0" err="1">
+                <a:latin typeface="+mj-lt"/>
+              </a:rPr>
+              <a:t>àm</a:t>
+            </a:r>
+            <a:r>
+              <a:rPr lang="vi-VN" dirty="0">
+                <a:latin typeface="+mj-lt"/>
+              </a:rPr>
+              <a:t> </a:t>
+            </a:r>
+            <a:r>
+              <a:rPr lang="vi-VN" dirty="0" err="1">
+                <a:latin typeface="+mj-lt"/>
+              </a:rPr>
+              <a:t>được</a:t>
+            </a:r>
+            <a:r>
+              <a:rPr lang="vi-VN" dirty="0">
+                <a:latin typeface="+mj-lt"/>
+              </a:rPr>
+              <a:t> </a:t>
+            </a:r>
+            <a:r>
+              <a:rPr lang="vi-VN" dirty="0" err="1">
+                <a:latin typeface="+mj-lt"/>
+              </a:rPr>
+              <a:t>sử</a:t>
+            </a:r>
+            <a:r>
+              <a:rPr lang="vi-VN" dirty="0">
+                <a:latin typeface="+mj-lt"/>
+              </a:rPr>
+              <a:t> </a:t>
+            </a:r>
+            <a:r>
+              <a:rPr lang="vi-VN" dirty="0" err="1">
+                <a:latin typeface="+mj-lt"/>
+              </a:rPr>
+              <a:t>dụng</a:t>
+            </a:r>
+            <a:br>
+              <a:rPr lang="vi-VN" dirty="0">
+                <a:solidFill>
+                  <a:srgbClr val="FF0000"/>
+                </a:solidFill>
+                <a:latin typeface="+mj-lt"/>
+              </a:rPr>
+            </a:br>
+            <a:r>
+              <a:rPr lang="vi-VN" dirty="0">
+                <a:latin typeface="+mj-lt"/>
+              </a:rPr>
+              <a:t>5. Giao </a:t>
+            </a:r>
+            <a:r>
+              <a:rPr lang="vi-VN" dirty="0" err="1">
+                <a:latin typeface="+mj-lt"/>
+              </a:rPr>
+              <a:t>diện</a:t>
+            </a:r>
+            <a:r>
+              <a:rPr lang="vi-VN" dirty="0">
+                <a:latin typeface="+mj-lt"/>
+              </a:rPr>
+              <a:t> chương </a:t>
+            </a:r>
+            <a:r>
+              <a:rPr lang="vi-VN" dirty="0" err="1">
+                <a:latin typeface="+mj-lt"/>
+              </a:rPr>
+              <a:t>trình</a:t>
+            </a:r>
+            <a:br>
+              <a:rPr lang="vi-VN" dirty="0">
+                <a:latin typeface="+mj-lt"/>
+              </a:rPr>
+            </a:br>
+            <a:endParaRPr lang="vi-VN" dirty="0"/>
+          </a:p>
+        </p:txBody>
+      </p:sp>
+      <p:sp>
+        <p:nvSpPr>
+          <p:cNvPr id="4" name="Title 1">
+            <a:extLst>
+              <a:ext uri="{FF2B5EF4-FFF2-40B4-BE49-F238E27FC236}">
+                <a16:creationId xmlns:a16="http://schemas.microsoft.com/office/drawing/2014/main" id="{4CE18B7D-B9D2-48DB-8B2F-BF086C0CE558}"/>
+              </a:ext>
+            </a:extLst>
+          </p:cNvPr>
+          <p:cNvSpPr txBox="1">
+            <a:spLocks/>
+          </p:cNvSpPr>
+          <p:nvPr/>
+        </p:nvSpPr>
+        <p:spPr>
+          <a:xfrm>
+            <a:off x="2025744" y="-190685"/>
+            <a:ext cx="8543925" cy="1325563"/>
+          </a:xfrm>
+          <a:prstGeom prst="rect">
+            <a:avLst/>
+          </a:prstGeom>
+        </p:spPr>
+        <p:txBody>
+          <a:bodyPr vert="horz" lIns="91440" tIns="45720" rIns="91440" bIns="45720" rtlCol="0" anchor="ctr">
+            <a:normAutofit/>
+          </a:bodyPr>
+          <a:lstStyle>
+            <a:lvl1pPr algn="l" defTabSz="914400" rtl="0" eaLnBrk="1" latinLnBrk="0" hangingPunct="1">
+              <a:lnSpc>
+                <a:spcPct val="90000"/>
+              </a:lnSpc>
+              <a:spcBef>
+                <a:spcPct val="0"/>
+              </a:spcBef>
+              <a:buNone/>
+              <a:defRPr sz="4400" kern="1200">
+                <a:solidFill>
+                  <a:schemeClr val="tx1"/>
+                </a:solidFill>
+                <a:latin typeface="+mj-lt"/>
+                <a:ea typeface="+mj-ea"/>
+                <a:cs typeface="+mj-cs"/>
+              </a:defRPr>
+            </a:lvl1pPr>
+          </a:lstStyle>
+          <a:p>
+            <a:r>
+              <a:rPr lang="vi-VN" sz="3200" b="1">
+                <a:solidFill>
+                  <a:schemeClr val="bg1"/>
+                </a:solidFill>
+              </a:rPr>
+              <a:t>Nội dung</a:t>
+            </a:r>
+            <a:endParaRPr lang="vi-VN" sz="3200" b="1" dirty="0">
+              <a:solidFill>
+                <a:schemeClr val="bg1"/>
+              </a:solidFill>
+              <a:latin typeface="+mn-lt"/>
+            </a:endParaRPr>
+          </a:p>
+        </p:txBody>
+      </p:sp>
+      <p:pic>
+        <p:nvPicPr>
+          <p:cNvPr id="5" name="Content Placeholder 5">
+            <a:extLst>
+              <a:ext uri="{FF2B5EF4-FFF2-40B4-BE49-F238E27FC236}">
+                <a16:creationId xmlns:a16="http://schemas.microsoft.com/office/drawing/2014/main" id="{4E23B51E-4ED3-4EAA-8F3E-22216E1D0490}"/>
+              </a:ext>
+            </a:extLst>
+          </p:cNvPr>
+          <p:cNvPicPr>
+            <a:picLocks noChangeAspect="1"/>
+          </p:cNvPicPr>
+          <p:nvPr/>
+        </p:nvPicPr>
+        <p:blipFill>
+          <a:blip r:embed="rId2" cstate="print">
+            <a:extLst>
+              <a:ext uri="{28A0092B-C50C-407E-A947-70E740481C1C}">
+                <a14:useLocalDpi xmlns:a14="http://schemas.microsoft.com/office/drawing/2010/main" val="0"/>
+              </a:ext>
+            </a:extLst>
+          </a:blip>
+          <a:stretch>
+            <a:fillRect/>
+          </a:stretch>
+        </p:blipFill>
+        <p:spPr>
+          <a:xfrm>
+            <a:off x="437319" y="93332"/>
+            <a:ext cx="548999" cy="720045"/>
+          </a:xfrm>
+          <a:prstGeom prst="rect">
+            <a:avLst/>
+          </a:prstGeom>
+        </p:spPr>
+      </p:pic>
+    </p:spTree>
+    <p:extLst>
+      <p:ext uri="{BB962C8B-B14F-4D97-AF65-F5344CB8AC3E}">
+        <p14:creationId xmlns:p14="http://schemas.microsoft.com/office/powerpoint/2010/main" val="1693524128"/>
+      </p:ext>
+    </p:extLst>
+  </p:cSld>
+  <p:clrMapOvr>
+    <a:masterClrMapping/>
+  </p:clrMapOvr>
+</p:sld>
+</file>
+
+<file path=ppt/slides/slide20.xml><?xml version="1.0" encoding="utf-8"?>
+<p:sld xmlns:a="http://schemas.openxmlformats.org/drawingml/2006/main" xmlns:r="http://schemas.openxmlformats.org/officeDocument/2006/relationships" xmlns:p="http://schemas.openxmlformats.org/presentationml/2006/main">
+  <p:cSld>
+    <p:spTree>
+      <p:nvGrpSpPr>
+        <p:cNvPr id="1" name=""/>
+        <p:cNvGrpSpPr/>
+        <p:nvPr/>
+      </p:nvGrpSpPr>
+      <p:grpSpPr>
+        <a:xfrm>
+          <a:off x="0" y="0"/>
+          <a:ext cx="0" cy="0"/>
+          <a:chOff x="0" y="0"/>
+          <a:chExt cx="0" cy="0"/>
+        </a:xfrm>
+      </p:grpSpPr>
+      <p:sp>
+        <p:nvSpPr>
+          <p:cNvPr id="3" name="Content Placeholder 2">
+            <a:extLst>
+              <a:ext uri="{FF2B5EF4-FFF2-40B4-BE49-F238E27FC236}">
+                <a16:creationId xmlns:a16="http://schemas.microsoft.com/office/drawing/2014/main" id="{FA79B129-F2CF-4EB6-919A-9D753D86F81C}"/>
+              </a:ext>
+            </a:extLst>
+          </p:cNvPr>
+          <p:cNvSpPr>
+            <a:spLocks noGrp="1"/>
+          </p:cNvSpPr>
+          <p:nvPr>
+            <p:ph idx="1"/>
+          </p:nvPr>
+        </p:nvSpPr>
+        <p:spPr>
+          <a:xfrm>
+            <a:off x="681038" y="1134878"/>
+            <a:ext cx="8543925" cy="5042085"/>
+          </a:xfrm>
+        </p:spPr>
+        <p:txBody>
+          <a:bodyPr>
+            <a:normAutofit/>
+          </a:bodyPr>
+          <a:lstStyle/>
+          <a:p>
+            <a:pPr marL="0" indent="0">
+              <a:buNone/>
+            </a:pPr>
+            <a:r>
+              <a:rPr lang="vi-VN" sz="4000">
+                <a:latin typeface="+mj-lt"/>
+              </a:rPr>
+              <a:t>Giao diện chương trình:</a:t>
+            </a:r>
+          </a:p>
+        </p:txBody>
+      </p:sp>
+      <p:sp>
+        <p:nvSpPr>
+          <p:cNvPr id="4" name="Title 1">
+            <a:extLst>
+              <a:ext uri="{FF2B5EF4-FFF2-40B4-BE49-F238E27FC236}">
+                <a16:creationId xmlns:a16="http://schemas.microsoft.com/office/drawing/2014/main" id="{1ED985E9-9930-4444-BABA-236CF2490EEF}"/>
+              </a:ext>
+            </a:extLst>
+          </p:cNvPr>
+          <p:cNvSpPr txBox="1">
+            <a:spLocks/>
+          </p:cNvSpPr>
+          <p:nvPr/>
+        </p:nvSpPr>
+        <p:spPr>
+          <a:xfrm>
+            <a:off x="2025744" y="-190685"/>
+            <a:ext cx="8543925" cy="1325563"/>
+          </a:xfrm>
+          <a:prstGeom prst="rect">
+            <a:avLst/>
+          </a:prstGeom>
+        </p:spPr>
+        <p:txBody>
+          <a:bodyPr vert="horz" lIns="91440" tIns="45720" rIns="91440" bIns="45720" rtlCol="0" anchor="ctr">
+            <a:normAutofit/>
+          </a:bodyPr>
+          <a:lstStyle>
+            <a:lvl1pPr algn="l" defTabSz="914400" rtl="0" eaLnBrk="1" latinLnBrk="0" hangingPunct="1">
+              <a:lnSpc>
+                <a:spcPct val="90000"/>
+              </a:lnSpc>
+              <a:spcBef>
+                <a:spcPct val="0"/>
+              </a:spcBef>
+              <a:buNone/>
+              <a:defRPr sz="4400" kern="1200">
+                <a:solidFill>
+                  <a:schemeClr val="tx1"/>
+                </a:solidFill>
+                <a:latin typeface="+mj-lt"/>
+                <a:ea typeface="+mj-ea"/>
+                <a:cs typeface="+mj-cs"/>
+              </a:defRPr>
+            </a:lvl1pPr>
+          </a:lstStyle>
+          <a:p>
+            <a:r>
+              <a:rPr lang="vi-VN" sz="2400" b="1">
+                <a:solidFill>
+                  <a:schemeClr val="bg1"/>
+                </a:solidFill>
+              </a:rPr>
+              <a:t>QUẢN LÝ SÁCH THƯ VIỆN BẰNG PHẦN MỀM C++</a:t>
+            </a:r>
+            <a:endParaRPr lang="vi-VN" sz="2400" b="1" dirty="0">
+              <a:solidFill>
+                <a:schemeClr val="bg1"/>
+              </a:solidFill>
+            </a:endParaRPr>
+          </a:p>
+        </p:txBody>
+      </p:sp>
+      <p:pic>
+        <p:nvPicPr>
+          <p:cNvPr id="5" name="Content Placeholder 5">
+            <a:extLst>
+              <a:ext uri="{FF2B5EF4-FFF2-40B4-BE49-F238E27FC236}">
+                <a16:creationId xmlns:a16="http://schemas.microsoft.com/office/drawing/2014/main" id="{FBAB07E9-89FF-4B75-BEC8-63EBD30B37AA}"/>
+              </a:ext>
+            </a:extLst>
+          </p:cNvPr>
+          <p:cNvPicPr>
+            <a:picLocks noChangeAspect="1"/>
+          </p:cNvPicPr>
+          <p:nvPr/>
+        </p:nvPicPr>
+        <p:blipFill>
+          <a:blip r:embed="rId2" cstate="print">
+            <a:extLst>
+              <a:ext uri="{28A0092B-C50C-407E-A947-70E740481C1C}">
+                <a14:useLocalDpi xmlns:a14="http://schemas.microsoft.com/office/drawing/2010/main" val="0"/>
+              </a:ext>
+            </a:extLst>
+          </a:blip>
+          <a:stretch>
+            <a:fillRect/>
+          </a:stretch>
+        </p:blipFill>
+        <p:spPr>
+          <a:xfrm>
+            <a:off x="437319" y="93332"/>
+            <a:ext cx="548999" cy="720045"/>
+          </a:xfrm>
+          <a:prstGeom prst="rect">
+            <a:avLst/>
+          </a:prstGeom>
+        </p:spPr>
+      </p:pic>
+      <p:pic>
+        <p:nvPicPr>
+          <p:cNvPr id="6" name="Picture 5">
+            <a:extLst>
+              <a:ext uri="{FF2B5EF4-FFF2-40B4-BE49-F238E27FC236}">
+                <a16:creationId xmlns:a16="http://schemas.microsoft.com/office/drawing/2014/main" id="{44C0EAD3-07B1-40FB-B398-2D11FA210F61}"/>
+              </a:ext>
+            </a:extLst>
+          </p:cNvPr>
+          <p:cNvPicPr/>
+          <p:nvPr/>
+        </p:nvPicPr>
+        <p:blipFill>
+          <a:blip r:embed="rId3">
+            <a:extLst>
+              <a:ext uri="{28A0092B-C50C-407E-A947-70E740481C1C}">
+                <a14:useLocalDpi xmlns:a14="http://schemas.microsoft.com/office/drawing/2010/main" val="0"/>
+              </a:ext>
+            </a:extLst>
+          </a:blip>
+          <a:srcRect/>
+          <a:stretch>
+            <a:fillRect/>
+          </a:stretch>
+        </p:blipFill>
+        <p:spPr bwMode="auto">
+          <a:xfrm>
+            <a:off x="856748" y="1775009"/>
+            <a:ext cx="7384883" cy="4084371"/>
+          </a:xfrm>
+          <a:prstGeom prst="rect">
+            <a:avLst/>
+          </a:prstGeom>
+          <a:noFill/>
+          <a:ln>
+            <a:noFill/>
+          </a:ln>
+        </p:spPr>
+      </p:pic>
+    </p:spTree>
+    <p:extLst>
+      <p:ext uri="{BB962C8B-B14F-4D97-AF65-F5344CB8AC3E}">
+        <p14:creationId xmlns:p14="http://schemas.microsoft.com/office/powerpoint/2010/main" val="440330985"/>
+      </p:ext>
+    </p:extLst>
+  </p:cSld>
+  <p:clrMapOvr>
+    <a:masterClrMapping/>
+  </p:clrMapOvr>
+</p:sld>
+</file>
+
+<file path=ppt/slides/slide21.xml><?xml version="1.0" encoding="utf-8"?>
+<p:sld xmlns:a="http://schemas.openxmlformats.org/drawingml/2006/main" xmlns:r="http://schemas.openxmlformats.org/officeDocument/2006/relationships" xmlns:p="http://schemas.openxmlformats.org/presentationml/2006/main">
+  <p:cSld>
+    <p:spTree>
+      <p:nvGrpSpPr>
+        <p:cNvPr id="1" name=""/>
+        <p:cNvGrpSpPr/>
+        <p:nvPr/>
+      </p:nvGrpSpPr>
+      <p:grpSpPr>
+        <a:xfrm>
+          <a:off x="0" y="0"/>
+          <a:ext cx="0" cy="0"/>
+          <a:chOff x="0" y="0"/>
+          <a:chExt cx="0" cy="0"/>
+        </a:xfrm>
+      </p:grpSpPr>
+      <p:sp>
+        <p:nvSpPr>
           <p:cNvPr id="3" name="Content Placeholder 2">
             <a:extLst>
               <a:ext uri="{FF2B5EF4-FFF2-40B4-BE49-F238E27FC236}">
@@ -3469,7 +9459,7 @@
 </p:sld>
 </file>
 
-<file path=ppt/slides/slide11.xml><?xml version="1.0" encoding="utf-8"?>
+<file path=ppt/slides/slide22.xml><?xml version="1.0" encoding="utf-8"?>
 <p:sld xmlns:a="http://schemas.openxmlformats.org/drawingml/2006/main" xmlns:r="http://schemas.openxmlformats.org/officeDocument/2006/relationships" xmlns:p="http://schemas.openxmlformats.org/presentationml/2006/main">
   <p:cSld>
     <p:spTree>
@@ -3677,7 +9667,7 @@
 </p:sld>
 </file>
 
-<file path=ppt/slides/slide12.xml><?xml version="1.0" encoding="utf-8"?>
+<file path=ppt/slides/slide23.xml><?xml version="1.0" encoding="utf-8"?>
 <p:sld xmlns:a="http://schemas.openxmlformats.org/drawingml/2006/main" xmlns:r="http://schemas.openxmlformats.org/officeDocument/2006/relationships" xmlns:p="http://schemas.openxmlformats.org/presentationml/2006/main">
   <p:cSld>
     <p:spTree>
@@ -3883,184 +9873,7 @@
 </p:sld>
 </file>
 
-<file path=ppt/slides/slide13.xml><?xml version="1.0" encoding="utf-8"?>
-<p:sld xmlns:a="http://schemas.openxmlformats.org/drawingml/2006/main" xmlns:r="http://schemas.openxmlformats.org/officeDocument/2006/relationships" xmlns:p="http://schemas.openxmlformats.org/presentationml/2006/main">
-  <p:cSld>
-    <p:spTree>
-      <p:nvGrpSpPr>
-        <p:cNvPr id="1" name=""/>
-        <p:cNvGrpSpPr/>
-        <p:nvPr/>
-      </p:nvGrpSpPr>
-      <p:grpSpPr>
-        <a:xfrm>
-          <a:off x="0" y="0"/>
-          <a:ext cx="0" cy="0"/>
-          <a:chOff x="0" y="0"/>
-          <a:chExt cx="0" cy="0"/>
-        </a:xfrm>
-      </p:grpSpPr>
-      <p:sp>
-        <p:nvSpPr>
-          <p:cNvPr id="3" name="Content Placeholder 2">
-            <a:extLst>
-              <a:ext uri="{FF2B5EF4-FFF2-40B4-BE49-F238E27FC236}">
-                <a16:creationId xmlns:a16="http://schemas.microsoft.com/office/drawing/2014/main" id="{48FA80DF-8818-4034-BD8F-4212B3D36233}"/>
-              </a:ext>
-            </a:extLst>
-          </p:cNvPr>
-          <p:cNvSpPr>
-            <a:spLocks noGrp="1"/>
-          </p:cNvSpPr>
-          <p:nvPr>
-            <p:ph idx="1"/>
-          </p:nvPr>
-        </p:nvSpPr>
-        <p:spPr>
-          <a:xfrm>
-            <a:off x="681038" y="1134878"/>
-            <a:ext cx="8543925" cy="5042085"/>
-          </a:xfrm>
-        </p:spPr>
-        <p:txBody>
-          <a:bodyPr/>
-          <a:lstStyle/>
-          <a:p>
-            <a:pPr marL="0" indent="0">
-              <a:buNone/>
-            </a:pPr>
-            <a:r>
-              <a:rPr lang="vi-VN"/>
-              <a:t>Chương trình được tạo ra nhằm giúp việc quản lý thư viện được thực hiện một cách hiệu quả và chính xác.Giúp cho người quản lý thư viện có thể quản lý sách một cách thuận tiện</a:t>
-            </a:r>
-          </a:p>
-          <a:p>
-            <a:pPr marL="0" indent="0">
-              <a:buNone/>
-            </a:pPr>
-            <a:endParaRPr lang="vi-VN"/>
-          </a:p>
-          <a:p>
-            <a:pPr marL="0" indent="0">
-              <a:buNone/>
-            </a:pPr>
-            <a:endParaRPr lang="vi-VN"/>
-          </a:p>
-        </p:txBody>
-      </p:sp>
-      <p:sp>
-        <p:nvSpPr>
-          <p:cNvPr id="4" name="Title 1">
-            <a:extLst>
-              <a:ext uri="{FF2B5EF4-FFF2-40B4-BE49-F238E27FC236}">
-                <a16:creationId xmlns:a16="http://schemas.microsoft.com/office/drawing/2014/main" id="{C637D5DB-0F99-49AE-A01B-C1A0CE63714B}"/>
-              </a:ext>
-            </a:extLst>
-          </p:cNvPr>
-          <p:cNvSpPr txBox="1">
-            <a:spLocks/>
-          </p:cNvSpPr>
-          <p:nvPr/>
-        </p:nvSpPr>
-        <p:spPr>
-          <a:xfrm>
-            <a:off x="2025744" y="-190685"/>
-            <a:ext cx="8543925" cy="1325563"/>
-          </a:xfrm>
-          <a:prstGeom prst="rect">
-            <a:avLst/>
-          </a:prstGeom>
-        </p:spPr>
-        <p:txBody>
-          <a:bodyPr vert="horz" lIns="91440" tIns="45720" rIns="91440" bIns="45720" rtlCol="0" anchor="ctr">
-            <a:normAutofit/>
-          </a:bodyPr>
-          <a:lstStyle>
-            <a:lvl1pPr algn="l" defTabSz="914400" rtl="0" eaLnBrk="1" latinLnBrk="0" hangingPunct="1">
-              <a:lnSpc>
-                <a:spcPct val="90000"/>
-              </a:lnSpc>
-              <a:spcBef>
-                <a:spcPct val="0"/>
-              </a:spcBef>
-              <a:buNone/>
-              <a:defRPr sz="4400" kern="1200">
-                <a:solidFill>
-                  <a:schemeClr val="tx1"/>
-                </a:solidFill>
-                <a:latin typeface="+mj-lt"/>
-                <a:ea typeface="+mj-ea"/>
-                <a:cs typeface="+mj-cs"/>
-              </a:defRPr>
-            </a:lvl1pPr>
-          </a:lstStyle>
-          <a:p>
-            <a:r>
-              <a:rPr lang="vi-VN" sz="4000" b="1">
-                <a:solidFill>
-                  <a:schemeClr val="bg1"/>
-                </a:solidFill>
-              </a:rPr>
-              <a:t>Kết Luận</a:t>
-            </a:r>
-            <a:endParaRPr lang="vi-VN" sz="4000" b="1" dirty="0">
-              <a:solidFill>
-                <a:schemeClr val="bg1"/>
-              </a:solidFill>
-            </a:endParaRPr>
-          </a:p>
-        </p:txBody>
-      </p:sp>
-      <p:pic>
-        <p:nvPicPr>
-          <p:cNvPr id="5" name="Content Placeholder 5">
-            <a:extLst>
-              <a:ext uri="{FF2B5EF4-FFF2-40B4-BE49-F238E27FC236}">
-                <a16:creationId xmlns:a16="http://schemas.microsoft.com/office/drawing/2014/main" id="{0CC9DA02-7AF0-477F-B803-DBCD6EE16898}"/>
-              </a:ext>
-            </a:extLst>
-          </p:cNvPr>
-          <p:cNvPicPr>
-            <a:picLocks noChangeAspect="1"/>
-          </p:cNvPicPr>
-          <p:nvPr/>
-        </p:nvPicPr>
-        <p:blipFill>
-          <a:blip r:embed="rId2" cstate="print">
-            <a:extLst>
-              <a:ext uri="{28A0092B-C50C-407E-A947-70E740481C1C}">
-                <a14:useLocalDpi xmlns:a14="http://schemas.microsoft.com/office/drawing/2010/main" val="0"/>
-              </a:ext>
-            </a:extLst>
-          </a:blip>
-          <a:stretch>
-            <a:fillRect/>
-          </a:stretch>
-        </p:blipFill>
-        <p:spPr>
-          <a:xfrm>
-            <a:off x="437319" y="93332"/>
-            <a:ext cx="548999" cy="720045"/>
-          </a:xfrm>
-          <a:prstGeom prst="rect">
-            <a:avLst/>
-          </a:prstGeom>
-        </p:spPr>
-      </p:pic>
-    </p:spTree>
-    <p:extLst>
-      <p:ext uri="{BB962C8B-B14F-4D97-AF65-F5344CB8AC3E}">
-        <p14:creationId xmlns:p14="http://schemas.microsoft.com/office/powerpoint/2010/main" val="697059983"/>
-      </p:ext>
-    </p:extLst>
-  </p:cSld>
-  <p:clrMapOvr>
-    <a:masterClrMapping/>
-  </p:clrMapOvr>
-</p:sld>
-</file>
-
-<file path=ppt/slides/slide14.xml><?xml version="1.0" encoding="utf-8"?>
+<file path=ppt/slides/slide24.xml><?xml version="1.0" encoding="utf-8"?>
 <p:sld xmlns:a="http://schemas.openxmlformats.org/drawingml/2006/main" xmlns:r="http://schemas.openxmlformats.org/officeDocument/2006/relationships" xmlns:p="http://schemas.openxmlformats.org/presentationml/2006/main">
   <p:cSld>
     <p:bg>
@@ -4163,311 +9976,6 @@
     <p:extLst>
       <p:ext uri="{BB962C8B-B14F-4D97-AF65-F5344CB8AC3E}">
         <p14:creationId xmlns:p14="http://schemas.microsoft.com/office/powerpoint/2010/main" val="61105114"/>
-      </p:ext>
-    </p:extLst>
-  </p:cSld>
-  <p:clrMapOvr>
-    <a:masterClrMapping/>
-  </p:clrMapOvr>
-</p:sld>
-</file>
-
-<file path=ppt/slides/slide2.xml><?xml version="1.0" encoding="utf-8"?>
-<p:sld xmlns:a="http://schemas.openxmlformats.org/drawingml/2006/main" xmlns:r="http://schemas.openxmlformats.org/officeDocument/2006/relationships" xmlns:p="http://schemas.openxmlformats.org/presentationml/2006/main">
-  <p:cSld>
-    <p:spTree>
-      <p:nvGrpSpPr>
-        <p:cNvPr id="1" name=""/>
-        <p:cNvGrpSpPr/>
-        <p:nvPr/>
-      </p:nvGrpSpPr>
-      <p:grpSpPr>
-        <a:xfrm>
-          <a:off x="0" y="0"/>
-          <a:ext cx="0" cy="0"/>
-          <a:chOff x="0" y="0"/>
-          <a:chExt cx="0" cy="0"/>
-        </a:xfrm>
-      </p:grpSpPr>
-      <p:sp>
-        <p:nvSpPr>
-          <p:cNvPr id="3" name="Content Placeholder 2">
-            <a:extLst>
-              <a:ext uri="{FF2B5EF4-FFF2-40B4-BE49-F238E27FC236}">
-                <a16:creationId xmlns:a16="http://schemas.microsoft.com/office/drawing/2014/main" id="{69057997-9FEA-48F4-AE35-DB14BDE9170E}"/>
-              </a:ext>
-            </a:extLst>
-          </p:cNvPr>
-          <p:cNvSpPr>
-            <a:spLocks noGrp="1"/>
-          </p:cNvSpPr>
-          <p:nvPr>
-            <p:ph idx="1"/>
-          </p:nvPr>
-        </p:nvSpPr>
-        <p:spPr>
-          <a:xfrm>
-            <a:off x="681038" y="1134878"/>
-            <a:ext cx="8543925" cy="5042085"/>
-          </a:xfrm>
-        </p:spPr>
-        <p:txBody>
-          <a:bodyPr>
-            <a:normAutofit/>
-          </a:bodyPr>
-          <a:lstStyle/>
-          <a:p>
-            <a:pPr marL="571500" indent="-571500">
-              <a:buAutoNum type="romanUcPeriod"/>
-            </a:pPr>
-            <a:r>
-              <a:rPr lang="vi-VN">
-                <a:latin typeface="+mj-lt"/>
-              </a:rPr>
-              <a:t>Giới thiệu về ngôn ngữ C++</a:t>
-            </a:r>
-            <a:br>
-              <a:rPr lang="vi-VN">
-                <a:latin typeface="+mj-lt"/>
-              </a:rPr>
-            </a:br>
-            <a:r>
-              <a:rPr lang="vi-VN">
-                <a:latin typeface="+mj-lt"/>
-              </a:rPr>
-              <a:t>1. Sơ lược ngôn ngữ C++</a:t>
-            </a:r>
-            <a:br>
-              <a:rPr lang="vi-VN">
-                <a:latin typeface="+mj-lt"/>
-              </a:rPr>
-            </a:br>
-            <a:r>
-              <a:rPr lang="vi-VN">
-                <a:latin typeface="+mj-lt"/>
-              </a:rPr>
-              <a:t>2. Đặc trưng ngôn ngữ C++</a:t>
-            </a:r>
-          </a:p>
-          <a:p>
-            <a:pPr marL="571500" indent="-571500">
-              <a:buAutoNum type="romanUcPeriod"/>
-            </a:pPr>
-            <a:r>
-              <a:rPr lang="vi-VN">
-                <a:latin typeface="+mj-lt"/>
-              </a:rPr>
-              <a:t>Chương trình quản lý dữ liệu sách thư viện</a:t>
-            </a:r>
-            <a:br>
-              <a:rPr lang="vi-VN">
-                <a:latin typeface="+mj-lt"/>
-              </a:rPr>
-            </a:br>
-            <a:r>
-              <a:rPr lang="vi-VN">
-                <a:latin typeface="+mj-lt"/>
-              </a:rPr>
-              <a:t>1. Giới thiệu về quản lý sách thư viện</a:t>
-            </a:r>
-            <a:br>
-              <a:rPr lang="vi-VN">
-                <a:latin typeface="+mj-lt"/>
-              </a:rPr>
-            </a:br>
-            <a:r>
-              <a:rPr lang="vi-VN">
-                <a:latin typeface="+mj-lt"/>
-              </a:rPr>
-              <a:t>	a. Giới thiệu</a:t>
-            </a:r>
-            <a:br>
-              <a:rPr lang="vi-VN">
-                <a:latin typeface="+mj-lt"/>
-              </a:rPr>
-            </a:br>
-            <a:r>
-              <a:rPr lang="vi-VN">
-                <a:latin typeface="+mj-lt"/>
-              </a:rPr>
-              <a:t>	b. Chức năng</a:t>
-            </a:r>
-            <a:br>
-              <a:rPr lang="vi-VN">
-                <a:latin typeface="+mj-lt"/>
-              </a:rPr>
-            </a:br>
-            <a:r>
-              <a:rPr lang="vi-VN">
-                <a:solidFill>
-                  <a:srgbClr val="FF0000"/>
-                </a:solidFill>
-                <a:latin typeface="+mj-lt"/>
-              </a:rPr>
-              <a:t>3. Kiểu dữ liệu được sử dụng</a:t>
-            </a:r>
-            <a:br>
-              <a:rPr lang="vi-VN">
-                <a:solidFill>
-                  <a:srgbClr val="FF0000"/>
-                </a:solidFill>
-                <a:latin typeface="+mj-lt"/>
-              </a:rPr>
-            </a:br>
-            <a:r>
-              <a:rPr lang="vi-VN">
-                <a:solidFill>
-                  <a:srgbClr val="FF0000"/>
-                </a:solidFill>
-                <a:latin typeface="+mj-lt"/>
-              </a:rPr>
-              <a:t>4. Hàm được sử dụng*</a:t>
-            </a:r>
-            <a:br>
-              <a:rPr lang="vi-VN">
-                <a:solidFill>
-                  <a:srgbClr val="FF0000"/>
-                </a:solidFill>
-                <a:latin typeface="+mj-lt"/>
-              </a:rPr>
-            </a:br>
-            <a:r>
-              <a:rPr lang="vi-VN">
-                <a:latin typeface="+mj-lt"/>
-              </a:rPr>
-              <a:t>5. Giao diện chương trình</a:t>
-            </a:r>
-            <a:br>
-              <a:rPr lang="vi-VN">
-                <a:latin typeface="+mj-lt"/>
-              </a:rPr>
-            </a:br>
-            <a:r>
-              <a:rPr lang="vi-VN">
-                <a:latin typeface="+mj-lt"/>
-              </a:rPr>
-              <a:t>* Có ý thì ghi k thì bỏ </a:t>
-            </a:r>
-            <a:r>
-              <a:rPr lang="vi-VN">
-                <a:latin typeface="+mj-lt"/>
-                <a:sym typeface="Wingdings" panose="05000000000000000000" pitchFamily="2" charset="2"/>
-              </a:rPr>
-              <a:t>:)</a:t>
-            </a:r>
-            <a:br>
-              <a:rPr lang="vi-VN">
-                <a:latin typeface="+mj-lt"/>
-              </a:rPr>
-            </a:br>
-            <a:endParaRPr lang="vi-VN"/>
-          </a:p>
-        </p:txBody>
-      </p:sp>
-      <p:sp>
-        <p:nvSpPr>
-          <p:cNvPr id="4" name="Title 1">
-            <a:extLst>
-              <a:ext uri="{FF2B5EF4-FFF2-40B4-BE49-F238E27FC236}">
-                <a16:creationId xmlns:a16="http://schemas.microsoft.com/office/drawing/2014/main" id="{4CE18B7D-B9D2-48DB-8B2F-BF086C0CE558}"/>
-              </a:ext>
-            </a:extLst>
-          </p:cNvPr>
-          <p:cNvSpPr txBox="1">
-            <a:spLocks/>
-          </p:cNvSpPr>
-          <p:nvPr/>
-        </p:nvSpPr>
-        <p:spPr>
-          <a:xfrm>
-            <a:off x="2025744" y="-190685"/>
-            <a:ext cx="8543925" cy="1325563"/>
-          </a:xfrm>
-          <a:prstGeom prst="rect">
-            <a:avLst/>
-          </a:prstGeom>
-        </p:spPr>
-        <p:txBody>
-          <a:bodyPr vert="horz" lIns="91440" tIns="45720" rIns="91440" bIns="45720" rtlCol="0" anchor="ctr">
-            <a:normAutofit/>
-          </a:bodyPr>
-          <a:lstStyle>
-            <a:lvl1pPr algn="l" defTabSz="914400" rtl="0" eaLnBrk="1" latinLnBrk="0" hangingPunct="1">
-              <a:lnSpc>
-                <a:spcPct val="90000"/>
-              </a:lnSpc>
-              <a:spcBef>
-                <a:spcPct val="0"/>
-              </a:spcBef>
-              <a:buNone/>
-              <a:defRPr sz="4400" kern="1200">
-                <a:solidFill>
-                  <a:schemeClr val="tx1"/>
-                </a:solidFill>
-                <a:latin typeface="+mj-lt"/>
-                <a:ea typeface="+mj-ea"/>
-                <a:cs typeface="+mj-cs"/>
-              </a:defRPr>
-            </a:lvl1pPr>
-          </a:lstStyle>
-          <a:p>
-            <a:r>
-              <a:rPr lang="vi-VN" sz="4000" b="1">
-                <a:solidFill>
-                  <a:schemeClr val="bg1"/>
-                </a:solidFill>
-              </a:rPr>
-              <a:t>Nội dung</a:t>
-            </a:r>
-            <a:endParaRPr lang="vi-VN" sz="4000" b="1" dirty="0">
-              <a:solidFill>
-                <a:schemeClr val="bg1"/>
-              </a:solidFill>
-              <a:latin typeface="+mn-lt"/>
-            </a:endParaRPr>
-          </a:p>
-        </p:txBody>
-      </p:sp>
-      <p:pic>
-        <p:nvPicPr>
-          <p:cNvPr id="5" name="Content Placeholder 5">
-            <a:extLst>
-              <a:ext uri="{FF2B5EF4-FFF2-40B4-BE49-F238E27FC236}">
-                <a16:creationId xmlns:a16="http://schemas.microsoft.com/office/drawing/2014/main" id="{4E23B51E-4ED3-4EAA-8F3E-22216E1D0490}"/>
-              </a:ext>
-            </a:extLst>
-          </p:cNvPr>
-          <p:cNvPicPr>
-            <a:picLocks noChangeAspect="1"/>
-          </p:cNvPicPr>
-          <p:nvPr/>
-        </p:nvPicPr>
-        <p:blipFill>
-          <a:blip r:embed="rId2" cstate="print">
-            <a:extLst>
-              <a:ext uri="{28A0092B-C50C-407E-A947-70E740481C1C}">
-                <a14:useLocalDpi xmlns:a14="http://schemas.microsoft.com/office/drawing/2010/main" val="0"/>
-              </a:ext>
-            </a:extLst>
-          </a:blip>
-          <a:stretch>
-            <a:fillRect/>
-          </a:stretch>
-        </p:blipFill>
-        <p:spPr>
-          <a:xfrm>
-            <a:off x="437319" y="93332"/>
-            <a:ext cx="548999" cy="720045"/>
-          </a:xfrm>
-          <a:prstGeom prst="rect">
-            <a:avLst/>
-          </a:prstGeom>
-        </p:spPr>
-      </p:pic>
-    </p:spTree>
-    <p:extLst>
-      <p:ext uri="{BB962C8B-B14F-4D97-AF65-F5344CB8AC3E}">
-        <p14:creationId xmlns:p14="http://schemas.microsoft.com/office/powerpoint/2010/main" val="1693524128"/>
       </p:ext>
     </p:extLst>
   </p:cSld>
@@ -5517,28 +11025,544 @@
               <a:buNone/>
             </a:pPr>
             <a:r>
-              <a:rPr lang="vi-VN" sz="4000" b="1"/>
-              <a:t>1.Giới thiệu:</a:t>
-            </a:r>
-          </a:p>
-          <a:p>
-            <a:r>
-              <a:rPr lang="vi-VN"/>
-              <a:t>Phần mềm quản lý thư học có tác dụng chuẩn hóa và nâng cao hiệu quả công tác quản lý, lưu thông sách tài liệu trong các thư viện.</a:t>
-            </a:r>
-            <a:r>
-              <a:rPr lang="vi-VN" b="1"/>
+              <a:rPr lang="vi-VN" sz="4000" b="1" dirty="0"/>
+              <a:t>1.Giới </a:t>
+            </a:r>
+            <a:r>
+              <a:rPr lang="vi-VN" sz="4000" b="1" dirty="0" err="1"/>
+              <a:t>thiệu</a:t>
+            </a:r>
+            <a:r>
+              <a:rPr lang="vi-VN" sz="4000" b="1" dirty="0"/>
+              <a:t>:</a:t>
+            </a:r>
+          </a:p>
+          <a:p>
+            <a:r>
+              <a:rPr lang="vi-VN" dirty="0" err="1"/>
+              <a:t>Phần</a:t>
+            </a:r>
+            <a:r>
+              <a:rPr lang="vi-VN" dirty="0"/>
+              <a:t> </a:t>
+            </a:r>
+            <a:r>
+              <a:rPr lang="vi-VN" dirty="0" err="1"/>
+              <a:t>mềm</a:t>
+            </a:r>
+            <a:r>
+              <a:rPr lang="vi-VN" dirty="0"/>
+              <a:t> </a:t>
+            </a:r>
+            <a:r>
+              <a:rPr lang="vi-VN" dirty="0" err="1"/>
+              <a:t>quản</a:t>
+            </a:r>
+            <a:r>
+              <a:rPr lang="vi-VN" dirty="0"/>
+              <a:t> </a:t>
+            </a:r>
+            <a:r>
+              <a:rPr lang="vi-VN" dirty="0" err="1"/>
+              <a:t>lý</a:t>
+            </a:r>
+            <a:r>
+              <a:rPr lang="vi-VN" dirty="0"/>
+              <a:t> thư </a:t>
+            </a:r>
+            <a:r>
+              <a:rPr lang="vi-VN" dirty="0" err="1"/>
+              <a:t>học</a:t>
+            </a:r>
+            <a:r>
+              <a:rPr lang="vi-VN" dirty="0"/>
               <a:t> </a:t>
             </a:r>
             <a:r>
-              <a:rPr lang="vi-VN"/>
-              <a:t>Phần mềm quản lý thư viện có nội dung nhằm giảm thiểu tối đa công việc phải quản lý bằng tay các hoạt động nhập - xuất kho, theo dõi mượn trả sách,.v.v tại thư viện.</a:t>
-            </a:r>
-          </a:p>
-          <a:p>
-            <a:r>
-              <a:rPr lang="vi-VN"/>
-              <a:t>Phần mềm quản lý thư viện rất cần thiết dùng vào việc quản lý thư viện trường học. </a:t>
+              <a:rPr lang="vi-VN" dirty="0" err="1"/>
+              <a:t>có</a:t>
+            </a:r>
+            <a:r>
+              <a:rPr lang="vi-VN" dirty="0"/>
+              <a:t> </a:t>
+            </a:r>
+            <a:r>
+              <a:rPr lang="vi-VN" dirty="0" err="1"/>
+              <a:t>tác</a:t>
+            </a:r>
+            <a:r>
+              <a:rPr lang="vi-VN" dirty="0"/>
+              <a:t> </a:t>
+            </a:r>
+            <a:r>
+              <a:rPr lang="vi-VN" dirty="0" err="1"/>
+              <a:t>dụng</a:t>
+            </a:r>
+            <a:r>
+              <a:rPr lang="vi-VN" dirty="0"/>
+              <a:t> </a:t>
+            </a:r>
+            <a:r>
+              <a:rPr lang="vi-VN" dirty="0" err="1"/>
+              <a:t>chuẩn</a:t>
+            </a:r>
+            <a:r>
+              <a:rPr lang="vi-VN" dirty="0"/>
+              <a:t> </a:t>
+            </a:r>
+            <a:r>
+              <a:rPr lang="vi-VN" dirty="0" err="1"/>
+              <a:t>hóa</a:t>
+            </a:r>
+            <a:r>
+              <a:rPr lang="vi-VN" dirty="0"/>
+              <a:t> </a:t>
+            </a:r>
+            <a:r>
+              <a:rPr lang="vi-VN" dirty="0" err="1"/>
+              <a:t>và</a:t>
+            </a:r>
+            <a:r>
+              <a:rPr lang="vi-VN" dirty="0"/>
+              <a:t> nâng cao </a:t>
+            </a:r>
+            <a:r>
+              <a:rPr lang="vi-VN" dirty="0" err="1"/>
+              <a:t>hiệu</a:t>
+            </a:r>
+            <a:r>
+              <a:rPr lang="vi-VN" dirty="0"/>
+              <a:t> </a:t>
+            </a:r>
+            <a:r>
+              <a:rPr lang="vi-VN" dirty="0" err="1"/>
+              <a:t>quả</a:t>
+            </a:r>
+            <a:r>
+              <a:rPr lang="vi-VN" dirty="0"/>
+              <a:t> công </a:t>
+            </a:r>
+            <a:r>
+              <a:rPr lang="vi-VN" dirty="0" err="1"/>
+              <a:t>tác</a:t>
+            </a:r>
+            <a:r>
+              <a:rPr lang="vi-VN" dirty="0"/>
+              <a:t> </a:t>
+            </a:r>
+            <a:r>
+              <a:rPr lang="vi-VN" dirty="0" err="1"/>
+              <a:t>quản</a:t>
+            </a:r>
+            <a:r>
+              <a:rPr lang="vi-VN" dirty="0"/>
+              <a:t> </a:t>
+            </a:r>
+            <a:r>
+              <a:rPr lang="vi-VN" dirty="0" err="1"/>
+              <a:t>lý</a:t>
+            </a:r>
+            <a:r>
+              <a:rPr lang="vi-VN" dirty="0"/>
+              <a:t>, lưu thông </a:t>
+            </a:r>
+            <a:r>
+              <a:rPr lang="vi-VN" dirty="0" err="1"/>
+              <a:t>sách</a:t>
+            </a:r>
+            <a:r>
+              <a:rPr lang="vi-VN" dirty="0"/>
+              <a:t> </a:t>
+            </a:r>
+            <a:r>
+              <a:rPr lang="vi-VN" dirty="0" err="1"/>
+              <a:t>tài</a:t>
+            </a:r>
+            <a:r>
+              <a:rPr lang="vi-VN" dirty="0"/>
+              <a:t> </a:t>
+            </a:r>
+            <a:r>
+              <a:rPr lang="vi-VN" dirty="0" err="1"/>
+              <a:t>liệu</a:t>
+            </a:r>
+            <a:r>
+              <a:rPr lang="vi-VN" dirty="0"/>
+              <a:t> trong </a:t>
+            </a:r>
+            <a:r>
+              <a:rPr lang="vi-VN" dirty="0" err="1"/>
+              <a:t>các</a:t>
+            </a:r>
+            <a:r>
+              <a:rPr lang="vi-VN" dirty="0"/>
+              <a:t> thư </a:t>
+            </a:r>
+            <a:r>
+              <a:rPr lang="vi-VN" dirty="0" err="1"/>
+              <a:t>viện</a:t>
+            </a:r>
+            <a:r>
+              <a:rPr lang="vi-VN" dirty="0"/>
+              <a:t>.</a:t>
+            </a:r>
+            <a:r>
+              <a:rPr lang="vi-VN" b="1" dirty="0"/>
+              <a:t> </a:t>
+            </a:r>
+            <a:r>
+              <a:rPr lang="vi-VN" dirty="0" err="1"/>
+              <a:t>Phần</a:t>
+            </a:r>
+            <a:r>
+              <a:rPr lang="vi-VN" dirty="0"/>
+              <a:t> </a:t>
+            </a:r>
+            <a:r>
+              <a:rPr lang="vi-VN" dirty="0" err="1"/>
+              <a:t>mềm</a:t>
+            </a:r>
+            <a:r>
+              <a:rPr lang="vi-VN" dirty="0"/>
+              <a:t> </a:t>
+            </a:r>
+            <a:r>
+              <a:rPr lang="vi-VN" dirty="0" err="1"/>
+              <a:t>quản</a:t>
+            </a:r>
+            <a:r>
+              <a:rPr lang="vi-VN" dirty="0"/>
+              <a:t> </a:t>
+            </a:r>
+            <a:r>
+              <a:rPr lang="vi-VN" dirty="0" err="1"/>
+              <a:t>lý</a:t>
+            </a:r>
+            <a:r>
+              <a:rPr lang="vi-VN" dirty="0"/>
+              <a:t> thư </a:t>
+            </a:r>
+            <a:r>
+              <a:rPr lang="vi-VN" dirty="0" err="1"/>
+              <a:t>viện</a:t>
+            </a:r>
+            <a:r>
+              <a:rPr lang="vi-VN" dirty="0"/>
+              <a:t> </a:t>
+            </a:r>
+            <a:r>
+              <a:rPr lang="vi-VN" dirty="0" err="1"/>
+              <a:t>có</a:t>
+            </a:r>
+            <a:r>
+              <a:rPr lang="vi-VN" dirty="0"/>
+              <a:t> </a:t>
+            </a:r>
+            <a:r>
+              <a:rPr lang="vi-VN" dirty="0" err="1"/>
+              <a:t>nội</a:t>
+            </a:r>
+            <a:r>
+              <a:rPr lang="vi-VN" dirty="0"/>
+              <a:t> dung </a:t>
+            </a:r>
+            <a:r>
+              <a:rPr lang="vi-VN" dirty="0" err="1"/>
+              <a:t>nhằm</a:t>
+            </a:r>
+            <a:r>
+              <a:rPr lang="vi-VN" dirty="0"/>
+              <a:t> </a:t>
+            </a:r>
+            <a:r>
+              <a:rPr lang="vi-VN" dirty="0" err="1"/>
+              <a:t>giảm</a:t>
+            </a:r>
+            <a:r>
+              <a:rPr lang="vi-VN" dirty="0"/>
+              <a:t> </a:t>
+            </a:r>
+            <a:r>
+              <a:rPr lang="vi-VN" dirty="0" err="1"/>
+              <a:t>thiểu</a:t>
+            </a:r>
+            <a:r>
+              <a:rPr lang="vi-VN" dirty="0"/>
+              <a:t> </a:t>
+            </a:r>
+            <a:r>
+              <a:rPr lang="vi-VN" dirty="0" err="1"/>
+              <a:t>tối</a:t>
+            </a:r>
+            <a:r>
+              <a:rPr lang="vi-VN" dirty="0"/>
+              <a:t> đa công </a:t>
+            </a:r>
+            <a:r>
+              <a:rPr lang="vi-VN" dirty="0" err="1"/>
+              <a:t>việc</a:t>
+            </a:r>
+            <a:r>
+              <a:rPr lang="vi-VN" dirty="0"/>
+              <a:t> </a:t>
+            </a:r>
+            <a:r>
+              <a:rPr lang="vi-VN" dirty="0" err="1"/>
+              <a:t>phải</a:t>
+            </a:r>
+            <a:r>
+              <a:rPr lang="vi-VN" dirty="0"/>
+              <a:t> </a:t>
+            </a:r>
+            <a:r>
+              <a:rPr lang="vi-VN" dirty="0" err="1"/>
+              <a:t>quản</a:t>
+            </a:r>
+            <a:r>
+              <a:rPr lang="vi-VN" dirty="0"/>
+              <a:t> </a:t>
+            </a:r>
+            <a:r>
+              <a:rPr lang="vi-VN" dirty="0" err="1"/>
+              <a:t>lý</a:t>
+            </a:r>
+            <a:r>
+              <a:rPr lang="vi-VN" dirty="0"/>
+              <a:t> </a:t>
+            </a:r>
+            <a:r>
+              <a:rPr lang="vi-VN" dirty="0" err="1"/>
+              <a:t>bằng</a:t>
+            </a:r>
+            <a:r>
+              <a:rPr lang="vi-VN" dirty="0"/>
+              <a:t> tay </a:t>
+            </a:r>
+            <a:r>
+              <a:rPr lang="vi-VN" dirty="0" err="1"/>
+              <a:t>các</a:t>
+            </a:r>
+            <a:r>
+              <a:rPr lang="vi-VN" dirty="0"/>
+              <a:t> </a:t>
+            </a:r>
+            <a:r>
+              <a:rPr lang="vi-VN" dirty="0" err="1"/>
+              <a:t>hoạt</a:t>
+            </a:r>
+            <a:r>
+              <a:rPr lang="vi-VN" dirty="0"/>
+              <a:t> </a:t>
+            </a:r>
+            <a:r>
+              <a:rPr lang="vi-VN" dirty="0" err="1"/>
+              <a:t>động</a:t>
+            </a:r>
+            <a:r>
+              <a:rPr lang="vi-VN" dirty="0"/>
+              <a:t> </a:t>
+            </a:r>
+            <a:r>
+              <a:rPr lang="vi-VN" dirty="0" err="1"/>
+              <a:t>nhập</a:t>
+            </a:r>
+            <a:r>
+              <a:rPr lang="vi-VN" dirty="0"/>
+              <a:t> - </a:t>
+            </a:r>
+            <a:r>
+              <a:rPr lang="vi-VN" dirty="0" err="1"/>
+              <a:t>xuất</a:t>
+            </a:r>
+            <a:r>
+              <a:rPr lang="vi-VN" dirty="0"/>
+              <a:t> kho, theo </a:t>
+            </a:r>
+            <a:r>
+              <a:rPr lang="vi-VN" dirty="0" err="1"/>
+              <a:t>dõi</a:t>
+            </a:r>
+            <a:r>
+              <a:rPr lang="vi-VN" dirty="0"/>
+              <a:t> </a:t>
+            </a:r>
+            <a:r>
+              <a:rPr lang="vi-VN" dirty="0" err="1"/>
+              <a:t>mượn</a:t>
+            </a:r>
+            <a:r>
+              <a:rPr lang="vi-VN" dirty="0"/>
+              <a:t> </a:t>
+            </a:r>
+            <a:r>
+              <a:rPr lang="vi-VN" dirty="0" err="1"/>
+              <a:t>trả</a:t>
+            </a:r>
+            <a:r>
+              <a:rPr lang="vi-VN" dirty="0"/>
+              <a:t> </a:t>
+            </a:r>
+            <a:r>
+              <a:rPr lang="vi-VN" dirty="0" err="1"/>
+              <a:t>sách</a:t>
+            </a:r>
+            <a:r>
+              <a:rPr lang="vi-VN" dirty="0"/>
+              <a:t>,.</a:t>
+            </a:r>
+            <a:r>
+              <a:rPr lang="vi-VN" dirty="0" err="1"/>
+              <a:t>v.v</a:t>
+            </a:r>
+            <a:r>
+              <a:rPr lang="vi-VN" dirty="0"/>
+              <a:t> </a:t>
+            </a:r>
+            <a:r>
+              <a:rPr lang="vi-VN" dirty="0" err="1"/>
+              <a:t>tại</a:t>
+            </a:r>
+            <a:r>
+              <a:rPr lang="vi-VN" dirty="0"/>
+              <a:t> thư </a:t>
+            </a:r>
+            <a:r>
+              <a:rPr lang="vi-VN" dirty="0" err="1"/>
+              <a:t>viện</a:t>
+            </a:r>
+            <a:r>
+              <a:rPr lang="vi-VN" dirty="0"/>
+              <a:t>.</a:t>
+            </a:r>
+          </a:p>
+          <a:p>
+            <a:r>
+              <a:rPr lang="vi-VN" dirty="0" err="1"/>
+              <a:t>Phần</a:t>
+            </a:r>
+            <a:r>
+              <a:rPr lang="vi-VN" dirty="0"/>
+              <a:t> </a:t>
+            </a:r>
+            <a:r>
+              <a:rPr lang="vi-VN" dirty="0" err="1"/>
+              <a:t>mềm</a:t>
+            </a:r>
+            <a:r>
+              <a:rPr lang="vi-VN" dirty="0"/>
+              <a:t> </a:t>
+            </a:r>
+            <a:r>
+              <a:rPr lang="vi-VN" dirty="0" err="1"/>
+              <a:t>quản</a:t>
+            </a:r>
+            <a:r>
+              <a:rPr lang="vi-VN" dirty="0"/>
+              <a:t> </a:t>
+            </a:r>
+            <a:r>
+              <a:rPr lang="vi-VN" dirty="0" err="1"/>
+              <a:t>lý</a:t>
+            </a:r>
+            <a:r>
+              <a:rPr lang="vi-VN" dirty="0"/>
+              <a:t> thư </a:t>
+            </a:r>
+            <a:r>
+              <a:rPr lang="vi-VN" dirty="0" err="1"/>
+              <a:t>viện</a:t>
+            </a:r>
+            <a:r>
+              <a:rPr lang="vi-VN" dirty="0"/>
+              <a:t> </a:t>
+            </a:r>
+            <a:r>
+              <a:rPr lang="vi-VN" dirty="0" err="1"/>
+              <a:t>rất</a:t>
+            </a:r>
+            <a:r>
+              <a:rPr lang="vi-VN" dirty="0"/>
+              <a:t> </a:t>
+            </a:r>
+            <a:r>
+              <a:rPr lang="vi-VN" dirty="0" err="1"/>
+              <a:t>cần</a:t>
+            </a:r>
+            <a:r>
+              <a:rPr lang="vi-VN" dirty="0"/>
+              <a:t> </a:t>
+            </a:r>
+            <a:r>
+              <a:rPr lang="vi-VN" dirty="0" err="1"/>
+              <a:t>thiết</a:t>
+            </a:r>
+            <a:r>
+              <a:rPr lang="vi-VN" dirty="0"/>
+              <a:t> </a:t>
+            </a:r>
+            <a:r>
+              <a:rPr lang="vi-VN" dirty="0" err="1"/>
+              <a:t>dùng</a:t>
+            </a:r>
+            <a:r>
+              <a:rPr lang="vi-VN" dirty="0"/>
+              <a:t> </a:t>
+            </a:r>
+            <a:r>
+              <a:rPr lang="vi-VN" dirty="0" err="1"/>
+              <a:t>vào</a:t>
+            </a:r>
+            <a:r>
+              <a:rPr lang="vi-VN" dirty="0"/>
+              <a:t> </a:t>
+            </a:r>
+            <a:r>
+              <a:rPr lang="vi-VN" dirty="0" err="1"/>
+              <a:t>việc</a:t>
+            </a:r>
+            <a:r>
+              <a:rPr lang="vi-VN" dirty="0"/>
+              <a:t> </a:t>
+            </a:r>
+            <a:r>
+              <a:rPr lang="vi-VN" dirty="0" err="1"/>
+              <a:t>quản</a:t>
+            </a:r>
+            <a:r>
+              <a:rPr lang="vi-VN" dirty="0"/>
+              <a:t> </a:t>
+            </a:r>
+            <a:r>
+              <a:rPr lang="vi-VN" dirty="0" err="1"/>
+              <a:t>lý</a:t>
+            </a:r>
+            <a:r>
+              <a:rPr lang="vi-VN" dirty="0"/>
+              <a:t> thư </a:t>
+            </a:r>
+            <a:r>
+              <a:rPr lang="vi-VN" dirty="0" err="1"/>
+              <a:t>viện</a:t>
+            </a:r>
+            <a:r>
+              <a:rPr lang="vi-VN" dirty="0"/>
+              <a:t> </a:t>
+            </a:r>
+            <a:r>
+              <a:rPr lang="vi-VN" dirty="0" err="1"/>
+              <a:t>trường</a:t>
+            </a:r>
+            <a:r>
+              <a:rPr lang="vi-VN" dirty="0"/>
+              <a:t> </a:t>
+            </a:r>
+            <a:r>
+              <a:rPr lang="vi-VN" dirty="0" err="1"/>
+              <a:t>học</a:t>
+            </a:r>
+            <a:r>
+              <a:rPr lang="vi-VN" dirty="0"/>
+              <a:t>. </a:t>
             </a:r>
           </a:p>
         </p:txBody>
@@ -5703,39 +11727,297 @@
               <a:buNone/>
             </a:pPr>
             <a:r>
-              <a:rPr lang="vi-VN" sz="4000" b="1"/>
-              <a:t>2. Chức năng:</a:t>
-            </a:r>
-          </a:p>
-          <a:p>
-            <a:r>
-              <a:rPr lang="vi-VN"/>
-              <a:t>Thông tin về mã sách được quản lý sách một cách thuận tiện. Dễ dàng tìm kiếm và phân loại sách</a:t>
-            </a:r>
-          </a:p>
-          <a:p>
-            <a:r>
-              <a:rPr lang="vi-VN"/>
-              <a:t>Quản lý thông tin, thời gian khi sách được mượn bởi người mượn</a:t>
-            </a:r>
-          </a:p>
-          <a:p>
-            <a:r>
-              <a:rPr lang="vi-VN"/>
-              <a:t>Quản lý được thông tin của người mượn</a:t>
-            </a:r>
-          </a:p>
-          <a:p>
-            <a:endParaRPr lang="vi-VN"/>
-          </a:p>
-          <a:p>
-            <a:endParaRPr lang="vi-VN"/>
-          </a:p>
-          <a:p>
-            <a:endParaRPr lang="vi-VN"/>
-          </a:p>
-          <a:p>
-            <a:endParaRPr lang="vi-VN"/>
+              <a:rPr lang="vi-VN" sz="4000" b="1" dirty="0"/>
+              <a:t>2. </a:t>
+            </a:r>
+            <a:r>
+              <a:rPr lang="vi-VN" sz="4000" b="1" dirty="0" err="1"/>
+              <a:t>Chức</a:t>
+            </a:r>
+            <a:r>
+              <a:rPr lang="vi-VN" sz="4000" b="1" dirty="0"/>
+              <a:t> năng:</a:t>
+            </a:r>
+          </a:p>
+          <a:p>
+            <a:pPr algn="just"/>
+            <a:r>
+              <a:rPr lang="vi-VN" dirty="0"/>
+              <a:t>Thông tin </a:t>
+            </a:r>
+            <a:r>
+              <a:rPr lang="vi-VN" dirty="0" err="1"/>
+              <a:t>về</a:t>
+            </a:r>
+            <a:r>
+              <a:rPr lang="vi-VN" dirty="0"/>
+              <a:t> </a:t>
+            </a:r>
+            <a:r>
+              <a:rPr lang="vi-VN" dirty="0" err="1"/>
+              <a:t>mã</a:t>
+            </a:r>
+            <a:r>
+              <a:rPr lang="vi-VN" dirty="0"/>
+              <a:t> </a:t>
+            </a:r>
+            <a:r>
+              <a:rPr lang="vi-VN" dirty="0" err="1"/>
+              <a:t>sách</a:t>
+            </a:r>
+            <a:r>
+              <a:rPr lang="vi-VN" dirty="0"/>
+              <a:t> </a:t>
+            </a:r>
+            <a:r>
+              <a:rPr lang="vi-VN" dirty="0" err="1"/>
+              <a:t>được</a:t>
+            </a:r>
+            <a:r>
+              <a:rPr lang="vi-VN" dirty="0"/>
+              <a:t> </a:t>
+            </a:r>
+            <a:r>
+              <a:rPr lang="vi-VN" dirty="0" err="1"/>
+              <a:t>quản</a:t>
+            </a:r>
+            <a:r>
+              <a:rPr lang="vi-VN" dirty="0"/>
+              <a:t> </a:t>
+            </a:r>
+            <a:r>
+              <a:rPr lang="vi-VN" dirty="0" err="1"/>
+              <a:t>lý</a:t>
+            </a:r>
+            <a:r>
+              <a:rPr lang="vi-VN" dirty="0"/>
+              <a:t> </a:t>
+            </a:r>
+            <a:r>
+              <a:rPr lang="vi-VN" dirty="0" err="1"/>
+              <a:t>sách</a:t>
+            </a:r>
+            <a:r>
+              <a:rPr lang="vi-VN" dirty="0"/>
+              <a:t> </a:t>
+            </a:r>
+            <a:r>
+              <a:rPr lang="vi-VN" dirty="0" err="1"/>
+              <a:t>một</a:t>
+            </a:r>
+            <a:r>
+              <a:rPr lang="vi-VN" dirty="0"/>
+              <a:t> </a:t>
+            </a:r>
+            <a:r>
+              <a:rPr lang="vi-VN" dirty="0" err="1"/>
+              <a:t>cách</a:t>
+            </a:r>
+            <a:r>
+              <a:rPr lang="vi-VN" dirty="0"/>
+              <a:t> </a:t>
+            </a:r>
+            <a:r>
+              <a:rPr lang="vi-VN" dirty="0" err="1"/>
+              <a:t>thuận</a:t>
+            </a:r>
+            <a:r>
+              <a:rPr lang="vi-VN" dirty="0"/>
+              <a:t> </a:t>
+            </a:r>
+            <a:r>
+              <a:rPr lang="vi-VN" dirty="0" err="1"/>
+              <a:t>tiện</a:t>
+            </a:r>
+            <a:r>
+              <a:rPr lang="vi-VN" dirty="0"/>
+              <a:t>. </a:t>
+            </a:r>
+            <a:r>
+              <a:rPr lang="vi-VN" dirty="0" err="1"/>
+              <a:t>Dễ</a:t>
+            </a:r>
+            <a:r>
+              <a:rPr lang="vi-VN" dirty="0"/>
+              <a:t> </a:t>
+            </a:r>
+            <a:r>
+              <a:rPr lang="vi-VN" dirty="0" err="1"/>
+              <a:t>dàng</a:t>
+            </a:r>
+            <a:r>
+              <a:rPr lang="vi-VN" dirty="0"/>
+              <a:t> </a:t>
+            </a:r>
+            <a:r>
+              <a:rPr lang="vi-VN" dirty="0" err="1"/>
+              <a:t>tìm</a:t>
+            </a:r>
+            <a:r>
+              <a:rPr lang="vi-VN" dirty="0"/>
+              <a:t> </a:t>
+            </a:r>
+            <a:r>
+              <a:rPr lang="vi-VN" dirty="0" err="1"/>
+              <a:t>kiếm</a:t>
+            </a:r>
+            <a:r>
+              <a:rPr lang="vi-VN" dirty="0"/>
+              <a:t> </a:t>
+            </a:r>
+            <a:r>
+              <a:rPr lang="vi-VN" dirty="0" err="1"/>
+              <a:t>và</a:t>
+            </a:r>
+            <a:r>
+              <a:rPr lang="vi-VN" dirty="0"/>
+              <a:t> phân </a:t>
+            </a:r>
+            <a:r>
+              <a:rPr lang="vi-VN" dirty="0" err="1"/>
+              <a:t>loại</a:t>
+            </a:r>
+            <a:r>
+              <a:rPr lang="vi-VN" dirty="0"/>
+              <a:t> </a:t>
+            </a:r>
+            <a:r>
+              <a:rPr lang="vi-VN" dirty="0" err="1"/>
+              <a:t>sách</a:t>
+            </a:r>
+            <a:endParaRPr lang="vi-VN" dirty="0"/>
+          </a:p>
+          <a:p>
+            <a:pPr algn="just"/>
+            <a:r>
+              <a:rPr lang="vi-VN" dirty="0" err="1"/>
+              <a:t>Quản</a:t>
+            </a:r>
+            <a:r>
+              <a:rPr lang="vi-VN" dirty="0"/>
+              <a:t> </a:t>
+            </a:r>
+            <a:r>
+              <a:rPr lang="vi-VN" dirty="0" err="1"/>
+              <a:t>lý</a:t>
+            </a:r>
+            <a:r>
+              <a:rPr lang="vi-VN" dirty="0"/>
+              <a:t> thông tin, </a:t>
+            </a:r>
+            <a:r>
+              <a:rPr lang="vi-VN" dirty="0" err="1"/>
+              <a:t>thời</a:t>
+            </a:r>
+            <a:r>
+              <a:rPr lang="vi-VN" dirty="0"/>
+              <a:t> gian khi </a:t>
+            </a:r>
+            <a:r>
+              <a:rPr lang="vi-VN" dirty="0" err="1"/>
+              <a:t>sách</a:t>
+            </a:r>
+            <a:r>
+              <a:rPr lang="vi-VN" dirty="0"/>
+              <a:t> </a:t>
+            </a:r>
+            <a:r>
+              <a:rPr lang="vi-VN" dirty="0" err="1"/>
+              <a:t>được</a:t>
+            </a:r>
+            <a:r>
+              <a:rPr lang="vi-VN" dirty="0"/>
+              <a:t> </a:t>
+            </a:r>
+            <a:r>
+              <a:rPr lang="vi-VN" dirty="0" err="1"/>
+              <a:t>mượn</a:t>
+            </a:r>
+            <a:r>
+              <a:rPr lang="vi-VN" dirty="0"/>
+              <a:t> </a:t>
+            </a:r>
+            <a:r>
+              <a:rPr lang="vi-VN" dirty="0" err="1"/>
+              <a:t>bởi</a:t>
+            </a:r>
+            <a:r>
+              <a:rPr lang="vi-VN" dirty="0"/>
+              <a:t> </a:t>
+            </a:r>
+            <a:r>
+              <a:rPr lang="vi-VN" dirty="0" err="1"/>
+              <a:t>người</a:t>
+            </a:r>
+            <a:r>
+              <a:rPr lang="vi-VN" dirty="0"/>
+              <a:t> </a:t>
+            </a:r>
+            <a:r>
+              <a:rPr lang="vi-VN" dirty="0" err="1"/>
+              <a:t>mượn</a:t>
+            </a:r>
+            <a:endParaRPr lang="vi-VN" dirty="0"/>
+          </a:p>
+          <a:p>
+            <a:pPr algn="just"/>
+            <a:r>
+              <a:rPr lang="vi-VN" dirty="0" err="1"/>
+              <a:t>Quản</a:t>
+            </a:r>
+            <a:r>
+              <a:rPr lang="vi-VN" dirty="0"/>
+              <a:t> </a:t>
+            </a:r>
+            <a:r>
+              <a:rPr lang="vi-VN" dirty="0" err="1"/>
+              <a:t>lý</a:t>
+            </a:r>
+            <a:r>
+              <a:rPr lang="vi-VN" dirty="0"/>
+              <a:t> </a:t>
+            </a:r>
+            <a:r>
+              <a:rPr lang="vi-VN" dirty="0" err="1"/>
+              <a:t>được</a:t>
+            </a:r>
+            <a:r>
+              <a:rPr lang="vi-VN" dirty="0"/>
+              <a:t> thông tin </a:t>
+            </a:r>
+            <a:r>
+              <a:rPr lang="vi-VN" dirty="0" err="1"/>
+              <a:t>của</a:t>
+            </a:r>
+            <a:r>
+              <a:rPr lang="vi-VN" dirty="0"/>
+              <a:t> </a:t>
+            </a:r>
+            <a:r>
+              <a:rPr lang="vi-VN" dirty="0" err="1"/>
+              <a:t>người</a:t>
+            </a:r>
+            <a:r>
+              <a:rPr lang="vi-VN" dirty="0"/>
+              <a:t> </a:t>
+            </a:r>
+            <a:r>
+              <a:rPr lang="vi-VN" dirty="0" err="1"/>
+              <a:t>mượn</a:t>
+            </a:r>
+            <a:endParaRPr lang="vi-VN" dirty="0"/>
+          </a:p>
+          <a:p>
+            <a:endParaRPr lang="vi-VN" dirty="0"/>
+          </a:p>
+          <a:p>
+            <a:endParaRPr lang="vi-VN" dirty="0"/>
+          </a:p>
+          <a:p>
+            <a:endParaRPr lang="vi-VN" dirty="0"/>
+          </a:p>
+          <a:p>
+            <a:endParaRPr lang="vi-VN" dirty="0"/>
           </a:p>
         </p:txBody>
       </p:sp>
@@ -5870,10 +12152,10 @@
       </p:grpSpPr>
       <p:sp>
         <p:nvSpPr>
-          <p:cNvPr id="3" name="Content Placeholder 2">
+          <p:cNvPr id="2" name="Title 1">
             <a:extLst>
               <a:ext uri="{FF2B5EF4-FFF2-40B4-BE49-F238E27FC236}">
-                <a16:creationId xmlns:a16="http://schemas.microsoft.com/office/drawing/2014/main" id="{FA79B129-F2CF-4EB6-919A-9D753D86F81C}"/>
+                <a16:creationId xmlns:a16="http://schemas.microsoft.com/office/drawing/2014/main" id="{47A79F88-FA1C-43C9-B65B-C078745F1D3E}"/>
               </a:ext>
             </a:extLst>
           </p:cNvPr>
@@ -5881,13 +12163,13 @@
             <a:spLocks noGrp="1"/>
           </p:cNvSpPr>
           <p:nvPr>
-            <p:ph idx="1"/>
+            <p:ph type="title"/>
           </p:nvPr>
         </p:nvSpPr>
         <p:spPr>
           <a:xfrm>
-            <a:off x="681038" y="1134878"/>
-            <a:ext cx="8543925" cy="5042085"/>
+            <a:off x="682328" y="987427"/>
+            <a:ext cx="9128937" cy="1072032"/>
           </a:xfrm>
         </p:spPr>
         <p:txBody>
@@ -5896,24 +12178,241 @@
           </a:bodyPr>
           <a:lstStyle/>
           <a:p>
-            <a:pPr marL="0" indent="0">
-              <a:buNone/>
-            </a:pPr>
-            <a:r>
-              <a:rPr lang="vi-VN" sz="4000">
-                <a:latin typeface="+mj-lt"/>
-              </a:rPr>
-              <a:t>Giao diện chương trình:</a:t>
-            </a:r>
+            <a:r>
+              <a:rPr lang="vi-VN" b="1" dirty="0">
+                <a:latin typeface="+mn-lt"/>
+              </a:rPr>
+              <a:t>3. </a:t>
+            </a:r>
+            <a:r>
+              <a:rPr lang="en-US" b="1" dirty="0" err="1">
+                <a:latin typeface="Arial" panose="020B0604020202020204" pitchFamily="34" charset="0"/>
+                <a:cs typeface="Arial" panose="020B0604020202020204" pitchFamily="34" charset="0"/>
+              </a:rPr>
+              <a:t>Cấu</a:t>
+            </a:r>
+            <a:r>
+              <a:rPr lang="en-US" b="1" dirty="0">
+                <a:latin typeface="Arial" panose="020B0604020202020204" pitchFamily="34" charset="0"/>
+                <a:cs typeface="Arial" panose="020B0604020202020204" pitchFamily="34" charset="0"/>
+              </a:rPr>
+              <a:t> </a:t>
+            </a:r>
+            <a:r>
+              <a:rPr lang="en-US" b="1" dirty="0" err="1">
+                <a:latin typeface="Arial" panose="020B0604020202020204" pitchFamily="34" charset="0"/>
+                <a:cs typeface="Arial" panose="020B0604020202020204" pitchFamily="34" charset="0"/>
+              </a:rPr>
+              <a:t>trúc</a:t>
+            </a:r>
+            <a:r>
+              <a:rPr lang="vi-VN" b="1" dirty="0">
+                <a:latin typeface="Arial" panose="020B0604020202020204" pitchFamily="34" charset="0"/>
+                <a:cs typeface="Arial" panose="020B0604020202020204" pitchFamily="34" charset="0"/>
+              </a:rPr>
+              <a:t> </a:t>
+            </a:r>
+            <a:r>
+              <a:rPr lang="vi-VN" b="1" dirty="0" err="1">
+                <a:latin typeface="+mn-lt"/>
+              </a:rPr>
+              <a:t>dữ</a:t>
+            </a:r>
+            <a:r>
+              <a:rPr lang="vi-VN" b="1" dirty="0">
+                <a:latin typeface="+mn-lt"/>
+              </a:rPr>
+              <a:t> </a:t>
+            </a:r>
+            <a:r>
+              <a:rPr lang="vi-VN" b="1" dirty="0" err="1">
+                <a:latin typeface="+mn-lt"/>
+              </a:rPr>
+              <a:t>liệu</a:t>
+            </a:r>
+            <a:r>
+              <a:rPr lang="vi-VN" b="1" dirty="0">
+                <a:latin typeface="+mn-lt"/>
+              </a:rPr>
+              <a:t> </a:t>
+            </a:r>
+            <a:r>
+              <a:rPr lang="vi-VN" b="1" dirty="0" err="1">
+                <a:latin typeface="+mn-lt"/>
+              </a:rPr>
+              <a:t>được</a:t>
+            </a:r>
+            <a:r>
+              <a:rPr lang="vi-VN" b="1" dirty="0">
+                <a:latin typeface="+mn-lt"/>
+              </a:rPr>
+              <a:t> </a:t>
+            </a:r>
+            <a:r>
+              <a:rPr lang="vi-VN" b="1" dirty="0" err="1">
+                <a:latin typeface="+mn-lt"/>
+              </a:rPr>
+              <a:t>sử</a:t>
+            </a:r>
+            <a:r>
+              <a:rPr lang="vi-VN" b="1" dirty="0">
+                <a:latin typeface="+mn-lt"/>
+              </a:rPr>
+              <a:t> </a:t>
+            </a:r>
+            <a:r>
+              <a:rPr lang="vi-VN" b="1" dirty="0" err="1">
+                <a:latin typeface="+mn-lt"/>
+              </a:rPr>
+              <a:t>dụng</a:t>
+            </a:r>
+            <a:r>
+              <a:rPr lang="en-US" b="1" dirty="0">
+                <a:latin typeface="+mn-lt"/>
+              </a:rPr>
+              <a:t>:</a:t>
+            </a:r>
+            <a:br>
+              <a:rPr lang="en-US" b="1" dirty="0"/>
+            </a:br>
+            <a:endParaRPr lang="en-US" dirty="0"/>
           </a:p>
         </p:txBody>
       </p:sp>
       <p:sp>
         <p:nvSpPr>
-          <p:cNvPr id="4" name="Title 1">
+          <p:cNvPr id="4" name="Text Placeholder 3">
             <a:extLst>
               <a:ext uri="{FF2B5EF4-FFF2-40B4-BE49-F238E27FC236}">
-                <a16:creationId xmlns:a16="http://schemas.microsoft.com/office/drawing/2014/main" id="{1ED985E9-9930-4444-BABA-236CF2490EEF}"/>
+                <a16:creationId xmlns:a16="http://schemas.microsoft.com/office/drawing/2014/main" id="{188D9BD0-3F05-4F6E-943F-2553EA873FB0}"/>
+              </a:ext>
+            </a:extLst>
+          </p:cNvPr>
+          <p:cNvSpPr>
+            <a:spLocks noGrp="1"/>
+          </p:cNvSpPr>
+          <p:nvPr>
+            <p:ph type="body" sz="half" idx="2"/>
+          </p:nvPr>
+        </p:nvSpPr>
+        <p:spPr>
+          <a:xfrm>
+            <a:off x="682328" y="1775959"/>
+            <a:ext cx="8741758" cy="1072032"/>
+          </a:xfrm>
+        </p:spPr>
+        <p:txBody>
+          <a:bodyPr>
+            <a:normAutofit/>
+          </a:bodyPr>
+          <a:lstStyle/>
+          <a:p>
+            <a:pPr marL="342900" indent="-342900">
+              <a:buFont typeface="Arial" panose="020B0604020202020204" pitchFamily="34" charset="0"/>
+              <a:buChar char="•"/>
+            </a:pPr>
+            <a:r>
+              <a:rPr lang="vi-VN" sz="2400" dirty="0" err="1"/>
+              <a:t>Struct</a:t>
+            </a:r>
+            <a:r>
+              <a:rPr lang="vi-VN" sz="2400" dirty="0"/>
+              <a:t> </a:t>
+            </a:r>
+            <a:r>
+              <a:rPr lang="vi-VN" sz="2400" dirty="0" err="1"/>
+              <a:t>Thuvien</a:t>
+            </a:r>
+            <a:r>
+              <a:rPr lang="vi-VN" sz="2400" dirty="0"/>
+              <a:t> </a:t>
+            </a:r>
+            <a:r>
+              <a:rPr lang="vi-VN" sz="2400" dirty="0" err="1"/>
+              <a:t>dùng</a:t>
+            </a:r>
+            <a:r>
+              <a:rPr lang="vi-VN" sz="2400" dirty="0"/>
+              <a:t> </a:t>
+            </a:r>
+            <a:r>
+              <a:rPr lang="vi-VN" sz="2400" dirty="0" err="1"/>
+              <a:t>để</a:t>
+            </a:r>
+            <a:r>
+              <a:rPr lang="vi-VN" sz="2400" dirty="0"/>
+              <a:t> lưu </a:t>
+            </a:r>
+            <a:r>
+              <a:rPr lang="vi-VN" sz="2400" dirty="0" err="1"/>
+              <a:t>các</a:t>
+            </a:r>
+            <a:r>
+              <a:rPr lang="vi-VN" sz="2400" dirty="0"/>
+              <a:t> thông tin </a:t>
+            </a:r>
+            <a:r>
+              <a:rPr lang="vi-VN" sz="2400" dirty="0" err="1"/>
+              <a:t>về</a:t>
+            </a:r>
+            <a:r>
+              <a:rPr lang="vi-VN" sz="2400" dirty="0"/>
+              <a:t> </a:t>
+            </a:r>
+            <a:r>
+              <a:rPr lang="vi-VN" sz="2400" dirty="0" err="1"/>
+              <a:t>sách</a:t>
+            </a:r>
+            <a:r>
+              <a:rPr lang="vi-VN" sz="2400" dirty="0"/>
+              <a:t>, </a:t>
+            </a:r>
+            <a:r>
+              <a:rPr lang="vi-VN" sz="2400" dirty="0" err="1"/>
+              <a:t>struct</a:t>
+            </a:r>
+            <a:r>
+              <a:rPr lang="vi-VN" sz="2400" dirty="0"/>
+              <a:t> </a:t>
+            </a:r>
+            <a:r>
+              <a:rPr lang="vi-VN" sz="2400" dirty="0" err="1"/>
+              <a:t>này</a:t>
+            </a:r>
+            <a:r>
+              <a:rPr lang="vi-VN" sz="2400" dirty="0"/>
+              <a:t> </a:t>
+            </a:r>
+            <a:r>
+              <a:rPr lang="vi-VN" sz="2400" dirty="0" err="1"/>
+              <a:t>được</a:t>
+            </a:r>
+            <a:r>
+              <a:rPr lang="vi-VN" sz="2400" dirty="0"/>
+              <a:t> lưu trong </a:t>
+            </a:r>
+            <a:r>
+              <a:rPr lang="vi-VN" sz="2400" dirty="0" err="1"/>
+              <a:t>file</a:t>
+            </a:r>
+            <a:r>
+              <a:rPr lang="vi-VN" sz="2400" dirty="0"/>
+              <a:t> </a:t>
+            </a:r>
+            <a:r>
+              <a:rPr lang="vi-VN" sz="2400" dirty="0" err="1"/>
+              <a:t>khosach.bin</a:t>
+            </a:r>
+            <a:endParaRPr lang="en-US" sz="2400" dirty="0"/>
+          </a:p>
+        </p:txBody>
+      </p:sp>
+      <p:sp>
+        <p:nvSpPr>
+          <p:cNvPr id="5" name="Title 1">
+            <a:extLst>
+              <a:ext uri="{FF2B5EF4-FFF2-40B4-BE49-F238E27FC236}">
+                <a16:creationId xmlns:a16="http://schemas.microsoft.com/office/drawing/2014/main" id="{68D43CE2-ACC3-4800-845A-40DD1A52927D}"/>
               </a:ext>
             </a:extLst>
           </p:cNvPr>
@@ -5956,27 +12455,22 @@
           </a:lstStyle>
           <a:p>
             <a:r>
-              <a:rPr lang="vi-VN" sz="2400" b="1">
+              <a:rPr lang="vi-VN" sz="2400" b="1" dirty="0">
                 <a:solidFill>
                   <a:schemeClr val="bg1"/>
                 </a:solidFill>
               </a:rPr>
               <a:t>QUẢN LÝ SÁCH THƯ VIỆN BẰNG PHẦN MỀM C++</a:t>
             </a:r>
-            <a:endParaRPr lang="vi-VN" sz="2400" b="1" dirty="0">
-              <a:solidFill>
-                <a:schemeClr val="bg1"/>
-              </a:solidFill>
-            </a:endParaRPr>
           </a:p>
         </p:txBody>
       </p:sp>
       <p:pic>
         <p:nvPicPr>
-          <p:cNvPr id="5" name="Content Placeholder 5">
+          <p:cNvPr id="9" name="Picture 8">
             <a:extLst>
               <a:ext uri="{FF2B5EF4-FFF2-40B4-BE49-F238E27FC236}">
-                <a16:creationId xmlns:a16="http://schemas.microsoft.com/office/drawing/2014/main" id="{FBAB07E9-89FF-4B75-BEC8-63EBD30B37AA}"/>
+                <a16:creationId xmlns:a16="http://schemas.microsoft.com/office/drawing/2014/main" id="{95975859-23A2-416A-9D16-4715ACE3A254}"/>
               </a:ext>
             </a:extLst>
           </p:cNvPr>
@@ -5986,70 +12480,25 @@
           <p:nvPr/>
         </p:nvPicPr>
         <p:blipFill>
-          <a:blip r:embed="rId2" cstate="print">
-            <a:extLst>
-              <a:ext uri="{28A0092B-C50C-407E-A947-70E740481C1C}">
-                <a14:useLocalDpi xmlns:a14="http://schemas.microsoft.com/office/drawing/2010/main" val="0"/>
-              </a:ext>
-            </a:extLst>
-          </a:blip>
+          <a:blip r:embed="rId2"/>
           <a:stretch>
             <a:fillRect/>
           </a:stretch>
         </p:blipFill>
         <p:spPr>
           <a:xfrm>
-            <a:off x="437319" y="93332"/>
-            <a:ext cx="548999" cy="720045"/>
+            <a:off x="1320114" y="3048865"/>
+            <a:ext cx="6522308" cy="2821708"/>
           </a:xfrm>
           <a:prstGeom prst="rect">
             <a:avLst/>
           </a:prstGeom>
         </p:spPr>
       </p:pic>
-      <p:pic>
-        <p:nvPicPr>
-          <p:cNvPr id="6" name="Picture 5">
-            <a:extLst>
-              <a:ext uri="{FF2B5EF4-FFF2-40B4-BE49-F238E27FC236}">
-                <a16:creationId xmlns:a16="http://schemas.microsoft.com/office/drawing/2014/main" id="{44C0EAD3-07B1-40FB-B398-2D11FA210F61}"/>
-              </a:ext>
-            </a:extLst>
-          </p:cNvPr>
-          <p:cNvPicPr/>
-          <p:nvPr/>
-        </p:nvPicPr>
-        <p:blipFill>
-          <a:blip r:embed="rId3">
-            <a:extLst>
-              <a:ext uri="{28A0092B-C50C-407E-A947-70E740481C1C}">
-                <a14:useLocalDpi xmlns:a14="http://schemas.microsoft.com/office/drawing/2010/main" val="0"/>
-              </a:ext>
-            </a:extLst>
-          </a:blip>
-          <a:srcRect/>
-          <a:stretch>
-            <a:fillRect/>
-          </a:stretch>
-        </p:blipFill>
-        <p:spPr bwMode="auto">
-          <a:xfrm>
-            <a:off x="856748" y="1775009"/>
-            <a:ext cx="7384883" cy="4084371"/>
-          </a:xfrm>
-          <a:prstGeom prst="rect">
-            <a:avLst/>
-          </a:prstGeom>
-          <a:noFill/>
-          <a:ln>
-            <a:noFill/>
-          </a:ln>
-        </p:spPr>
-      </p:pic>
     </p:spTree>
     <p:extLst>
       <p:ext uri="{BB962C8B-B14F-4D97-AF65-F5344CB8AC3E}">
-        <p14:creationId xmlns:p14="http://schemas.microsoft.com/office/powerpoint/2010/main" val="2877258901"/>
+        <p14:creationId xmlns:p14="http://schemas.microsoft.com/office/powerpoint/2010/main" val="3405554713"/>
       </p:ext>
     </p:extLst>
   </p:cSld>
